--- a/Zhong-an.pptx
+++ b/Zhong-an.pptx
@@ -148,7 +148,7 @@
   </p:defaultTextStyle>
   <p:extLst>
     <p:ext uri="{EFAFB233-063F-42B5-8137-9DF3F51BA10A}">
-      <p15:sldGuideLst xmlns:p15="http://schemas.microsoft.com/office/powerpoint/2012/main">
+      <p15:sldGuideLst xmlns:p15="http://schemas.microsoft.com/office/powerpoint/2012/main" xmlns="">
         <p15:guide id="1" orient="horz" pos="2160">
           <p15:clr>
             <a:srgbClr val="A4A3A4"/>
@@ -247,7 +247,7 @@
           <a:p>
             <a:fld id="{6810DCE6-BB3C-0545-B9EE-DBBA8A3ACCE7}" type="datetimeFigureOut">
               <a:rPr kumimoji="1" lang="ja-JP" altLang="en-US" smtClean="0"/>
-              <a:t>2018/3/11</a:t>
+              <a:t>2018/3/12</a:t>
             </a:fld>
             <a:endParaRPr kumimoji="1" lang="ja-JP" altLang="en-US"/>
           </a:p>
@@ -1847,7 +1847,7 @@
           <a:p>
             <a:fld id="{9EEFE778-F169-894E-A514-3A159230DBB1}" type="datetime1">
               <a:rPr kumimoji="1" lang="ja-JP" altLang="en-US" smtClean="0"/>
-              <a:t>2018/3/11</a:t>
+              <a:t>2018/3/12</a:t>
             </a:fld>
             <a:endParaRPr kumimoji="1" lang="ja-JP" altLang="en-US"/>
           </a:p>
@@ -6551,7 +6551,7 @@
           <p:cNvPr id="2" name="タイトル 1">
             <a:extLst>
               <a:ext uri="{FF2B5EF4-FFF2-40B4-BE49-F238E27FC236}">
-                <a16:creationId xmlns:a16="http://schemas.microsoft.com/office/drawing/2014/main" id="{233BE0B9-EC22-9E45-96CF-FEB94823FF5A}"/>
+                <a16:creationId xmlns:a16="http://schemas.microsoft.com/office/drawing/2014/main" xmlns="" id="{233BE0B9-EC22-9E45-96CF-FEB94823FF5A}"/>
               </a:ext>
             </a:extLst>
           </p:cNvPr>
@@ -6567,7 +6567,11 @@
           <a:bodyPr/>
           <a:lstStyle/>
           <a:p>
-            <a:endParaRPr kumimoji="1" lang="ja-JP" altLang="en-US"/>
+            <a:r>
+              <a:rPr kumimoji="1" lang="ja-JP" altLang="en-US" dirty="0" smtClean="0"/>
+              <a:t>参考記事等のリンク先</a:t>
+            </a:r>
+            <a:endParaRPr kumimoji="1" lang="ja-JP" altLang="en-US" dirty="0"/>
           </a:p>
         </p:txBody>
       </p:sp>
@@ -6576,7 +6580,7 @@
           <p:cNvPr id="3" name="コンテンツ プレースホルダー 2">
             <a:extLst>
               <a:ext uri="{FF2B5EF4-FFF2-40B4-BE49-F238E27FC236}">
-                <a16:creationId xmlns:a16="http://schemas.microsoft.com/office/drawing/2014/main" id="{D0626CCE-9186-1C43-B117-6191A783EAC9}"/>
+                <a16:creationId xmlns:a16="http://schemas.microsoft.com/office/drawing/2014/main" xmlns="" id="{D0626CCE-9186-1C43-B117-6191A783EAC9}"/>
               </a:ext>
             </a:extLst>
           </p:cNvPr>
@@ -6721,7 +6725,7 @@
           <p:cNvPr id="4" name="スライド番号プレースホルダー 3">
             <a:extLst>
               <a:ext uri="{FF2B5EF4-FFF2-40B4-BE49-F238E27FC236}">
-                <a16:creationId xmlns:a16="http://schemas.microsoft.com/office/drawing/2014/main" id="{E8805CC6-65FA-5045-A156-977F442BD51C}"/>
+                <a16:creationId xmlns:a16="http://schemas.microsoft.com/office/drawing/2014/main" xmlns="" id="{E8805CC6-65FA-5045-A156-977F442BD51C}"/>
               </a:ext>
             </a:extLst>
           </p:cNvPr>
@@ -6849,7 +6853,7 @@
           <p:cNvPr id="5" name="正方形/長方形 4">
             <a:extLst>
               <a:ext uri="{FF2B5EF4-FFF2-40B4-BE49-F238E27FC236}">
-                <a16:creationId xmlns:a16="http://schemas.microsoft.com/office/drawing/2014/main" id="{745E8694-DE71-0A47-AA8F-D63AA7D84FE7}"/>
+                <a16:creationId xmlns:a16="http://schemas.microsoft.com/office/drawing/2014/main" xmlns="" id="{745E8694-DE71-0A47-AA8F-D63AA7D84FE7}"/>
               </a:ext>
             </a:extLst>
           </p:cNvPr>
@@ -7024,7 +7028,7 @@
           <p:cNvPr id="5" name="コンテンツ プレースホルダー 4">
             <a:extLst>
               <a:ext uri="{FF2B5EF4-FFF2-40B4-BE49-F238E27FC236}">
-                <a16:creationId xmlns:a16="http://schemas.microsoft.com/office/drawing/2014/main" id="{5A9F2255-6E22-F544-823B-83BBB56C350B}"/>
+                <a16:creationId xmlns:a16="http://schemas.microsoft.com/office/drawing/2014/main" xmlns="" id="{5A9F2255-6E22-F544-823B-83BBB56C350B}"/>
               </a:ext>
             </a:extLst>
           </p:cNvPr>
@@ -7242,6 +7246,10 @@
               <a:rPr lang="ja-JP" altLang="en-US" dirty="0"/>
               <a:t>）</a:t>
             </a:r>
+            <a:r>
+              <a:rPr lang="en-US" altLang="ja-JP" dirty="0"/>
+              <a:t/>
+            </a:r>
             <a:br>
               <a:rPr lang="en-US" altLang="ja-JP" dirty="0"/>
             </a:br>
@@ -7324,7 +7332,7 @@
           <p:cNvPr id="12" name="グループ化 11">
             <a:extLst>
               <a:ext uri="{FF2B5EF4-FFF2-40B4-BE49-F238E27FC236}">
-                <a16:creationId xmlns:a16="http://schemas.microsoft.com/office/drawing/2014/main" id="{9B964A4B-B199-4F46-B8EF-26C0B41765DF}"/>
+                <a16:creationId xmlns:a16="http://schemas.microsoft.com/office/drawing/2014/main" xmlns="" id="{9B964A4B-B199-4F46-B8EF-26C0B41765DF}"/>
               </a:ext>
             </a:extLst>
           </p:cNvPr>
@@ -7344,7 +7352,7 @@
             <p:cNvPr id="10" name="図 9">
               <a:extLst>
                 <a:ext uri="{FF2B5EF4-FFF2-40B4-BE49-F238E27FC236}">
-                  <a16:creationId xmlns:a16="http://schemas.microsoft.com/office/drawing/2014/main" id="{7398709D-AF86-DA4D-A161-C1BEE72EA1B1}"/>
+                  <a16:creationId xmlns:a16="http://schemas.microsoft.com/office/drawing/2014/main" xmlns="" id="{7398709D-AF86-DA4D-A161-C1BEE72EA1B1}"/>
                 </a:ext>
               </a:extLst>
             </p:cNvPr>
@@ -7385,7 +7393,7 @@
             <p:cNvPr id="11" name="図 10">
               <a:extLst>
                 <a:ext uri="{FF2B5EF4-FFF2-40B4-BE49-F238E27FC236}">
-                  <a16:creationId xmlns:a16="http://schemas.microsoft.com/office/drawing/2014/main" id="{7164B02D-1560-4444-BBCD-E5187F401A90}"/>
+                  <a16:creationId xmlns:a16="http://schemas.microsoft.com/office/drawing/2014/main" xmlns="" id="{7164B02D-1560-4444-BBCD-E5187F401A90}"/>
                 </a:ext>
               </a:extLst>
             </p:cNvPr>
@@ -7611,7 +7619,7 @@
           <p:cNvPr id="5" name="グループ化 4">
             <a:extLst>
               <a:ext uri="{FF2B5EF4-FFF2-40B4-BE49-F238E27FC236}">
-                <a16:creationId xmlns:a16="http://schemas.microsoft.com/office/drawing/2014/main" id="{8DF98148-2BD4-1147-AC4D-4D3DF9B842A4}"/>
+                <a16:creationId xmlns:a16="http://schemas.microsoft.com/office/drawing/2014/main" xmlns="" id="{8DF98148-2BD4-1147-AC4D-4D3DF9B842A4}"/>
               </a:ext>
             </a:extLst>
           </p:cNvPr>
@@ -7631,7 +7639,7 @@
             <p:cNvPr id="2" name="角丸四角形 1">
               <a:extLst>
                 <a:ext uri="{FF2B5EF4-FFF2-40B4-BE49-F238E27FC236}">
-                  <a16:creationId xmlns:a16="http://schemas.microsoft.com/office/drawing/2014/main" id="{F0CEF2BD-F72B-7C47-876B-704DB0AD10EB}"/>
+                  <a16:creationId xmlns:a16="http://schemas.microsoft.com/office/drawing/2014/main" xmlns="" id="{F0CEF2BD-F72B-7C47-876B-704DB0AD10EB}"/>
                 </a:ext>
               </a:extLst>
             </p:cNvPr>
@@ -7781,7 +7789,7 @@
             <p:cNvPr id="4" name="三角形 3">
               <a:extLst>
                 <a:ext uri="{FF2B5EF4-FFF2-40B4-BE49-F238E27FC236}">
-                  <a16:creationId xmlns:a16="http://schemas.microsoft.com/office/drawing/2014/main" id="{97B4AB4B-F28E-9D49-84C2-7DE81DFB45B2}"/>
+                  <a16:creationId xmlns:a16="http://schemas.microsoft.com/office/drawing/2014/main" xmlns="" id="{97B4AB4B-F28E-9D49-84C2-7DE81DFB45B2}"/>
                 </a:ext>
               </a:extLst>
             </p:cNvPr>
@@ -7837,7 +7845,7 @@
           <p:cNvPr id="9" name="角丸四角形 8">
             <a:extLst>
               <a:ext uri="{FF2B5EF4-FFF2-40B4-BE49-F238E27FC236}">
-                <a16:creationId xmlns:a16="http://schemas.microsoft.com/office/drawing/2014/main" id="{A693FCAD-BA62-DC48-B362-83316B937190}"/>
+                <a16:creationId xmlns:a16="http://schemas.microsoft.com/office/drawing/2014/main" xmlns="" id="{A693FCAD-BA62-DC48-B362-83316B937190}"/>
               </a:ext>
             </a:extLst>
           </p:cNvPr>
@@ -7995,7 +8003,7 @@
           <p:cNvPr id="10" name="三角形 9">
             <a:extLst>
               <a:ext uri="{FF2B5EF4-FFF2-40B4-BE49-F238E27FC236}">
-                <a16:creationId xmlns:a16="http://schemas.microsoft.com/office/drawing/2014/main" id="{2BBE26D0-8C1F-FE45-B66C-8F355514CDFB}"/>
+                <a16:creationId xmlns:a16="http://schemas.microsoft.com/office/drawing/2014/main" xmlns="" id="{2BBE26D0-8C1F-FE45-B66C-8F355514CDFB}"/>
               </a:ext>
             </a:extLst>
           </p:cNvPr>
@@ -8050,7 +8058,7 @@
           <p:cNvPr id="13" name="Picture 2" descr="7de5044b84ef9ddd2ef339d8e06cdc2e">
             <a:extLst>
               <a:ext uri="{FF2B5EF4-FFF2-40B4-BE49-F238E27FC236}">
-                <a16:creationId xmlns:a16="http://schemas.microsoft.com/office/drawing/2014/main" id="{35BEA022-459F-1C41-9A1A-5C85BC023781}"/>
+                <a16:creationId xmlns:a16="http://schemas.microsoft.com/office/drawing/2014/main" xmlns="" id="{35BEA022-459F-1C41-9A1A-5C85BC023781}"/>
               </a:ext>
             </a:extLst>
           </p:cNvPr>
@@ -8120,7 +8128,7 @@
           <p:cNvPr id="14" name="角丸四角形 13">
             <a:extLst>
               <a:ext uri="{FF2B5EF4-FFF2-40B4-BE49-F238E27FC236}">
-                <a16:creationId xmlns:a16="http://schemas.microsoft.com/office/drawing/2014/main" id="{4F3727F6-F7A0-F543-A2E1-B09F947225B3}"/>
+                <a16:creationId xmlns:a16="http://schemas.microsoft.com/office/drawing/2014/main" xmlns="" id="{4F3727F6-F7A0-F543-A2E1-B09F947225B3}"/>
               </a:ext>
             </a:extLst>
           </p:cNvPr>
@@ -8341,7 +8349,7 @@
           <p:cNvPr id="15" name="三角形 14">
             <a:extLst>
               <a:ext uri="{FF2B5EF4-FFF2-40B4-BE49-F238E27FC236}">
-                <a16:creationId xmlns:a16="http://schemas.microsoft.com/office/drawing/2014/main" id="{6954B501-8A77-B647-B0AE-FD257E2627B5}"/>
+                <a16:creationId xmlns:a16="http://schemas.microsoft.com/office/drawing/2014/main" xmlns="" id="{6954B501-8A77-B647-B0AE-FD257E2627B5}"/>
               </a:ext>
             </a:extLst>
           </p:cNvPr>
@@ -8553,7 +8561,7 @@
           <p:cNvPr id="8" name="角丸四角形 7">
             <a:extLst>
               <a:ext uri="{FF2B5EF4-FFF2-40B4-BE49-F238E27FC236}">
-                <a16:creationId xmlns:a16="http://schemas.microsoft.com/office/drawing/2014/main" id="{129A2DF7-9864-D54B-8A50-603902C4AD9B}"/>
+                <a16:creationId xmlns:a16="http://schemas.microsoft.com/office/drawing/2014/main" xmlns="" id="{129A2DF7-9864-D54B-8A50-603902C4AD9B}"/>
               </a:ext>
             </a:extLst>
           </p:cNvPr>
@@ -8665,7 +8673,7 @@
           <p:cNvPr id="9" name="三角形 8">
             <a:extLst>
               <a:ext uri="{FF2B5EF4-FFF2-40B4-BE49-F238E27FC236}">
-                <a16:creationId xmlns:a16="http://schemas.microsoft.com/office/drawing/2014/main" id="{E9E8B694-BA49-EF48-9C29-8328D905F9E0}"/>
+                <a16:creationId xmlns:a16="http://schemas.microsoft.com/office/drawing/2014/main" xmlns="" id="{E9E8B694-BA49-EF48-9C29-8328D905F9E0}"/>
               </a:ext>
             </a:extLst>
           </p:cNvPr>
@@ -8718,7 +8726,7 @@
           <p:cNvPr id="10" name="角丸四角形 9">
             <a:extLst>
               <a:ext uri="{FF2B5EF4-FFF2-40B4-BE49-F238E27FC236}">
-                <a16:creationId xmlns:a16="http://schemas.microsoft.com/office/drawing/2014/main" id="{3E9C6790-999D-DB41-B71F-FA64F4F06C17}"/>
+                <a16:creationId xmlns:a16="http://schemas.microsoft.com/office/drawing/2014/main" xmlns="" id="{3E9C6790-999D-DB41-B71F-FA64F4F06C17}"/>
               </a:ext>
             </a:extLst>
           </p:cNvPr>
@@ -8816,7 +8824,7 @@
           <p:cNvPr id="11" name="三角形 10">
             <a:extLst>
               <a:ext uri="{FF2B5EF4-FFF2-40B4-BE49-F238E27FC236}">
-                <a16:creationId xmlns:a16="http://schemas.microsoft.com/office/drawing/2014/main" id="{EF9EB158-CBD8-5841-A2C3-556FBE6E6374}"/>
+                <a16:creationId xmlns:a16="http://schemas.microsoft.com/office/drawing/2014/main" xmlns="" id="{EF9EB158-CBD8-5841-A2C3-556FBE6E6374}"/>
               </a:ext>
             </a:extLst>
           </p:cNvPr>
@@ -8869,7 +8877,7 @@
           <p:cNvPr id="13" name="角丸四角形 12">
             <a:extLst>
               <a:ext uri="{FF2B5EF4-FFF2-40B4-BE49-F238E27FC236}">
-                <a16:creationId xmlns:a16="http://schemas.microsoft.com/office/drawing/2014/main" id="{1B1AF8A7-6210-2844-A566-44B5CA0323F8}"/>
+                <a16:creationId xmlns:a16="http://schemas.microsoft.com/office/drawing/2014/main" xmlns="" id="{1B1AF8A7-6210-2844-A566-44B5CA0323F8}"/>
               </a:ext>
             </a:extLst>
           </p:cNvPr>
@@ -8945,7 +8953,7 @@
           <p:cNvPr id="14" name="三角形 13">
             <a:extLst>
               <a:ext uri="{FF2B5EF4-FFF2-40B4-BE49-F238E27FC236}">
-                <a16:creationId xmlns:a16="http://schemas.microsoft.com/office/drawing/2014/main" id="{3A737C97-5566-854E-8A26-487001A728FF}"/>
+                <a16:creationId xmlns:a16="http://schemas.microsoft.com/office/drawing/2014/main" xmlns="" id="{3A737C97-5566-854E-8A26-487001A728FF}"/>
               </a:ext>
             </a:extLst>
           </p:cNvPr>
@@ -9155,7 +9163,7 @@
           <p:cNvPr id="7" name="角丸四角形 6">
             <a:extLst>
               <a:ext uri="{FF2B5EF4-FFF2-40B4-BE49-F238E27FC236}">
-                <a16:creationId xmlns:a16="http://schemas.microsoft.com/office/drawing/2014/main" id="{263E1FD6-C0B1-9B48-9311-FE499032DB60}"/>
+                <a16:creationId xmlns:a16="http://schemas.microsoft.com/office/drawing/2014/main" xmlns="" id="{263E1FD6-C0B1-9B48-9311-FE499032DB60}"/>
               </a:ext>
             </a:extLst>
           </p:cNvPr>
@@ -9262,6 +9270,17 @@
               </a:rPr>
               <a:t>アップを無料で提供</a:t>
             </a:r>
+            <a:r>
+              <a:rPr lang="en-US" altLang="ja-JP" sz="1400" dirty="0">
+                <a:solidFill>
+                  <a:schemeClr val="bg1"/>
+                </a:solidFill>
+                <a:latin typeface="Meiryo UI" panose="020B0604030504040204" pitchFamily="34" charset="-128"/>
+                <a:ea typeface="Meiryo UI" panose="020B0604030504040204" pitchFamily="34" charset="-128"/>
+                <a:cs typeface="Meiryo UI" panose="020B0604030504040204" pitchFamily="34" charset="-128"/>
+              </a:rPr>
+              <a:t/>
+            </a:r>
             <a:br>
               <a:rPr lang="en-US" altLang="ja-JP" sz="1400" dirty="0">
                 <a:solidFill>
@@ -9299,7 +9318,7 @@
           <p:cNvPr id="8" name="三角形 7">
             <a:extLst>
               <a:ext uri="{FF2B5EF4-FFF2-40B4-BE49-F238E27FC236}">
-                <a16:creationId xmlns:a16="http://schemas.microsoft.com/office/drawing/2014/main" id="{92C326A6-4C6C-344C-99FB-DFACCC63AE53}"/>
+                <a16:creationId xmlns:a16="http://schemas.microsoft.com/office/drawing/2014/main" xmlns="" id="{92C326A6-4C6C-344C-99FB-DFACCC63AE53}"/>
               </a:ext>
             </a:extLst>
           </p:cNvPr>
@@ -9352,7 +9371,7 @@
           <p:cNvPr id="9" name="角丸四角形 8">
             <a:extLst>
               <a:ext uri="{FF2B5EF4-FFF2-40B4-BE49-F238E27FC236}">
-                <a16:creationId xmlns:a16="http://schemas.microsoft.com/office/drawing/2014/main" id="{CFCBB2C0-F2BB-7745-B4E0-60EF23A949E6}"/>
+                <a16:creationId xmlns:a16="http://schemas.microsoft.com/office/drawing/2014/main" xmlns="" id="{CFCBB2C0-F2BB-7745-B4E0-60EF23A949E6}"/>
               </a:ext>
             </a:extLst>
           </p:cNvPr>
@@ -9361,8 +9380,8 @@
         </p:nvSpPr>
         <p:spPr>
           <a:xfrm>
-            <a:off x="4859489" y="2852935"/>
-            <a:ext cx="3868043" cy="885975"/>
+            <a:off x="4859489" y="2564904"/>
+            <a:ext cx="3868043" cy="1174007"/>
           </a:xfrm>
           <a:prstGeom prst="roundRect">
             <a:avLst>
@@ -9468,7 +9487,40 @@
                 <a:ea typeface="Meiryo UI" panose="020B0604030504040204" pitchFamily="34" charset="-128"/>
                 <a:cs typeface="Meiryo UI" panose="020B0604030504040204" pitchFamily="34" charset="-128"/>
               </a:rPr>
-              <a:t>各々のビデオは症状をターゲットにしている</a:t>
+              <a:t>各々のビデオ</a:t>
+            </a:r>
+            <a:r>
+              <a:rPr lang="ja-JP" altLang="en-US" sz="1400" dirty="0" smtClean="0">
+                <a:solidFill>
+                  <a:schemeClr val="bg1"/>
+                </a:solidFill>
+                <a:latin typeface="Meiryo UI" panose="020B0604030504040204" pitchFamily="34" charset="-128"/>
+                <a:ea typeface="Meiryo UI" panose="020B0604030504040204" pitchFamily="34" charset="-128"/>
+                <a:cs typeface="Meiryo UI" panose="020B0604030504040204" pitchFamily="34" charset="-128"/>
+              </a:rPr>
+              <a:t>は、特定の症状</a:t>
+            </a:r>
+            <a:r>
+              <a:rPr lang="ja-JP" altLang="en-US" sz="1400" dirty="0">
+                <a:solidFill>
+                  <a:schemeClr val="bg1"/>
+                </a:solidFill>
+                <a:latin typeface="Meiryo UI" panose="020B0604030504040204" pitchFamily="34" charset="-128"/>
+                <a:ea typeface="Meiryo UI" panose="020B0604030504040204" pitchFamily="34" charset="-128"/>
+                <a:cs typeface="Meiryo UI" panose="020B0604030504040204" pitchFamily="34" charset="-128"/>
+              </a:rPr>
+              <a:t>をターゲット</a:t>
+            </a:r>
+            <a:r>
+              <a:rPr lang="ja-JP" altLang="en-US" sz="1400" dirty="0" smtClean="0">
+                <a:solidFill>
+                  <a:schemeClr val="bg1"/>
+                </a:solidFill>
+                <a:latin typeface="Meiryo UI" panose="020B0604030504040204" pitchFamily="34" charset="-128"/>
+                <a:ea typeface="Meiryo UI" panose="020B0604030504040204" pitchFamily="34" charset="-128"/>
+                <a:cs typeface="Meiryo UI" panose="020B0604030504040204" pitchFamily="34" charset="-128"/>
+              </a:rPr>
+              <a:t>にしたビデオになっている</a:t>
             </a:r>
             <a:endParaRPr lang="en-US" altLang="ja-JP" sz="1400" dirty="0">
               <a:solidFill>
@@ -9511,7 +9563,7 @@
           <p:cNvPr id="10" name="三角形 9">
             <a:extLst>
               <a:ext uri="{FF2B5EF4-FFF2-40B4-BE49-F238E27FC236}">
-                <a16:creationId xmlns:a16="http://schemas.microsoft.com/office/drawing/2014/main" id="{EC097D47-4B1A-814C-B405-E1D417EE11B5}"/>
+                <a16:creationId xmlns:a16="http://schemas.microsoft.com/office/drawing/2014/main" xmlns="" id="{EC097D47-4B1A-814C-B405-E1D417EE11B5}"/>
               </a:ext>
             </a:extLst>
           </p:cNvPr>
@@ -9564,7 +9616,7 @@
           <p:cNvPr id="11" name="角丸四角形 10">
             <a:extLst>
               <a:ext uri="{FF2B5EF4-FFF2-40B4-BE49-F238E27FC236}">
-                <a16:creationId xmlns:a16="http://schemas.microsoft.com/office/drawing/2014/main" id="{4ED0A8FF-54DB-454D-9087-6FD886E9FA68}"/>
+                <a16:creationId xmlns:a16="http://schemas.microsoft.com/office/drawing/2014/main" xmlns="" id="{4ED0A8FF-54DB-454D-9087-6FD886E9FA68}"/>
               </a:ext>
             </a:extLst>
           </p:cNvPr>
@@ -9622,10 +9674,21 @@
                 <a:ea typeface="Meiryo UI" panose="020B0604030504040204" pitchFamily="34" charset="-128"/>
                 <a:cs typeface="Meiryo UI" panose="020B0604030504040204" pitchFamily="34" charset="-128"/>
               </a:rPr>
-              <a:t>無料保険商品として、</a:t>
-            </a:r>
-            <a:r>
-              <a:rPr kumimoji="1" lang="en-US" altLang="ja-JP" sz="1400" dirty="0">
+              <a:t>無料保険商品として</a:t>
+            </a:r>
+            <a:r>
+              <a:rPr kumimoji="1" lang="ja-JP" altLang="en-US" sz="1400" dirty="0" smtClean="0">
+                <a:solidFill>
+                  <a:schemeClr val="bg1"/>
+                </a:solidFill>
+                <a:latin typeface="Meiryo UI" panose="020B0604030504040204" pitchFamily="34" charset="-128"/>
+                <a:ea typeface="Meiryo UI" panose="020B0604030504040204" pitchFamily="34" charset="-128"/>
+                <a:cs typeface="Meiryo UI" panose="020B0604030504040204" pitchFamily="34" charset="-128"/>
+              </a:rPr>
+              <a:t>、</a:t>
+            </a:r>
+            <a:r>
+              <a:rPr lang="en-US" altLang="ja-JP" sz="1400" dirty="0">
                 <a:solidFill>
                   <a:schemeClr val="bg1"/>
                 </a:solidFill>
@@ -9636,7 +9699,7 @@
               <a:t>25</a:t>
             </a:r>
             <a:r>
-              <a:rPr kumimoji="1" lang="ja-JP" altLang="en-US" sz="1400" dirty="0">
+              <a:rPr kumimoji="1" lang="ja-JP" altLang="en-US" sz="1400" dirty="0" smtClean="0">
                 <a:solidFill>
                   <a:schemeClr val="bg1"/>
                 </a:solidFill>
@@ -9644,7 +9707,18 @@
                 <a:ea typeface="Meiryo UI" panose="020B0604030504040204" pitchFamily="34" charset="-128"/>
                 <a:cs typeface="Meiryo UI" panose="020B0604030504040204" pitchFamily="34" charset="-128"/>
               </a:rPr>
-              <a:t>種類の疾病をカバーする大人向けの保険を提供</a:t>
+              <a:t>種類</a:t>
+            </a:r>
+            <a:r>
+              <a:rPr kumimoji="1" lang="ja-JP" altLang="en-US" sz="1400" dirty="0">
+                <a:solidFill>
+                  <a:schemeClr val="bg1"/>
+                </a:solidFill>
+                <a:latin typeface="Meiryo UI" panose="020B0604030504040204" pitchFamily="34" charset="-128"/>
+                <a:ea typeface="Meiryo UI" panose="020B0604030504040204" pitchFamily="34" charset="-128"/>
+                <a:cs typeface="Meiryo UI" panose="020B0604030504040204" pitchFamily="34" charset="-128"/>
+              </a:rPr>
+              <a:t>の疾病をカバーする大人向けの保険を提供</a:t>
             </a:r>
             <a:endParaRPr lang="en-US" altLang="ja-JP" sz="1400" dirty="0">
               <a:solidFill>
@@ -9713,7 +9787,51 @@
                 <a:ea typeface="Meiryo UI" panose="020B0604030504040204" pitchFamily="34" charset="-128"/>
                 <a:cs typeface="Meiryo UI" panose="020B0604030504040204" pitchFamily="34" charset="-128"/>
               </a:rPr>
-              <a:t>元の保険金額があり、継続的な運動日数が増加するにつれて増加する仕組み</a:t>
+              <a:t>元の保険金額</a:t>
+            </a:r>
+            <a:r>
+              <a:rPr lang="ja-JP" altLang="en-US" sz="1400" dirty="0" smtClean="0">
+                <a:solidFill>
+                  <a:schemeClr val="bg1"/>
+                </a:solidFill>
+                <a:latin typeface="Meiryo UI" panose="020B0604030504040204" pitchFamily="34" charset="-128"/>
+                <a:ea typeface="Meiryo UI" panose="020B0604030504040204" pitchFamily="34" charset="-128"/>
+                <a:cs typeface="Meiryo UI" panose="020B0604030504040204" pitchFamily="34" charset="-128"/>
+              </a:rPr>
+              <a:t>が設定され、</a:t>
+            </a:r>
+            <a:r>
+              <a:rPr lang="ja-JP" altLang="en-US" sz="1400" dirty="0">
+                <a:solidFill>
+                  <a:schemeClr val="bg1"/>
+                </a:solidFill>
+                <a:latin typeface="Meiryo UI" panose="020B0604030504040204" pitchFamily="34" charset="-128"/>
+                <a:ea typeface="Meiryo UI" panose="020B0604030504040204" pitchFamily="34" charset="-128"/>
+                <a:cs typeface="Meiryo UI" panose="020B0604030504040204" pitchFamily="34" charset="-128"/>
+              </a:rPr>
+              <a:t>継続的な運動日数が増加するに</a:t>
+            </a:r>
+            <a:r>
+              <a:rPr lang="ja-JP" altLang="en-US" sz="1400" dirty="0" smtClean="0">
+                <a:solidFill>
+                  <a:schemeClr val="bg1"/>
+                </a:solidFill>
+                <a:latin typeface="Meiryo UI" panose="020B0604030504040204" pitchFamily="34" charset="-128"/>
+                <a:ea typeface="Meiryo UI" panose="020B0604030504040204" pitchFamily="34" charset="-128"/>
+                <a:cs typeface="Meiryo UI" panose="020B0604030504040204" pitchFamily="34" charset="-128"/>
+              </a:rPr>
+              <a:t>つれて保険金額が増加</a:t>
+            </a:r>
+            <a:r>
+              <a:rPr lang="ja-JP" altLang="en-US" sz="1400" dirty="0">
+                <a:solidFill>
+                  <a:schemeClr val="bg1"/>
+                </a:solidFill>
+                <a:latin typeface="Meiryo UI" panose="020B0604030504040204" pitchFamily="34" charset="-128"/>
+                <a:ea typeface="Meiryo UI" panose="020B0604030504040204" pitchFamily="34" charset="-128"/>
+                <a:cs typeface="Meiryo UI" panose="020B0604030504040204" pitchFamily="34" charset="-128"/>
+              </a:rPr>
+              <a:t>する仕組み</a:t>
             </a:r>
             <a:endParaRPr lang="en-US" altLang="ja-JP" sz="1400" dirty="0">
               <a:solidFill>
@@ -9778,7 +9896,7 @@
           <p:cNvPr id="13" name="三角形 12">
             <a:extLst>
               <a:ext uri="{FF2B5EF4-FFF2-40B4-BE49-F238E27FC236}">
-                <a16:creationId xmlns:a16="http://schemas.microsoft.com/office/drawing/2014/main" id="{0A8D7306-7D13-1F45-89BC-F2E2CD75C169}"/>
+                <a16:creationId xmlns:a16="http://schemas.microsoft.com/office/drawing/2014/main" xmlns="" id="{0A8D7306-7D13-1F45-89BC-F2E2CD75C169}"/>
               </a:ext>
             </a:extLst>
           </p:cNvPr>
@@ -9988,7 +10106,7 @@
           <p:cNvPr id="6" name="角丸四角形 5">
             <a:extLst>
               <a:ext uri="{FF2B5EF4-FFF2-40B4-BE49-F238E27FC236}">
-                <a16:creationId xmlns:a16="http://schemas.microsoft.com/office/drawing/2014/main" id="{4A077B4D-284C-8C48-A824-DF733E7CC4B5}"/>
+                <a16:creationId xmlns:a16="http://schemas.microsoft.com/office/drawing/2014/main" xmlns="" id="{4A077B4D-284C-8C48-A824-DF733E7CC4B5}"/>
               </a:ext>
             </a:extLst>
           </p:cNvPr>
@@ -10075,7 +10193,7 @@
           <p:cNvPr id="7" name="三角形 6">
             <a:extLst>
               <a:ext uri="{FF2B5EF4-FFF2-40B4-BE49-F238E27FC236}">
-                <a16:creationId xmlns:a16="http://schemas.microsoft.com/office/drawing/2014/main" id="{56E865E2-236E-D346-948D-FE44148B040D}"/>
+                <a16:creationId xmlns:a16="http://schemas.microsoft.com/office/drawing/2014/main" xmlns="" id="{56E865E2-236E-D346-948D-FE44148B040D}"/>
               </a:ext>
             </a:extLst>
           </p:cNvPr>
@@ -10128,7 +10246,7 @@
           <p:cNvPr id="8" name="角丸四角形 7">
             <a:extLst>
               <a:ext uri="{FF2B5EF4-FFF2-40B4-BE49-F238E27FC236}">
-                <a16:creationId xmlns:a16="http://schemas.microsoft.com/office/drawing/2014/main" id="{4CBBC4D1-2E02-3240-8609-76E9C31FC473}"/>
+                <a16:creationId xmlns:a16="http://schemas.microsoft.com/office/drawing/2014/main" xmlns="" id="{4CBBC4D1-2E02-3240-8609-76E9C31FC473}"/>
               </a:ext>
             </a:extLst>
           </p:cNvPr>
@@ -10204,7 +10322,7 @@
           <p:cNvPr id="9" name="三角形 8">
             <a:extLst>
               <a:ext uri="{FF2B5EF4-FFF2-40B4-BE49-F238E27FC236}">
-                <a16:creationId xmlns:a16="http://schemas.microsoft.com/office/drawing/2014/main" id="{3E10E187-D31B-9445-AC01-9EB2F8A592C0}"/>
+                <a16:creationId xmlns:a16="http://schemas.microsoft.com/office/drawing/2014/main" xmlns="" id="{3E10E187-D31B-9445-AC01-9EB2F8A592C0}"/>
               </a:ext>
             </a:extLst>
           </p:cNvPr>
@@ -10257,7 +10375,7 @@
           <p:cNvPr id="10" name="角丸四角形 9">
             <a:extLst>
               <a:ext uri="{FF2B5EF4-FFF2-40B4-BE49-F238E27FC236}">
-                <a16:creationId xmlns:a16="http://schemas.microsoft.com/office/drawing/2014/main" id="{756B2131-00B8-304F-9F50-35C61D501943}"/>
+                <a16:creationId xmlns:a16="http://schemas.microsoft.com/office/drawing/2014/main" xmlns="" id="{756B2131-00B8-304F-9F50-35C61D501943}"/>
               </a:ext>
             </a:extLst>
           </p:cNvPr>
@@ -10344,7 +10462,7 @@
           <p:cNvPr id="11" name="三角形 10">
             <a:extLst>
               <a:ext uri="{FF2B5EF4-FFF2-40B4-BE49-F238E27FC236}">
-                <a16:creationId xmlns:a16="http://schemas.microsoft.com/office/drawing/2014/main" id="{CBAF62D9-48C9-4942-9470-8338E577E72C}"/>
+                <a16:creationId xmlns:a16="http://schemas.microsoft.com/office/drawing/2014/main" xmlns="" id="{CBAF62D9-48C9-4942-9470-8338E577E72C}"/>
               </a:ext>
             </a:extLst>
           </p:cNvPr>
@@ -10397,7 +10515,7 @@
           <p:cNvPr id="13" name="角丸四角形 12">
             <a:extLst>
               <a:ext uri="{FF2B5EF4-FFF2-40B4-BE49-F238E27FC236}">
-                <a16:creationId xmlns:a16="http://schemas.microsoft.com/office/drawing/2014/main" id="{BFD573A2-3088-994C-846B-39AE73A940AF}"/>
+                <a16:creationId xmlns:a16="http://schemas.microsoft.com/office/drawing/2014/main" xmlns="" id="{BFD573A2-3088-994C-846B-39AE73A940AF}"/>
               </a:ext>
             </a:extLst>
           </p:cNvPr>
@@ -10473,7 +10591,7 @@
           <p:cNvPr id="14" name="三角形 13">
             <a:extLst>
               <a:ext uri="{FF2B5EF4-FFF2-40B4-BE49-F238E27FC236}">
-                <a16:creationId xmlns:a16="http://schemas.microsoft.com/office/drawing/2014/main" id="{2058363A-F7BE-F640-9283-A28111957A6E}"/>
+                <a16:creationId xmlns:a16="http://schemas.microsoft.com/office/drawing/2014/main" xmlns="" id="{2058363A-F7BE-F640-9283-A28111957A6E}"/>
               </a:ext>
             </a:extLst>
           </p:cNvPr>
@@ -10556,7 +10674,7 @@
           <p:cNvPr id="2" name="タイトル 1">
             <a:extLst>
               <a:ext uri="{FF2B5EF4-FFF2-40B4-BE49-F238E27FC236}">
-                <a16:creationId xmlns:a16="http://schemas.microsoft.com/office/drawing/2014/main" id="{8619EB3F-2956-034F-89DA-D48CFECCE132}"/>
+                <a16:creationId xmlns:a16="http://schemas.microsoft.com/office/drawing/2014/main" xmlns="" id="{8619EB3F-2956-034F-89DA-D48CFECCE132}"/>
               </a:ext>
             </a:extLst>
           </p:cNvPr>
@@ -10611,7 +10729,7 @@
           <p:cNvPr id="3" name="コンテンツ プレースホルダー 2">
             <a:extLst>
               <a:ext uri="{FF2B5EF4-FFF2-40B4-BE49-F238E27FC236}">
-                <a16:creationId xmlns:a16="http://schemas.microsoft.com/office/drawing/2014/main" id="{A463C4D9-295B-D546-98B3-23B0C76625C4}"/>
+                <a16:creationId xmlns:a16="http://schemas.microsoft.com/office/drawing/2014/main" xmlns="" id="{A463C4D9-295B-D546-98B3-23B0C76625C4}"/>
               </a:ext>
             </a:extLst>
           </p:cNvPr>
@@ -10629,16 +10747,28 @@
           <a:p>
             <a:r>
               <a:rPr lang="ja-JP" altLang="en-US" sz="1800" dirty="0"/>
-              <a:t>ネット専業の保険会社として、ネット決済やスマホのアプリを活用して、加入から給付までの手続きを全てネット上で行なうことができる（一部、保険商品では書面のプロセスは残っている）</a:t>
+              <a:t>ネット専業の保険会社として、ネット決済やスマホのアプリを活用して、</a:t>
+            </a:r>
+            <a:r>
+              <a:rPr lang="ja-JP" altLang="en-US" sz="1800" b="1" u="sng" dirty="0"/>
+              <a:t>加入から給付までの手続きを全てネット上で行なうことができる</a:t>
+            </a:r>
+            <a:r>
+              <a:rPr lang="ja-JP" altLang="en-US" sz="1800" dirty="0"/>
+              <a:t>（一部、保険商品では書面のプロセスは残っている）</a:t>
             </a:r>
             <a:endParaRPr lang="en-US" altLang="ja-JP" sz="1800" dirty="0"/>
           </a:p>
           <a:p>
             <a:r>
               <a:rPr lang="ja-JP" altLang="en-US" sz="1800" dirty="0"/>
-              <a:t>ネット保険を活用するユーザーの年齢が相対的に若く、学生、独身者、一人っ子同士の若い世帯など（ミレニアルス）が中心となるので、彼らが求めるニーズを徹底的に絞り込んでいる</a:t>
-            </a:r>
-            <a:endParaRPr lang="en-US" altLang="ja-JP" sz="1800" dirty="0"/>
+              <a:t>ネット保険を活用するユーザーの年齢が相対的に若く、学生、独身者、一人っ子同士の若い世帯など</a:t>
+            </a:r>
+            <a:r>
+              <a:rPr lang="ja-JP" altLang="en-US" sz="1800" b="1" u="sng" dirty="0"/>
+              <a:t>（ミレニアルス）が中心となるので、彼らが求めるニーズを徹底的に絞り込んでいる</a:t>
+            </a:r>
+            <a:endParaRPr lang="en-US" altLang="ja-JP" sz="1800" b="1" u="sng" dirty="0"/>
           </a:p>
           <a:p>
             <a:r>
@@ -10651,7 +10781,15 @@
             </a:r>
             <a:r>
               <a:rPr lang="ja-JP" altLang="en-US" sz="1800" dirty="0"/>
-              <a:t>・淘宝ネット（タオバオネット）で購入した商品を返送する場合、その送料をカバーする保険商品があり、一方、事業者（ネット通販）向けには、アリババ傘下の</a:t>
+              <a:t>・淘宝ネット（タオバオネット）で</a:t>
+            </a:r>
+            <a:r>
+              <a:rPr lang="ja-JP" altLang="en-US" sz="1800" b="1" u="sng" dirty="0"/>
+              <a:t>購入した商品を返送する場合、その送料をカバーする保険</a:t>
+            </a:r>
+            <a:r>
+              <a:rPr lang="ja-JP" altLang="en-US" sz="1800" dirty="0"/>
+              <a:t>商品があり、一方、事業者（ネット通販）向けには、アリババ傘下の</a:t>
             </a:r>
             <a:r>
               <a:rPr lang="en-US" altLang="ja-JP" sz="1800" dirty="0"/>
@@ -10667,14 +10805,22 @@
             </a:r>
             <a:r>
               <a:rPr lang="ja-JP" altLang="en-US" sz="1800" dirty="0"/>
-              <a:t>）へ出店する際に必要な保証金を補償する保険を提供</a:t>
-            </a:r>
-            <a:endParaRPr lang="en-US" altLang="ja-JP" sz="1800" dirty="0"/>
+              <a:t>）へ</a:t>
+            </a:r>
+            <a:r>
+              <a:rPr lang="ja-JP" altLang="en-US" sz="1800" b="1" u="sng" dirty="0"/>
+              <a:t>出店する際に必要な保証金を補償する保険を提供</a:t>
+            </a:r>
+            <a:endParaRPr lang="en-US" altLang="ja-JP" sz="1800" b="1" u="sng" dirty="0"/>
           </a:p>
           <a:p>
             <a:r>
               <a:rPr lang="ja-JP" altLang="en-US" sz="1800" dirty="0"/>
               <a:t>さらに、オンライン決済口座の資金盗難補填を行なう保険や、小米のスマホの故障保険など、ネットやスマホユーザーを対象とした多様な商品が販売されている。</a:t>
+            </a:r>
+            <a:r>
+              <a:rPr lang="en-US" altLang="ja-JP" sz="1800" dirty="0"/>
+              <a:t/>
             </a:r>
             <a:br>
               <a:rPr lang="en-US" altLang="ja-JP" sz="1800" dirty="0"/>
@@ -10688,25 +10834,29 @@
           <a:p>
             <a:r>
               <a:rPr lang="ja-JP" altLang="en-US" sz="1800" dirty="0"/>
-              <a:t>このように創業者である、</a:t>
-            </a:r>
-            <a:r>
-              <a:rPr lang="en-US" altLang="ja-JP" sz="1800" dirty="0"/>
+              <a:t>このように</a:t>
+            </a:r>
+            <a:r>
+              <a:rPr lang="ja-JP" altLang="en-US" sz="1800" b="1" u="sng" dirty="0"/>
+              <a:t>創業者である、</a:t>
+            </a:r>
+            <a:r>
+              <a:rPr lang="en-US" altLang="ja-JP" sz="1800" b="1" u="sng" dirty="0"/>
               <a:t>Alibaba</a:t>
             </a:r>
             <a:r>
-              <a:rPr lang="ja-JP" altLang="en-US" sz="1800" dirty="0"/>
+              <a:rPr lang="ja-JP" altLang="en-US" sz="1800" b="1" u="sng" dirty="0"/>
               <a:t>や</a:t>
             </a:r>
             <a:r>
-              <a:rPr lang="en-US" altLang="ja-JP" sz="1800" dirty="0" err="1"/>
+              <a:rPr lang="en-US" altLang="ja-JP" sz="1800" b="1" u="sng" dirty="0" err="1"/>
               <a:t>Tencent</a:t>
             </a:r>
             <a:r>
-              <a:rPr lang="ja-JP" altLang="en-US" sz="1800" dirty="0"/>
+              <a:rPr lang="ja-JP" altLang="en-US" sz="1800" b="1" u="sng" dirty="0"/>
               <a:t>を上手く活用したネット商品を開発</a:t>
             </a:r>
-            <a:endParaRPr lang="en-US" altLang="ja-JP" sz="1800" dirty="0"/>
+            <a:endParaRPr lang="en-US" altLang="ja-JP" sz="1800" b="1" u="sng" dirty="0"/>
           </a:p>
           <a:p>
             <a:r>
@@ -10718,44 +10868,48 @@
               <a:t>年末に同社は、</a:t>
             </a:r>
             <a:r>
-              <a:rPr lang="en-US" altLang="ja-JP" sz="1800" dirty="0"/>
+              <a:rPr lang="en-US" altLang="ja-JP" sz="1800" b="1" u="sng" dirty="0"/>
               <a:t>AI</a:t>
             </a:r>
             <a:r>
+              <a:rPr lang="ja-JP" altLang="en-US" sz="1800" b="1" u="sng" dirty="0"/>
+              <a:t>、</a:t>
+            </a:r>
+            <a:r>
+              <a:rPr lang="en-US" altLang="ja-JP" sz="1800" b="1" u="sng" dirty="0"/>
+              <a:t>Blockchain</a:t>
+            </a:r>
+            <a:r>
+              <a:rPr lang="ja-JP" altLang="en-US" sz="1800" b="1" u="sng" dirty="0"/>
+              <a:t>、</a:t>
+            </a:r>
+            <a:r>
+              <a:rPr lang="en-US" altLang="ja-JP" sz="1800" b="1" u="sng" dirty="0"/>
+              <a:t>Cloud</a:t>
+            </a:r>
+            <a:r>
+              <a:rPr lang="ja-JP" altLang="en-US" sz="1800" b="1" u="sng" dirty="0"/>
+              <a:t>、</a:t>
+            </a:r>
+            <a:r>
+              <a:rPr lang="en-US" altLang="ja-JP" sz="1800" b="1" u="sng" dirty="0"/>
+              <a:t>Data-Driven</a:t>
+            </a:r>
+            <a:r>
+              <a:rPr lang="ja-JP" altLang="en-US" sz="1800" b="1" u="sng" dirty="0"/>
+              <a:t>を主眼においた「</a:t>
+            </a:r>
+            <a:r>
+              <a:rPr lang="en-US" altLang="ja-JP" sz="1800" b="1" u="sng" dirty="0"/>
+              <a:t>ABCD</a:t>
+            </a:r>
+            <a:r>
+              <a:rPr lang="ja-JP" altLang="en-US" sz="1800" b="1" u="sng" dirty="0"/>
+              <a:t>計画」を発表</a:t>
+            </a:r>
+            <a:r>
               <a:rPr lang="ja-JP" altLang="en-US" sz="1800" dirty="0"/>
-              <a:t>、</a:t>
-            </a:r>
-            <a:r>
-              <a:rPr lang="en-US" altLang="ja-JP" sz="1800" dirty="0"/>
-              <a:t>Blockchain</a:t>
-            </a:r>
-            <a:r>
-              <a:rPr lang="ja-JP" altLang="en-US" sz="1800" dirty="0"/>
-              <a:t>、</a:t>
-            </a:r>
-            <a:r>
-              <a:rPr lang="en-US" altLang="ja-JP" sz="1800" dirty="0"/>
-              <a:t>Cloud</a:t>
-            </a:r>
-            <a:r>
-              <a:rPr lang="ja-JP" altLang="en-US" sz="1800" dirty="0"/>
-              <a:t>、</a:t>
-            </a:r>
-            <a:r>
-              <a:rPr lang="en-US" altLang="ja-JP" sz="1800" dirty="0"/>
-              <a:t>Data-Driven</a:t>
-            </a:r>
-            <a:r>
-              <a:rPr lang="ja-JP" altLang="en-US" sz="1800" dirty="0"/>
-              <a:t>を主眼においた「</a:t>
-            </a:r>
-            <a:r>
-              <a:rPr lang="en-US" altLang="ja-JP" sz="1800" dirty="0"/>
-              <a:t>ABCD</a:t>
-            </a:r>
-            <a:r>
-              <a:rPr lang="ja-JP" altLang="en-US" sz="1800" dirty="0"/>
-              <a:t>計画」を発表、その狙いは強固な顧客基盤に、</a:t>
+              <a:t>、その狙いは強固な顧客基盤に、</a:t>
             </a:r>
             <a:r>
               <a:rPr lang="en-US" altLang="ja-JP" sz="1800" dirty="0"/>
@@ -10777,7 +10931,7 @@
           <p:cNvPr id="4" name="スライド番号プレースホルダー 3">
             <a:extLst>
               <a:ext uri="{FF2B5EF4-FFF2-40B4-BE49-F238E27FC236}">
-                <a16:creationId xmlns:a16="http://schemas.microsoft.com/office/drawing/2014/main" id="{99DAD3B3-7F57-9041-BFEB-1CE1906E07F5}"/>
+                <a16:creationId xmlns:a16="http://schemas.microsoft.com/office/drawing/2014/main" xmlns="" id="{99DAD3B3-7F57-9041-BFEB-1CE1906E07F5}"/>
               </a:ext>
             </a:extLst>
           </p:cNvPr>
@@ -11736,16 +11890,14 @@
   <a:extraClrSchemeLst/>
   <a:extLst>
     <a:ext uri="{05A4C25C-085E-4340-85A3-A5531E510DB2}">
-      <thm15:themeFamily xmlns:thm15="http://schemas.microsoft.com/office/thememl/2012/main" name="Office Theme" id="{62F939B6-93AF-4DB8-9C6B-D6C7DFDC589F}" vid="{4A3C46E8-61CC-4603-A589-7422A47A8E4A}"/>
+      <thm15:themeFamily xmlns:thm15="http://schemas.microsoft.com/office/thememl/2012/main" xmlns="" name="Office Theme" id="{62F939B6-93AF-4DB8-9C6B-D6C7DFDC589F}" vid="{4A3C46E8-61CC-4603-A589-7422A47A8E4A}"/>
     </a:ext>
   </a:extLst>
 </a:theme>
 </file>
 
 <file path=customXml/item1.xml><?xml version="1.0" encoding="utf-8"?>
-<p:properties xmlns:p="http://schemas.microsoft.com/office/2006/metadata/properties" xmlns:xsi="http://www.w3.org/2001/XMLSchema-instance" xmlns:pc="http://schemas.microsoft.com/office/infopath/2007/PartnerControls">
-  <documentManagement/>
-</p:properties>
+<LongProperties xmlns="http://schemas.microsoft.com/office/2006/metadata/longProperties"/>
 </file>
 
 <file path=customXml/item2.xml><?xml version="1.0" encoding="utf-8"?>
@@ -11758,7 +11910,9 @@
 </file>
 
 <file path=customXml/item3.xml><?xml version="1.0" encoding="utf-8"?>
-<LongProperties xmlns="http://schemas.microsoft.com/office/2006/metadata/longProperties"/>
+<p:properties xmlns:p="http://schemas.microsoft.com/office/2006/metadata/properties" xmlns:xsi="http://www.w3.org/2001/XMLSchema-instance" xmlns:pc="http://schemas.microsoft.com/office/infopath/2007/PartnerControls">
+  <documentManagement/>
+</p:properties>
 </file>
 
 <file path=customXml/item4.xml><?xml version="1.0" encoding="utf-8"?>
@@ -11900,17 +12054,9 @@
 </file>
 
 <file path=customXml/itemProps1.xml><?xml version="1.0" encoding="utf-8"?>
-<ds:datastoreItem xmlns:ds="http://schemas.openxmlformats.org/officeDocument/2006/customXml" ds:itemID="{4648474B-E60B-4BFA-8453-71A50FFA64FE}">
+<ds:datastoreItem xmlns:ds="http://schemas.openxmlformats.org/officeDocument/2006/customXml" ds:itemID="{2A77F18F-0B57-4494-B1AA-B69319836338}">
   <ds:schemaRefs>
-    <ds:schemaRef ds:uri="http://purl.org/dc/terms/"/>
-    <ds:schemaRef ds:uri="http://purl.org/dc/dcmitype/"/>
-    <ds:schemaRef ds:uri="http://schemas.microsoft.com/sharepoint/v3"/>
-    <ds:schemaRef ds:uri="http://purl.org/dc/elements/1.1/"/>
-    <ds:schemaRef ds:uri="http://www.w3.org/XML/1998/namespace"/>
-    <ds:schemaRef ds:uri="http://schemas.microsoft.com/office/2006/documentManagement/types"/>
-    <ds:schemaRef ds:uri="http://schemas.microsoft.com/office/infopath/2007/PartnerControls"/>
-    <ds:schemaRef ds:uri="http://schemas.openxmlformats.org/package/2006/metadata/core-properties"/>
-    <ds:schemaRef ds:uri="http://schemas.microsoft.com/office/2006/metadata/properties"/>
+    <ds:schemaRef ds:uri="http://schemas.microsoft.com/office/2006/metadata/longProperties"/>
   </ds:schemaRefs>
 </ds:datastoreItem>
 </file>
@@ -11924,9 +12070,17 @@
 </file>
 
 <file path=customXml/itemProps3.xml><?xml version="1.0" encoding="utf-8"?>
-<ds:datastoreItem xmlns:ds="http://schemas.openxmlformats.org/officeDocument/2006/customXml" ds:itemID="{2A77F18F-0B57-4494-B1AA-B69319836338}">
+<ds:datastoreItem xmlns:ds="http://schemas.openxmlformats.org/officeDocument/2006/customXml" ds:itemID="{4648474B-E60B-4BFA-8453-71A50FFA64FE}">
   <ds:schemaRefs>
-    <ds:schemaRef ds:uri="http://schemas.microsoft.com/office/2006/metadata/longProperties"/>
+    <ds:schemaRef ds:uri="http://purl.org/dc/terms/"/>
+    <ds:schemaRef ds:uri="http://purl.org/dc/dcmitype/"/>
+    <ds:schemaRef ds:uri="http://schemas.microsoft.com/sharepoint/v3"/>
+    <ds:schemaRef ds:uri="http://purl.org/dc/elements/1.1/"/>
+    <ds:schemaRef ds:uri="http://www.w3.org/XML/1998/namespace"/>
+    <ds:schemaRef ds:uri="http://schemas.microsoft.com/office/2006/documentManagement/types"/>
+    <ds:schemaRef ds:uri="http://schemas.microsoft.com/office/infopath/2007/PartnerControls"/>
+    <ds:schemaRef ds:uri="http://schemas.openxmlformats.org/package/2006/metadata/core-properties"/>
+    <ds:schemaRef ds:uri="http://schemas.microsoft.com/office/2006/metadata/properties"/>
   </ds:schemaRefs>
 </ds:datastoreItem>
 </file>

--- a/Zhong-an.pptx
+++ b/Zhong-an.pptx
@@ -5,19 +5,21 @@
     <p:sldMasterId id="2147483660" r:id="rId5"/>
   </p:sldMasterIdLst>
   <p:notesMasterIdLst>
-    <p:notesMasterId r:id="rId16"/>
+    <p:notesMasterId r:id="rId18"/>
   </p:notesMasterIdLst>
   <p:sldIdLst>
     <p:sldId id="256" r:id="rId6"/>
     <p:sldId id="258" r:id="rId7"/>
     <p:sldId id="267" r:id="rId8"/>
     <p:sldId id="259" r:id="rId9"/>
-    <p:sldId id="269" r:id="rId10"/>
-    <p:sldId id="271" r:id="rId11"/>
-    <p:sldId id="272" r:id="rId12"/>
-    <p:sldId id="273" r:id="rId13"/>
-    <p:sldId id="266" r:id="rId14"/>
-    <p:sldId id="274" r:id="rId15"/>
+    <p:sldId id="275" r:id="rId10"/>
+    <p:sldId id="276" r:id="rId11"/>
+    <p:sldId id="269" r:id="rId12"/>
+    <p:sldId id="271" r:id="rId13"/>
+    <p:sldId id="272" r:id="rId14"/>
+    <p:sldId id="273" r:id="rId15"/>
+    <p:sldId id="266" r:id="rId16"/>
+    <p:sldId id="274" r:id="rId17"/>
   </p:sldIdLst>
   <p:sldSz cx="9144000" cy="6858000" type="screen4x3"/>
   <p:notesSz cx="6735763" cy="9866313"/>
@@ -148,7 +150,7 @@
   </p:defaultTextStyle>
   <p:extLst>
     <p:ext uri="{EFAFB233-063F-42B5-8137-9DF3F51BA10A}">
-      <p15:sldGuideLst xmlns:p15="http://schemas.microsoft.com/office/powerpoint/2012/main" xmlns="">
+      <p15:sldGuideLst xmlns="" xmlns:p15="http://schemas.microsoft.com/office/powerpoint/2012/main">
         <p15:guide id="1" orient="horz" pos="2160">
           <p15:clr>
             <a:srgbClr val="A4A3A4"/>
@@ -247,7 +249,7 @@
           <a:p>
             <a:fld id="{6810DCE6-BB3C-0545-B9EE-DBBA8A3ACCE7}" type="datetimeFigureOut">
               <a:rPr kumimoji="1" lang="ja-JP" altLang="en-US" smtClean="0"/>
-              <a:t>2018/3/12</a:t>
+              <a:t>2018/3/16</a:t>
             </a:fld>
             <a:endParaRPr kumimoji="1" lang="ja-JP" altLang="en-US"/>
           </a:p>
@@ -1847,7 +1849,7 @@
           <a:p>
             <a:fld id="{9EEFE778-F169-894E-A514-3A159230DBB1}" type="datetime1">
               <a:rPr kumimoji="1" lang="ja-JP" altLang="en-US" smtClean="0"/>
-              <a:t>2018/3/12</a:t>
+              <a:t>2018/3/16</a:t>
             </a:fld>
             <a:endParaRPr kumimoji="1" lang="ja-JP" altLang="en-US"/>
           </a:p>
@@ -6551,7 +6553,7 @@
           <p:cNvPr id="2" name="タイトル 1">
             <a:extLst>
               <a:ext uri="{FF2B5EF4-FFF2-40B4-BE49-F238E27FC236}">
-                <a16:creationId xmlns:a16="http://schemas.microsoft.com/office/drawing/2014/main" xmlns="" id="{233BE0B9-EC22-9E45-96CF-FEB94823FF5A}"/>
+                <a16:creationId xmlns="" xmlns:a16="http://schemas.microsoft.com/office/drawing/2014/main" id="{8619EB3F-2956-034F-89DA-D48CFECCE132}"/>
               </a:ext>
             </a:extLst>
           </p:cNvPr>
@@ -6568,8 +6570,74 @@
           <a:lstStyle/>
           <a:p>
             <a:r>
-              <a:rPr kumimoji="1" lang="ja-JP" altLang="en-US" dirty="0" smtClean="0"/>
-              <a:t>参考記事等のリンク先</a:t>
+              <a:rPr lang="en-US" altLang="ja-JP" b="1" dirty="0" err="1">
+                <a:solidFill>
+                  <a:schemeClr val="tx2">
+                    <a:lumMod val="50000"/>
+                  </a:schemeClr>
+                </a:solidFill>
+              </a:rPr>
+              <a:t>Zhong</a:t>
+            </a:r>
+            <a:r>
+              <a:rPr lang="en-US" altLang="ja-JP" b="1" dirty="0">
+                <a:solidFill>
+                  <a:schemeClr val="tx2">
+                    <a:lumMod val="50000"/>
+                  </a:schemeClr>
+                </a:solidFill>
+              </a:rPr>
+              <a:t> </a:t>
+            </a:r>
+            <a:r>
+              <a:rPr lang="en-US" altLang="ja-JP" b="1" dirty="0" smtClean="0">
+                <a:solidFill>
+                  <a:schemeClr val="tx2">
+                    <a:lumMod val="50000"/>
+                  </a:schemeClr>
+                </a:solidFill>
+              </a:rPr>
+              <a:t>An</a:t>
+            </a:r>
+            <a:r>
+              <a:rPr lang="ja-JP" altLang="en-US" b="1" dirty="0">
+                <a:solidFill>
+                  <a:schemeClr val="tx2">
+                    <a:lumMod val="50000"/>
+                  </a:schemeClr>
+                </a:solidFill>
+              </a:rPr>
+              <a:t> </a:t>
+            </a:r>
+            <a:r>
+              <a:rPr lang="ja-JP" altLang="en-US" b="1" dirty="0" smtClean="0">
+                <a:solidFill>
+                  <a:schemeClr val="tx2">
+                    <a:lumMod val="50000"/>
+                  </a:schemeClr>
+                </a:solidFill>
+              </a:rPr>
+              <a:t>～急成長</a:t>
+            </a:r>
+            <a:r>
+              <a:rPr lang="ja-JP" altLang="en-US" b="1" dirty="0">
+                <a:solidFill>
+                  <a:schemeClr val="tx2">
+                    <a:lumMod val="50000"/>
+                  </a:schemeClr>
+                </a:solidFill>
+              </a:rPr>
+              <a:t>の戦略と</a:t>
+            </a:r>
+            <a:r>
+              <a:rPr lang="ja-JP" altLang="en-US" b="1" dirty="0" smtClean="0">
+                <a:solidFill>
+                  <a:schemeClr val="tx2">
+                    <a:lumMod val="50000"/>
+                  </a:schemeClr>
+                </a:solidFill>
+              </a:rPr>
+              <a:t>ポイント～</a:t>
             </a:r>
             <a:endParaRPr kumimoji="1" lang="ja-JP" altLang="en-US" dirty="0"/>
           </a:p>
@@ -6580,7 +6648,7 @@
           <p:cNvPr id="3" name="コンテンツ プレースホルダー 2">
             <a:extLst>
               <a:ext uri="{FF2B5EF4-FFF2-40B4-BE49-F238E27FC236}">
-                <a16:creationId xmlns:a16="http://schemas.microsoft.com/office/drawing/2014/main" xmlns="" id="{D0626CCE-9186-1C43-B117-6191A783EAC9}"/>
+                <a16:creationId xmlns="" xmlns:a16="http://schemas.microsoft.com/office/drawing/2014/main" id="{A463C4D9-295B-D546-98B3-23B0C76625C4}"/>
               </a:ext>
             </a:extLst>
           </p:cNvPr>
@@ -6597,126 +6665,184 @@
           <a:lstStyle/>
           <a:p>
             <a:r>
-              <a:rPr lang="en-US" altLang="ja-JP" sz="1200" dirty="0">
-                <a:hlinkClick r:id="rId2"/>
-              </a:rPr>
-              <a:t>https://insurtechjapan.com/trend/201710/zhongan</a:t>
-            </a:r>
-            <a:endParaRPr lang="en-US" altLang="ja-JP" sz="1200" dirty="0"/>
-          </a:p>
-          <a:p>
-            <a:endParaRPr kumimoji="1" lang="en-US" altLang="ja-JP" sz="1200" dirty="0"/>
-          </a:p>
-          <a:p>
-            <a:r>
-              <a:rPr lang="en-US" altLang="ja-JP" sz="1200" dirty="0">
-                <a:hlinkClick r:id="rId3"/>
-              </a:rPr>
-              <a:t>http://www.nli-research.co.jp/report/detail/id=53184&amp;pno=2?site=nli</a:t>
-            </a:r>
-            <a:endParaRPr lang="en-US" altLang="ja-JP" sz="1200" dirty="0"/>
-          </a:p>
-          <a:p>
-            <a:endParaRPr kumimoji="1" lang="en-US" altLang="ja-JP" sz="1200" dirty="0"/>
-          </a:p>
-          <a:p>
-            <a:r>
-              <a:rPr lang="en-US" altLang="ja-JP" sz="1200" dirty="0">
-                <a:hlinkClick r:id="rId4"/>
-              </a:rPr>
-              <a:t>http://www.sompo-hd.com/~/media/hd/files/news/2017/20170615_2.pdf</a:t>
-            </a:r>
-            <a:endParaRPr lang="en-US" altLang="ja-JP" sz="1200" dirty="0"/>
-          </a:p>
-          <a:p>
-            <a:endParaRPr kumimoji="1" lang="en-US" altLang="ja-JP" sz="1200" dirty="0"/>
-          </a:p>
-          <a:p>
-            <a:r>
-              <a:rPr lang="en-US" altLang="ja-JP" sz="1200" dirty="0">
-                <a:hlinkClick r:id="rId5"/>
-              </a:rPr>
-              <a:t>https://www.crunchbase.com/organization/zhongan#section-locked-marketplace</a:t>
-            </a:r>
-            <a:endParaRPr lang="en-US" altLang="ja-JP" sz="1200" dirty="0"/>
-          </a:p>
-          <a:p>
-            <a:endParaRPr kumimoji="1" lang="en-US" altLang="ja-JP" sz="1200" dirty="0"/>
-          </a:p>
-          <a:p>
-            <a:r>
-              <a:rPr lang="en-US" altLang="ja-JP" sz="1200" dirty="0">
-                <a:hlinkClick r:id="rId6"/>
-              </a:rPr>
-              <a:t>https://www.zhongan.com/corporate/</a:t>
-            </a:r>
-            <a:endParaRPr lang="en-US" altLang="ja-JP" sz="1200" dirty="0"/>
-          </a:p>
-          <a:p>
-            <a:endParaRPr kumimoji="1" lang="en-US" altLang="ja-JP" sz="1200" dirty="0"/>
-          </a:p>
-          <a:p>
-            <a:r>
-              <a:rPr lang="en-US" altLang="ja-JP" sz="1200" dirty="0">
-                <a:hlinkClick r:id="rId7"/>
-              </a:rPr>
-              <a:t>https://www.wsj.com/articles/morgan-stanley-bets-on-alibaba-backed-insurer-1434686296?mg=id-wsj</a:t>
-            </a:r>
-            <a:endParaRPr lang="en-US" altLang="ja-JP" sz="1200" dirty="0"/>
-          </a:p>
-          <a:p>
-            <a:endParaRPr kumimoji="1" lang="en-US" altLang="ja-JP" sz="1200" dirty="0"/>
-          </a:p>
-          <a:p>
-            <a:r>
-              <a:rPr lang="en-US" altLang="ja-JP" sz="1200" dirty="0">
-                <a:hlinkClick r:id="rId8"/>
-              </a:rPr>
-              <a:t>https://www.cbinsights.com/c-38263358789d92752945ccf4348c3add?term=undefined</a:t>
-            </a:r>
-            <a:endParaRPr lang="en-US" altLang="ja-JP" sz="1200" dirty="0"/>
-          </a:p>
-          <a:p>
-            <a:endParaRPr kumimoji="1" lang="en-US" altLang="ja-JP" sz="1200" dirty="0"/>
-          </a:p>
-          <a:p>
-            <a:r>
-              <a:rPr lang="en-US" altLang="ja-JP" sz="1200" dirty="0">
-                <a:hlinkClick r:id="rId9"/>
-              </a:rPr>
-              <a:t>https://www.ft.com/content/c9d10ada-9eb1-11e7-8cd4-932067fbf946</a:t>
-            </a:r>
-            <a:endParaRPr lang="en-US" altLang="ja-JP" sz="1200" dirty="0"/>
-          </a:p>
-          <a:p>
-            <a:endParaRPr kumimoji="1" lang="en-US" altLang="ja-JP" sz="1200" dirty="0"/>
-          </a:p>
-          <a:p>
-            <a:r>
-              <a:rPr lang="en-US" altLang="ja-JP" sz="1200" dirty="0">
-                <a:hlinkClick r:id="rId10"/>
-              </a:rPr>
-              <a:t>https://medium.com/@mlcwong/lessons-from-the-front-lines-of-insurance-tech-innovation-in-china-a1568b69bfb7</a:t>
-            </a:r>
-            <a:endParaRPr lang="en-US" altLang="ja-JP" sz="1200" dirty="0"/>
-          </a:p>
-          <a:p>
-            <a:endParaRPr kumimoji="1" lang="en-US" altLang="ja-JP" sz="1200" dirty="0"/>
-          </a:p>
-          <a:p>
-            <a:r>
-              <a:rPr lang="en-US" altLang="ja-JP" sz="1200" dirty="0">
-                <a:hlinkClick r:id="rId11"/>
-              </a:rPr>
-              <a:t>https://www.cbinsights.com/reports/CB-Insights_Insurance-Tech-Q4-2017.pdf</a:t>
-            </a:r>
-            <a:endParaRPr lang="en-US" altLang="ja-JP" sz="1200" dirty="0"/>
-          </a:p>
-          <a:p>
-            <a:endParaRPr kumimoji="1" lang="en-US" altLang="ja-JP" sz="1200"/>
-          </a:p>
-          <a:p>
-            <a:endParaRPr kumimoji="1" lang="ja-JP" altLang="en-US" sz="1200" dirty="0"/>
+              <a:rPr lang="ja-JP" altLang="en-US" sz="1800" dirty="0"/>
+              <a:t>ネット専業の保険会社として、ネット決済やスマホのアプリを活用して、</a:t>
+            </a:r>
+            <a:r>
+              <a:rPr lang="ja-JP" altLang="en-US" sz="1800" b="1" u="sng" dirty="0"/>
+              <a:t>加入から給付までの手続きを全てネット上で行なうことができる</a:t>
+            </a:r>
+            <a:r>
+              <a:rPr lang="ja-JP" altLang="en-US" sz="1800" dirty="0"/>
+              <a:t>（一部、保険商品では書面のプロセスは残っている）</a:t>
+            </a:r>
+            <a:endParaRPr lang="en-US" altLang="ja-JP" sz="1800" dirty="0"/>
+          </a:p>
+          <a:p>
+            <a:r>
+              <a:rPr lang="ja-JP" altLang="en-US" sz="1800" dirty="0"/>
+              <a:t>ネット保険を活用するユーザーの年齢が相対的に若く、学生、独身者、一人っ子同士の若い世帯など</a:t>
+            </a:r>
+            <a:r>
+              <a:rPr lang="ja-JP" altLang="en-US" sz="1800" b="1" u="sng" dirty="0"/>
+              <a:t>（ミレニアルス）が中心となるので、彼らが求めるニーズを徹底的に絞り込んでいる</a:t>
+            </a:r>
+            <a:endParaRPr lang="en-US" altLang="ja-JP" sz="1800" b="1" u="sng" dirty="0"/>
+          </a:p>
+          <a:p>
+            <a:r>
+              <a:rPr lang="ja-JP" altLang="en-US" sz="1800" dirty="0"/>
+              <a:t>消費者向けの代表的な商品は、アリババ傘下の</a:t>
+            </a:r>
+            <a:r>
+              <a:rPr lang="en-US" altLang="ja-JP" sz="1800" dirty="0"/>
+              <a:t>C2C</a:t>
+            </a:r>
+            <a:r>
+              <a:rPr lang="ja-JP" altLang="en-US" sz="1800" dirty="0"/>
+              <a:t>・淘宝ネット（タオバオネット）で</a:t>
+            </a:r>
+            <a:r>
+              <a:rPr lang="ja-JP" altLang="en-US" sz="1800" b="1" u="sng" dirty="0"/>
+              <a:t>購入した商品を返送する場合、その送料をカバーする保険</a:t>
+            </a:r>
+            <a:r>
+              <a:rPr lang="ja-JP" altLang="en-US" sz="1800" dirty="0"/>
+              <a:t>商品があり、一方、事業者（ネット通販）向けには、アリババ傘下の</a:t>
+            </a:r>
+            <a:r>
+              <a:rPr lang="en-US" altLang="ja-JP" sz="1800" dirty="0"/>
+              <a:t>B2C</a:t>
+            </a:r>
+            <a:r>
+              <a:rPr lang="ja-JP" altLang="en-US" sz="1800" dirty="0"/>
+              <a:t>の天猫（</a:t>
+            </a:r>
+            <a:r>
+              <a:rPr lang="en-US" altLang="ja-JP" sz="1800" dirty="0" err="1"/>
+              <a:t>Tmall</a:t>
+            </a:r>
+            <a:r>
+              <a:rPr lang="ja-JP" altLang="en-US" sz="1800" dirty="0"/>
+              <a:t>）へ</a:t>
+            </a:r>
+            <a:r>
+              <a:rPr lang="ja-JP" altLang="en-US" sz="1800" b="1" u="sng" dirty="0"/>
+              <a:t>出店する際に必要な保証金を補償する保険を</a:t>
+            </a:r>
+            <a:r>
+              <a:rPr lang="ja-JP" altLang="en-US" sz="1800" b="1" u="sng" dirty="0" smtClean="0"/>
+              <a:t>提供 ⇒ 創業者</a:t>
+            </a:r>
+            <a:r>
+              <a:rPr lang="ja-JP" altLang="en-US" sz="1800" b="1" u="sng" dirty="0"/>
+              <a:t>である、</a:t>
+            </a:r>
+            <a:r>
+              <a:rPr lang="en-US" altLang="ja-JP" sz="1800" b="1" u="sng" dirty="0"/>
+              <a:t>Alibaba</a:t>
+            </a:r>
+            <a:r>
+              <a:rPr lang="ja-JP" altLang="en-US" sz="1800" b="1" u="sng" dirty="0"/>
+              <a:t>や</a:t>
+            </a:r>
+            <a:r>
+              <a:rPr lang="en-US" altLang="ja-JP" sz="1800" b="1" u="sng" dirty="0" err="1"/>
+              <a:t>Tencent</a:t>
+            </a:r>
+            <a:r>
+              <a:rPr lang="ja-JP" altLang="en-US" sz="1800" b="1" u="sng" dirty="0"/>
+              <a:t>を上手く活用したネット商品を</a:t>
+            </a:r>
+            <a:r>
+              <a:rPr lang="ja-JP" altLang="en-US" sz="1800" b="1" u="sng" dirty="0" smtClean="0"/>
+              <a:t>開発</a:t>
+            </a:r>
+            <a:endParaRPr lang="en-US" altLang="ja-JP" sz="1800" b="1" u="sng" dirty="0"/>
+          </a:p>
+          <a:p>
+            <a:r>
+              <a:rPr lang="ja-JP" altLang="en-US" sz="1800" dirty="0"/>
+              <a:t>さらに、オンライン決済口座の資金盗難補填を行なう保険や、小米のスマホの故障保険など、ネットやスマホユーザーを対象とした多様な商品が販売されている。</a:t>
+            </a:r>
+            <a:r>
+              <a:rPr lang="en-US" altLang="ja-JP" sz="1800" dirty="0"/>
+              <a:t/>
+            </a:r>
+            <a:br>
+              <a:rPr lang="en-US" altLang="ja-JP" sz="1800" dirty="0"/>
+            </a:br>
+            <a:r>
+              <a:rPr lang="ja-JP" altLang="en-US" sz="1800" dirty="0"/>
+              <a:t>医療分野においても、血糖値をタッチパネル式の血糖値測定端末で測定し、規定値を下回った場合、保険金額が一定額加算する商品なども販売している</a:t>
+            </a:r>
+            <a:endParaRPr lang="en-US" altLang="ja-JP" sz="1800" dirty="0"/>
+          </a:p>
+          <a:p>
+            <a:r>
+              <a:rPr lang="en-US" altLang="ja-JP" sz="1800" dirty="0" smtClean="0"/>
+              <a:t>2016</a:t>
+            </a:r>
+            <a:r>
+              <a:rPr lang="ja-JP" altLang="en-US" sz="1800" dirty="0"/>
+              <a:t>年末に同社は、</a:t>
+            </a:r>
+            <a:r>
+              <a:rPr lang="en-US" altLang="ja-JP" sz="1800" b="1" u="sng" dirty="0"/>
+              <a:t>AI</a:t>
+            </a:r>
+            <a:r>
+              <a:rPr lang="ja-JP" altLang="en-US" sz="1800" b="1" u="sng" dirty="0"/>
+              <a:t>、</a:t>
+            </a:r>
+            <a:r>
+              <a:rPr lang="en-US" altLang="ja-JP" sz="1800" b="1" u="sng" dirty="0"/>
+              <a:t>Blockchain</a:t>
+            </a:r>
+            <a:r>
+              <a:rPr lang="ja-JP" altLang="en-US" sz="1800" b="1" u="sng" dirty="0"/>
+              <a:t>、</a:t>
+            </a:r>
+            <a:r>
+              <a:rPr lang="en-US" altLang="ja-JP" sz="1800" b="1" u="sng" dirty="0"/>
+              <a:t>Cloud</a:t>
+            </a:r>
+            <a:r>
+              <a:rPr lang="ja-JP" altLang="en-US" sz="1800" b="1" u="sng" dirty="0"/>
+              <a:t>、</a:t>
+            </a:r>
+            <a:r>
+              <a:rPr lang="en-US" altLang="ja-JP" sz="1800" b="1" u="sng" dirty="0"/>
+              <a:t>Data-Driven</a:t>
+            </a:r>
+            <a:r>
+              <a:rPr lang="ja-JP" altLang="en-US" sz="1800" b="1" u="sng" dirty="0"/>
+              <a:t>を主眼においた「</a:t>
+            </a:r>
+            <a:r>
+              <a:rPr lang="en-US" altLang="ja-JP" sz="1800" b="1" u="sng" dirty="0"/>
+              <a:t>ABCD</a:t>
+            </a:r>
+            <a:r>
+              <a:rPr lang="ja-JP" altLang="en-US" sz="1800" b="1" u="sng" dirty="0"/>
+              <a:t>計画」を発表</a:t>
+            </a:r>
+            <a:r>
+              <a:rPr lang="ja-JP" altLang="en-US" sz="1800" dirty="0"/>
+              <a:t>、その狙いは強固な顧客基盤に、</a:t>
+            </a:r>
+            <a:r>
+              <a:rPr lang="en-US" altLang="ja-JP" sz="1800" dirty="0"/>
+              <a:t>AI</a:t>
+            </a:r>
+            <a:r>
+              <a:rPr lang="ja-JP" altLang="en-US" sz="1800" dirty="0"/>
+              <a:t>やブロックチェーンなどの先進的なソリューションを導入することでビジネスを加速させることと考えられている</a:t>
+            </a:r>
+            <a:endParaRPr lang="en-US" altLang="ja-JP" sz="1800" dirty="0"/>
+          </a:p>
+          <a:p>
+            <a:endParaRPr kumimoji="1" lang="ja-JP" altLang="en-US" sz="1800" dirty="0"/>
           </a:p>
         </p:txBody>
       </p:sp>
@@ -6725,7 +6851,7 @@
           <p:cNvPr id="4" name="スライド番号プレースホルダー 3">
             <a:extLst>
               <a:ext uri="{FF2B5EF4-FFF2-40B4-BE49-F238E27FC236}">
-                <a16:creationId xmlns:a16="http://schemas.microsoft.com/office/drawing/2014/main" xmlns="" id="{E8805CC6-65FA-5045-A156-977F442BD51C}"/>
+                <a16:creationId xmlns="" xmlns:a16="http://schemas.microsoft.com/office/drawing/2014/main" id="{99DAD3B3-7F57-9041-BFEB-1CE1906E07F5}"/>
               </a:ext>
             </a:extLst>
           </p:cNvPr>
@@ -6758,6 +6884,390 @@
     </p:spTree>
     <p:extLst>
       <p:ext uri="{BB962C8B-B14F-4D97-AF65-F5344CB8AC3E}">
+        <p14:creationId xmlns:p14="http://schemas.microsoft.com/office/powerpoint/2010/main" val="1412684514"/>
+      </p:ext>
+    </p:extLst>
+  </p:cSld>
+  <p:clrMapOvr>
+    <a:masterClrMapping/>
+  </p:clrMapOvr>
+</p:sld>
+</file>
+
+<file path=ppt/slides/slide11.xml><?xml version="1.0" encoding="utf-8"?>
+<p:sld xmlns:a="http://schemas.openxmlformats.org/drawingml/2006/main" xmlns:r="http://schemas.openxmlformats.org/officeDocument/2006/relationships" xmlns:p="http://schemas.openxmlformats.org/presentationml/2006/main">
+  <p:cSld>
+    <p:spTree>
+      <p:nvGrpSpPr>
+        <p:cNvPr id="1" name=""/>
+        <p:cNvGrpSpPr/>
+        <p:nvPr/>
+      </p:nvGrpSpPr>
+      <p:grpSpPr>
+        <a:xfrm>
+          <a:off x="0" y="0"/>
+          <a:ext cx="0" cy="0"/>
+          <a:chOff x="0" y="0"/>
+          <a:chExt cx="0" cy="0"/>
+        </a:xfrm>
+      </p:grpSpPr>
+      <p:sp>
+        <p:nvSpPr>
+          <p:cNvPr id="4" name="タイトル 3"/>
+          <p:cNvSpPr>
+            <a:spLocks noGrp="1"/>
+          </p:cNvSpPr>
+          <p:nvPr>
+            <p:ph type="title"/>
+          </p:nvPr>
+        </p:nvSpPr>
+        <p:spPr/>
+        <p:txBody>
+          <a:bodyPr/>
+          <a:lstStyle/>
+          <a:p>
+            <a:endParaRPr kumimoji="1" lang="ja-JP" altLang="en-US" dirty="0"/>
+          </a:p>
+        </p:txBody>
+      </p:sp>
+      <p:sp>
+        <p:nvSpPr>
+          <p:cNvPr id="5" name="コンテンツ プレースホルダー 4"/>
+          <p:cNvSpPr>
+            <a:spLocks noGrp="1"/>
+          </p:cNvSpPr>
+          <p:nvPr>
+            <p:ph idx="1"/>
+          </p:nvPr>
+        </p:nvSpPr>
+        <p:spPr/>
+        <p:txBody>
+          <a:bodyPr/>
+          <a:lstStyle/>
+          <a:p>
+            <a:endParaRPr kumimoji="1" lang="ja-JP" altLang="en-US"/>
+          </a:p>
+        </p:txBody>
+      </p:sp>
+      <p:sp>
+        <p:nvSpPr>
+          <p:cNvPr id="2" name="スライド番号プレースホルダー 1"/>
+          <p:cNvSpPr>
+            <a:spLocks noGrp="1"/>
+          </p:cNvSpPr>
+          <p:nvPr>
+            <p:ph type="sldNum" sz="quarter" idx="11"/>
+          </p:nvPr>
+        </p:nvSpPr>
+        <p:spPr/>
+        <p:txBody>
+          <a:bodyPr/>
+          <a:lstStyle/>
+          <a:p>
+            <a:fld id="{86CB4B4D-7CA3-9044-876B-883B54F8677D}" type="slidenum">
+              <a:rPr lang="uk-UA" smtClean="0"/>
+              <a:t>11</a:t>
+            </a:fld>
+            <a:endParaRPr lang="uk-UA"/>
+          </a:p>
+        </p:txBody>
+      </p:sp>
+      <p:pic>
+        <p:nvPicPr>
+          <p:cNvPr id="3" name="図 2"/>
+          <p:cNvPicPr>
+            <a:picLocks noChangeAspect="1"/>
+          </p:cNvPicPr>
+          <p:nvPr/>
+        </p:nvPicPr>
+        <p:blipFill rotWithShape="1">
+          <a:blip r:embed="rId2"/>
+          <a:srcRect t="7072"/>
+          <a:stretch/>
+        </p:blipFill>
+        <p:spPr>
+          <a:xfrm>
+            <a:off x="0" y="692150"/>
+            <a:ext cx="9144000" cy="5669753"/>
+          </a:xfrm>
+          <a:prstGeom prst="rect">
+            <a:avLst/>
+          </a:prstGeom>
+        </p:spPr>
+      </p:pic>
+    </p:spTree>
+    <p:extLst>
+      <p:ext uri="{BB962C8B-B14F-4D97-AF65-F5344CB8AC3E}">
+        <p14:creationId xmlns:p14="http://schemas.microsoft.com/office/powerpoint/2010/main" val="632215483"/>
+      </p:ext>
+    </p:extLst>
+  </p:cSld>
+  <p:clrMapOvr>
+    <a:masterClrMapping/>
+  </p:clrMapOvr>
+  <p:timing>
+    <p:tnLst>
+      <p:par>
+        <p:cTn id="1" dur="indefinite" restart="never" nodeType="tmRoot"/>
+      </p:par>
+    </p:tnLst>
+  </p:timing>
+</p:sld>
+</file>
+
+<file path=ppt/slides/slide12.xml><?xml version="1.0" encoding="utf-8"?>
+<p:sld xmlns:a="http://schemas.openxmlformats.org/drawingml/2006/main" xmlns:r="http://schemas.openxmlformats.org/officeDocument/2006/relationships" xmlns:p="http://schemas.openxmlformats.org/presentationml/2006/main">
+  <p:cSld>
+    <p:spTree>
+      <p:nvGrpSpPr>
+        <p:cNvPr id="1" name=""/>
+        <p:cNvGrpSpPr/>
+        <p:nvPr/>
+      </p:nvGrpSpPr>
+      <p:grpSpPr>
+        <a:xfrm>
+          <a:off x="0" y="0"/>
+          <a:ext cx="0" cy="0"/>
+          <a:chOff x="0" y="0"/>
+          <a:chExt cx="0" cy="0"/>
+        </a:xfrm>
+      </p:grpSpPr>
+      <p:sp>
+        <p:nvSpPr>
+          <p:cNvPr id="2" name="タイトル 1">
+            <a:extLst>
+              <a:ext uri="{FF2B5EF4-FFF2-40B4-BE49-F238E27FC236}">
+                <a16:creationId xmlns="" xmlns:a16="http://schemas.microsoft.com/office/drawing/2014/main" id="{233BE0B9-EC22-9E45-96CF-FEB94823FF5A}"/>
+              </a:ext>
+            </a:extLst>
+          </p:cNvPr>
+          <p:cNvSpPr>
+            <a:spLocks noGrp="1"/>
+          </p:cNvSpPr>
+          <p:nvPr>
+            <p:ph type="title"/>
+          </p:nvPr>
+        </p:nvSpPr>
+        <p:spPr/>
+        <p:txBody>
+          <a:bodyPr/>
+          <a:lstStyle/>
+          <a:p>
+            <a:r>
+              <a:rPr kumimoji="1" lang="ja-JP" altLang="en-US" b="1" dirty="0" smtClean="0"/>
+              <a:t>参考記事等のリンク先</a:t>
+            </a:r>
+            <a:endParaRPr kumimoji="1" lang="ja-JP" altLang="en-US" b="1" dirty="0"/>
+          </a:p>
+        </p:txBody>
+      </p:sp>
+      <p:sp>
+        <p:nvSpPr>
+          <p:cNvPr id="3" name="コンテンツ プレースホルダー 2">
+            <a:extLst>
+              <a:ext uri="{FF2B5EF4-FFF2-40B4-BE49-F238E27FC236}">
+                <a16:creationId xmlns="" xmlns:a16="http://schemas.microsoft.com/office/drawing/2014/main" id="{D0626CCE-9186-1C43-B117-6191A783EAC9}"/>
+              </a:ext>
+            </a:extLst>
+          </p:cNvPr>
+          <p:cNvSpPr>
+            <a:spLocks noGrp="1"/>
+          </p:cNvSpPr>
+          <p:nvPr>
+            <p:ph idx="1"/>
+          </p:nvPr>
+        </p:nvSpPr>
+        <p:spPr/>
+        <p:txBody>
+          <a:bodyPr/>
+          <a:lstStyle/>
+          <a:p>
+            <a:r>
+              <a:rPr lang="en-US" altLang="ja-JP" sz="1200" dirty="0">
+                <a:hlinkClick r:id="rId2"/>
+              </a:rPr>
+              <a:t>https://insurtechjapan.com/trend/201710/zhongan</a:t>
+            </a:r>
+            <a:endParaRPr lang="en-US" altLang="ja-JP" sz="1200" dirty="0"/>
+          </a:p>
+          <a:p>
+            <a:endParaRPr kumimoji="1" lang="en-US" altLang="ja-JP" sz="1200" dirty="0"/>
+          </a:p>
+          <a:p>
+            <a:r>
+              <a:rPr lang="en-US" altLang="ja-JP" sz="1200" dirty="0">
+                <a:hlinkClick r:id="rId3"/>
+              </a:rPr>
+              <a:t>http://</a:t>
+            </a:r>
+            <a:r>
+              <a:rPr lang="en-US" altLang="ja-JP" sz="1200" dirty="0" smtClean="0">
+                <a:hlinkClick r:id="rId3"/>
+              </a:rPr>
+              <a:t>www.nli-research.co.jp/report/detail/id=53184&amp;pno=2?site=nli</a:t>
+            </a:r>
+            <a:endParaRPr lang="en-US" altLang="ja-JP" sz="1200" dirty="0" smtClean="0"/>
+          </a:p>
+          <a:p>
+            <a:endParaRPr lang="en-US" altLang="ja-JP" sz="1200" dirty="0"/>
+          </a:p>
+          <a:p>
+            <a:r>
+              <a:rPr lang="en-US" altLang="ja-JP" sz="1200" dirty="0">
+                <a:hlinkClick r:id="rId4"/>
+              </a:rPr>
+              <a:t>http://</a:t>
+            </a:r>
+            <a:r>
+              <a:rPr lang="en-US" altLang="ja-JP" sz="1200" dirty="0" smtClean="0">
+                <a:hlinkClick r:id="rId4"/>
+              </a:rPr>
+              <a:t>www.nli-research.co.jp/report/detail/id=56887&amp;pno=3?site=nli</a:t>
+            </a:r>
+            <a:endParaRPr lang="en-US" altLang="ja-JP" sz="1200" dirty="0" smtClean="0"/>
+          </a:p>
+          <a:p>
+            <a:endParaRPr kumimoji="1" lang="en-US" altLang="ja-JP" sz="1200" dirty="0"/>
+          </a:p>
+          <a:p>
+            <a:r>
+              <a:rPr lang="en-US" altLang="ja-JP" sz="1200" dirty="0">
+                <a:hlinkClick r:id="rId5"/>
+              </a:rPr>
+              <a:t>http://www.sompo-hd.com/~/media/hd/files/news/2017/20170615_2.pdf</a:t>
+            </a:r>
+            <a:endParaRPr lang="en-US" altLang="ja-JP" sz="1200" dirty="0"/>
+          </a:p>
+          <a:p>
+            <a:endParaRPr kumimoji="1" lang="en-US" altLang="ja-JP" sz="1200" dirty="0"/>
+          </a:p>
+          <a:p>
+            <a:r>
+              <a:rPr lang="en-US" altLang="ja-JP" sz="1200" dirty="0">
+                <a:hlinkClick r:id="rId6"/>
+              </a:rPr>
+              <a:t>https://www.crunchbase.com/organization/zhongan#section-locked-marketplace</a:t>
+            </a:r>
+            <a:endParaRPr lang="en-US" altLang="ja-JP" sz="1200" dirty="0"/>
+          </a:p>
+          <a:p>
+            <a:endParaRPr kumimoji="1" lang="en-US" altLang="ja-JP" sz="1200" dirty="0"/>
+          </a:p>
+          <a:p>
+            <a:r>
+              <a:rPr lang="en-US" altLang="ja-JP" sz="1200" dirty="0">
+                <a:hlinkClick r:id="rId7"/>
+              </a:rPr>
+              <a:t>https://www.zhongan.com/corporate/</a:t>
+            </a:r>
+            <a:endParaRPr lang="en-US" altLang="ja-JP" sz="1200" dirty="0"/>
+          </a:p>
+          <a:p>
+            <a:endParaRPr kumimoji="1" lang="en-US" altLang="ja-JP" sz="1200" dirty="0"/>
+          </a:p>
+          <a:p>
+            <a:r>
+              <a:rPr lang="en-US" altLang="ja-JP" sz="1200" dirty="0">
+                <a:hlinkClick r:id="rId8"/>
+              </a:rPr>
+              <a:t>https://www.wsj.com/articles/morgan-stanley-bets-on-alibaba-backed-insurer-1434686296?mg=id-wsj</a:t>
+            </a:r>
+            <a:endParaRPr lang="en-US" altLang="ja-JP" sz="1200" dirty="0"/>
+          </a:p>
+          <a:p>
+            <a:endParaRPr kumimoji="1" lang="en-US" altLang="ja-JP" sz="1200" dirty="0"/>
+          </a:p>
+          <a:p>
+            <a:r>
+              <a:rPr lang="en-US" altLang="ja-JP" sz="1200" dirty="0">
+                <a:hlinkClick r:id="rId9"/>
+              </a:rPr>
+              <a:t>https://www.cbinsights.com/c-38263358789d92752945ccf4348c3add?term=undefined</a:t>
+            </a:r>
+            <a:endParaRPr lang="en-US" altLang="ja-JP" sz="1200" dirty="0"/>
+          </a:p>
+          <a:p>
+            <a:endParaRPr kumimoji="1" lang="en-US" altLang="ja-JP" sz="1200" dirty="0"/>
+          </a:p>
+          <a:p>
+            <a:r>
+              <a:rPr lang="en-US" altLang="ja-JP" sz="1200" dirty="0">
+                <a:hlinkClick r:id="rId10"/>
+              </a:rPr>
+              <a:t>https://www.ft.com/content/c9d10ada-9eb1-11e7-8cd4-932067fbf946</a:t>
+            </a:r>
+            <a:endParaRPr lang="en-US" altLang="ja-JP" sz="1200" dirty="0"/>
+          </a:p>
+          <a:p>
+            <a:endParaRPr kumimoji="1" lang="en-US" altLang="ja-JP" sz="1200" dirty="0"/>
+          </a:p>
+          <a:p>
+            <a:r>
+              <a:rPr lang="en-US" altLang="ja-JP" sz="1200" dirty="0">
+                <a:hlinkClick r:id="rId11"/>
+              </a:rPr>
+              <a:t>https://medium.com/@mlcwong/lessons-from-the-front-lines-of-insurance-tech-innovation-in-china-a1568b69bfb7</a:t>
+            </a:r>
+            <a:endParaRPr lang="en-US" altLang="ja-JP" sz="1200" dirty="0"/>
+          </a:p>
+          <a:p>
+            <a:endParaRPr kumimoji="1" lang="en-US" altLang="ja-JP" sz="1200" dirty="0"/>
+          </a:p>
+          <a:p>
+            <a:r>
+              <a:rPr lang="en-US" altLang="ja-JP" sz="1200" dirty="0">
+                <a:hlinkClick r:id="rId12"/>
+              </a:rPr>
+              <a:t>https://www.cbinsights.com/reports/CB-Insights_Insurance-Tech-Q4-2017.pdf</a:t>
+            </a:r>
+            <a:endParaRPr lang="en-US" altLang="ja-JP" sz="1200" dirty="0"/>
+          </a:p>
+          <a:p>
+            <a:endParaRPr kumimoji="1" lang="en-US" altLang="ja-JP" sz="1200" dirty="0"/>
+          </a:p>
+          <a:p>
+            <a:endParaRPr kumimoji="1" lang="ja-JP" altLang="en-US" sz="1200" dirty="0"/>
+          </a:p>
+        </p:txBody>
+      </p:sp>
+      <p:sp>
+        <p:nvSpPr>
+          <p:cNvPr id="4" name="スライド番号プレースホルダー 3">
+            <a:extLst>
+              <a:ext uri="{FF2B5EF4-FFF2-40B4-BE49-F238E27FC236}">
+                <a16:creationId xmlns="" xmlns:a16="http://schemas.microsoft.com/office/drawing/2014/main" id="{E8805CC6-65FA-5045-A156-977F442BD51C}"/>
+              </a:ext>
+            </a:extLst>
+          </p:cNvPr>
+          <p:cNvSpPr>
+            <a:spLocks noGrp="1"/>
+          </p:cNvSpPr>
+          <p:nvPr>
+            <p:ph type="sldNum" sz="quarter" idx="11"/>
+          </p:nvPr>
+        </p:nvSpPr>
+        <p:spPr/>
+        <p:txBody>
+          <a:bodyPr/>
+          <a:lstStyle/>
+          <a:p>
+            <a:pPr>
+              <a:defRPr/>
+            </a:pPr>
+            <a:fld id="{757834FA-B69F-40D9-9E48-E5D36EE240F4}" type="slidenum">
+              <a:rPr lang="en-US" altLang="ja-JP" smtClean="0"/>
+              <a:pPr>
+                <a:defRPr/>
+              </a:pPr>
+              <a:t>12</a:t>
+            </a:fld>
+            <a:endParaRPr lang="en-US" altLang="ja-JP"/>
+          </a:p>
+        </p:txBody>
+      </p:sp>
+    </p:spTree>
+    <p:extLst>
+      <p:ext uri="{BB962C8B-B14F-4D97-AF65-F5344CB8AC3E}">
         <p14:creationId xmlns:p14="http://schemas.microsoft.com/office/powerpoint/2010/main" val="4000455927"/>
       </p:ext>
     </p:extLst>
@@ -6765,6 +7275,13 @@
   <p:clrMapOvr>
     <a:masterClrMapping/>
   </p:clrMapOvr>
+  <p:timing>
+    <p:tnLst>
+      <p:par>
+        <p:cTn id="1" dur="indefinite" restart="never" nodeType="tmRoot"/>
+      </p:par>
+    </p:tnLst>
+  </p:timing>
 </p:sld>
 </file>
 
@@ -6853,7 +7370,7 @@
           <p:cNvPr id="5" name="正方形/長方形 4">
             <a:extLst>
               <a:ext uri="{FF2B5EF4-FFF2-40B4-BE49-F238E27FC236}">
-                <a16:creationId xmlns:a16="http://schemas.microsoft.com/office/drawing/2014/main" xmlns="" id="{745E8694-DE71-0A47-AA8F-D63AA7D84FE7}"/>
+                <a16:creationId xmlns="" xmlns:a16="http://schemas.microsoft.com/office/drawing/2014/main" id="{745E8694-DE71-0A47-AA8F-D63AA7D84FE7}"/>
               </a:ext>
             </a:extLst>
           </p:cNvPr>
@@ -7028,7 +7545,7 @@
           <p:cNvPr id="5" name="コンテンツ プレースホルダー 4">
             <a:extLst>
               <a:ext uri="{FF2B5EF4-FFF2-40B4-BE49-F238E27FC236}">
-                <a16:creationId xmlns:a16="http://schemas.microsoft.com/office/drawing/2014/main" xmlns="" id="{5A9F2255-6E22-F544-823B-83BBB56C350B}"/>
+                <a16:creationId xmlns="" xmlns:a16="http://schemas.microsoft.com/office/drawing/2014/main" id="{5A9F2255-6E22-F544-823B-83BBB56C350B}"/>
               </a:ext>
             </a:extLst>
           </p:cNvPr>
@@ -7332,7 +7849,7 @@
           <p:cNvPr id="12" name="グループ化 11">
             <a:extLst>
               <a:ext uri="{FF2B5EF4-FFF2-40B4-BE49-F238E27FC236}">
-                <a16:creationId xmlns:a16="http://schemas.microsoft.com/office/drawing/2014/main" xmlns="" id="{9B964A4B-B199-4F46-B8EF-26C0B41765DF}"/>
+                <a16:creationId xmlns="" xmlns:a16="http://schemas.microsoft.com/office/drawing/2014/main" id="{9B964A4B-B199-4F46-B8EF-26C0B41765DF}"/>
               </a:ext>
             </a:extLst>
           </p:cNvPr>
@@ -7352,7 +7869,7 @@
             <p:cNvPr id="10" name="図 9">
               <a:extLst>
                 <a:ext uri="{FF2B5EF4-FFF2-40B4-BE49-F238E27FC236}">
-                  <a16:creationId xmlns:a16="http://schemas.microsoft.com/office/drawing/2014/main" xmlns="" id="{7398709D-AF86-DA4D-A161-C1BEE72EA1B1}"/>
+                  <a16:creationId xmlns="" xmlns:a16="http://schemas.microsoft.com/office/drawing/2014/main" id="{7398709D-AF86-DA4D-A161-C1BEE72EA1B1}"/>
                 </a:ext>
               </a:extLst>
             </p:cNvPr>
@@ -7393,7 +7910,7 @@
             <p:cNvPr id="11" name="図 10">
               <a:extLst>
                 <a:ext uri="{FF2B5EF4-FFF2-40B4-BE49-F238E27FC236}">
-                  <a16:creationId xmlns:a16="http://schemas.microsoft.com/office/drawing/2014/main" xmlns="" id="{7164B02D-1560-4444-BBCD-E5187F401A90}"/>
+                  <a16:creationId xmlns="" xmlns:a16="http://schemas.microsoft.com/office/drawing/2014/main" id="{7164B02D-1560-4444-BBCD-E5187F401A90}"/>
                 </a:ext>
               </a:extLst>
             </p:cNvPr>
@@ -7430,6 +7947,51 @@
           </p:spPr>
         </p:pic>
       </p:grpSp>
+      <p:sp>
+        <p:nvSpPr>
+          <p:cNvPr id="8" name="正方形/長方形 7"/>
+          <p:cNvSpPr/>
+          <p:nvPr/>
+        </p:nvSpPr>
+        <p:spPr>
+          <a:xfrm>
+            <a:off x="2123728" y="6597932"/>
+            <a:ext cx="5203442" cy="215444"/>
+          </a:xfrm>
+          <a:prstGeom prst="rect">
+            <a:avLst/>
+          </a:prstGeom>
+        </p:spPr>
+        <p:txBody>
+          <a:bodyPr wrap="square">
+            <a:spAutoFit/>
+          </a:bodyPr>
+          <a:lstStyle/>
+          <a:p>
+            <a:r>
+              <a:rPr lang="ja-JP" altLang="en-US" sz="800" dirty="0" smtClean="0">
+                <a:latin typeface="Meiryo UI" panose="020B0604030504040204" pitchFamily="50" charset="-128"/>
+                <a:ea typeface="Meiryo UI" panose="020B0604030504040204" pitchFamily="50" charset="-128"/>
+                <a:cs typeface="Meiryo UI" panose="020B0604030504040204" pitchFamily="50" charset="-128"/>
+              </a:rPr>
+              <a:t>出典：</a:t>
+            </a:r>
+            <a:r>
+              <a:rPr lang="en-US" altLang="ja-JP" sz="800" dirty="0" err="1" smtClean="0">
+                <a:latin typeface="Meiryo UI" panose="020B0604030504040204" pitchFamily="50" charset="-128"/>
+                <a:ea typeface="Meiryo UI" panose="020B0604030504040204" pitchFamily="50" charset="-128"/>
+                <a:cs typeface="Meiryo UI" panose="020B0604030504040204" pitchFamily="50" charset="-128"/>
+              </a:rPr>
+              <a:t>CBInsights</a:t>
+            </a:r>
+            <a:endParaRPr lang="ja-JP" altLang="en-US" sz="800" dirty="0">
+              <a:latin typeface="Meiryo UI" panose="020B0604030504040204" pitchFamily="50" charset="-128"/>
+              <a:ea typeface="Meiryo UI" panose="020B0604030504040204" pitchFamily="50" charset="-128"/>
+              <a:cs typeface="Meiryo UI" panose="020B0604030504040204" pitchFamily="50" charset="-128"/>
+            </a:endParaRPr>
+          </a:p>
+        </p:txBody>
+      </p:sp>
     </p:spTree>
     <p:extLst>
       <p:ext uri="{BB962C8B-B14F-4D97-AF65-F5344CB8AC3E}">
@@ -7440,6 +8002,13 @@
   <p:clrMapOvr>
     <a:masterClrMapping/>
   </p:clrMapOvr>
+  <p:timing>
+    <p:tnLst>
+      <p:par>
+        <p:cTn id="1" dur="indefinite" restart="never" nodeType="tmRoot"/>
+      </p:par>
+    </p:tnLst>
+  </p:timing>
 </p:sld>
 </file>
 
@@ -7476,9 +8045,30 @@
           <a:lstStyle/>
           <a:p>
             <a:r>
-              <a:rPr kumimoji="1" lang="ja-JP" altLang="en-US" dirty="0"/>
-              <a:t>中国の状況について</a:t>
-            </a:r>
+              <a:rPr kumimoji="1" lang="ja-JP" altLang="en-US" b="1" dirty="0"/>
+              <a:t>中国の状況に</a:t>
+            </a:r>
+            <a:r>
+              <a:rPr kumimoji="1" lang="ja-JP" altLang="en-US" b="1" dirty="0" smtClean="0"/>
+              <a:t>ついて（</a:t>
+            </a:r>
+            <a:r>
+              <a:rPr kumimoji="1" lang="en-US" altLang="ja-JP" b="1" dirty="0" err="1" smtClean="0"/>
+              <a:t>Zhong</a:t>
+            </a:r>
+            <a:r>
+              <a:rPr kumimoji="1" lang="en-US" altLang="ja-JP" b="1" dirty="0" smtClean="0"/>
+              <a:t> A</a:t>
+            </a:r>
+            <a:r>
+              <a:rPr lang="en-US" altLang="ja-JP" b="1" dirty="0" smtClean="0"/>
+              <a:t>n</a:t>
+            </a:r>
+            <a:r>
+              <a:rPr lang="ja-JP" altLang="en-US" b="1" dirty="0" smtClean="0"/>
+              <a:t>急成長の背景）</a:t>
+            </a:r>
+            <a:endParaRPr kumimoji="1" lang="ja-JP" altLang="en-US" b="1" dirty="0"/>
           </a:p>
         </p:txBody>
       </p:sp>
@@ -7619,7 +8209,7 @@
           <p:cNvPr id="5" name="グループ化 4">
             <a:extLst>
               <a:ext uri="{FF2B5EF4-FFF2-40B4-BE49-F238E27FC236}">
-                <a16:creationId xmlns:a16="http://schemas.microsoft.com/office/drawing/2014/main" xmlns="" id="{8DF98148-2BD4-1147-AC4D-4D3DF9B842A4}"/>
+                <a16:creationId xmlns="" xmlns:a16="http://schemas.microsoft.com/office/drawing/2014/main" id="{8DF98148-2BD4-1147-AC4D-4D3DF9B842A4}"/>
               </a:ext>
             </a:extLst>
           </p:cNvPr>
@@ -7629,9 +8219,9 @@
         <p:grpSpPr>
           <a:xfrm>
             <a:off x="3880782" y="807390"/>
-            <a:ext cx="4847292" cy="1901529"/>
+            <a:ext cx="5011698" cy="1901529"/>
             <a:chOff x="3880782" y="807390"/>
-            <a:chExt cx="4847292" cy="1901529"/>
+            <a:chExt cx="5011698" cy="1901529"/>
           </a:xfrm>
         </p:grpSpPr>
         <p:sp>
@@ -7639,7 +8229,7 @@
             <p:cNvPr id="2" name="角丸四角形 1">
               <a:extLst>
                 <a:ext uri="{FF2B5EF4-FFF2-40B4-BE49-F238E27FC236}">
-                  <a16:creationId xmlns:a16="http://schemas.microsoft.com/office/drawing/2014/main" xmlns="" id="{F0CEF2BD-F72B-7C47-876B-704DB0AD10EB}"/>
+                  <a16:creationId xmlns="" xmlns:a16="http://schemas.microsoft.com/office/drawing/2014/main" id="{F0CEF2BD-F72B-7C47-876B-704DB0AD10EB}"/>
                 </a:ext>
               </a:extLst>
             </p:cNvPr>
@@ -7649,7 +8239,7 @@
           <p:spPr>
             <a:xfrm>
               <a:off x="4860031" y="807390"/>
-              <a:ext cx="3868043" cy="1901529"/>
+              <a:ext cx="4032449" cy="1901529"/>
             </a:xfrm>
             <a:prstGeom prst="roundRect">
               <a:avLst>
@@ -7746,7 +8336,29 @@
                   <a:ea typeface="Meiryo UI" panose="020B0604030504040204" pitchFamily="34" charset="-128"/>
                   <a:cs typeface="Meiryo UI" panose="020B0604030504040204" pitchFamily="34" charset="-128"/>
                 </a:rPr>
-                <a:t>急激なモータライゼーションに伴う自動車マーケットの増加に、多種雲の増加が追いついていない状況</a:t>
+                <a:t>急激なモータライゼーションに伴う自動車マーケットの増加に</a:t>
+              </a:r>
+              <a:r>
+                <a:rPr lang="ja-JP" altLang="en-US" sz="1400" dirty="0" smtClean="0">
+                  <a:solidFill>
+                    <a:schemeClr val="bg1"/>
+                  </a:solidFill>
+                  <a:latin typeface="Meiryo UI" panose="020B0604030504040204" pitchFamily="34" charset="-128"/>
+                  <a:ea typeface="Meiryo UI" panose="020B0604030504040204" pitchFamily="34" charset="-128"/>
+                  <a:cs typeface="Meiryo UI" panose="020B0604030504040204" pitchFamily="34" charset="-128"/>
+                </a:rPr>
+                <a:t>、他種目化が</a:t>
+              </a:r>
+              <a:r>
+                <a:rPr lang="ja-JP" altLang="en-US" sz="1400" dirty="0">
+                  <a:solidFill>
+                    <a:schemeClr val="bg1"/>
+                  </a:solidFill>
+                  <a:latin typeface="Meiryo UI" panose="020B0604030504040204" pitchFamily="34" charset="-128"/>
+                  <a:ea typeface="Meiryo UI" panose="020B0604030504040204" pitchFamily="34" charset="-128"/>
+                  <a:cs typeface="Meiryo UI" panose="020B0604030504040204" pitchFamily="34" charset="-128"/>
+                </a:rPr>
+                <a:t>追いついていない状況</a:t>
               </a:r>
               <a:endParaRPr kumimoji="1" lang="en-US" altLang="ja-JP" sz="1400" dirty="0">
                 <a:solidFill>
@@ -7771,12 +8383,152 @@
                   <a:ea typeface="Meiryo UI" panose="020B0604030504040204" pitchFamily="34" charset="-128"/>
                   <a:cs typeface="Meiryo UI" panose="020B0604030504040204" pitchFamily="34" charset="-128"/>
                 </a:rPr>
-                <a:t>自動車保険は多くは、伝統的な損害保険会社が販売している</a:t>
+                <a:t>自動車保険は多くは、伝統的な</a:t>
               </a:r>
-              <a:endParaRPr kumimoji="1" lang="en-US" altLang="ja-JP" sz="1400" dirty="0">
+              <a:r>
+                <a:rPr lang="ja-JP" altLang="en-US" sz="1400" dirty="0" smtClean="0">
+                  <a:solidFill>
+                    <a:schemeClr val="bg1"/>
+                  </a:solidFill>
+                  <a:latin typeface="Meiryo UI" panose="020B0604030504040204" pitchFamily="34" charset="-128"/>
+                  <a:ea typeface="Meiryo UI" panose="020B0604030504040204" pitchFamily="34" charset="-128"/>
+                  <a:cs typeface="Meiryo UI" panose="020B0604030504040204" pitchFamily="34" charset="-128"/>
+                </a:rPr>
+                <a:t>損保社</a:t>
+              </a:r>
+              <a:r>
+                <a:rPr lang="ja-JP" altLang="en-US" sz="1400" dirty="0">
+                  <a:solidFill>
+                    <a:schemeClr val="bg1"/>
+                  </a:solidFill>
+                  <a:latin typeface="Meiryo UI" panose="020B0604030504040204" pitchFamily="34" charset="-128"/>
+                  <a:ea typeface="Meiryo UI" panose="020B0604030504040204" pitchFamily="34" charset="-128"/>
+                  <a:cs typeface="Meiryo UI" panose="020B0604030504040204" pitchFamily="34" charset="-128"/>
+                </a:rPr>
+                <a:t>が</a:t>
+              </a:r>
+              <a:r>
+                <a:rPr lang="ja-JP" altLang="en-US" sz="1400" dirty="0" smtClean="0">
+                  <a:solidFill>
+                    <a:schemeClr val="bg1"/>
+                  </a:solidFill>
+                  <a:latin typeface="Meiryo UI" panose="020B0604030504040204" pitchFamily="34" charset="-128"/>
+                  <a:ea typeface="Meiryo UI" panose="020B0604030504040204" pitchFamily="34" charset="-128"/>
+                  <a:cs typeface="Meiryo UI" panose="020B0604030504040204" pitchFamily="34" charset="-128"/>
+                </a:rPr>
+                <a:t>販売</a:t>
+              </a:r>
+              <a:endParaRPr lang="en-US" altLang="ja-JP" sz="1400" dirty="0" smtClean="0">
                 <a:solidFill>
                   <a:schemeClr val="bg1"/>
                 </a:solidFill>
+                <a:latin typeface="Meiryo UI" panose="020B0604030504040204" pitchFamily="34" charset="-128"/>
+                <a:ea typeface="Meiryo UI" panose="020B0604030504040204" pitchFamily="34" charset="-128"/>
+                <a:cs typeface="Meiryo UI" panose="020B0604030504040204" pitchFamily="34" charset="-128"/>
+              </a:endParaRPr>
+            </a:p>
+            <a:p>
+              <a:pPr marL="285750" indent="-285750">
+                <a:buFont typeface="Arial" panose="020B0604020202020204" pitchFamily="34" charset="0"/>
+                <a:buChar char="•"/>
+              </a:pPr>
+              <a:endParaRPr lang="en-US" altLang="ja-JP" sz="800" dirty="0" smtClean="0">
+                <a:solidFill>
+                  <a:schemeClr val="bg1"/>
+                </a:solidFill>
+                <a:latin typeface="Meiryo UI" panose="020B0604030504040204" pitchFamily="34" charset="-128"/>
+                <a:ea typeface="Meiryo UI" panose="020B0604030504040204" pitchFamily="34" charset="-128"/>
+                <a:cs typeface="Meiryo UI" panose="020B0604030504040204" pitchFamily="34" charset="-128"/>
+              </a:endParaRPr>
+            </a:p>
+            <a:p>
+              <a:pPr marL="285750" indent="-285750">
+                <a:buFont typeface="Arial" panose="020B0604020202020204" pitchFamily="34" charset="0"/>
+                <a:buChar char="•"/>
+              </a:pPr>
+              <a:r>
+                <a:rPr kumimoji="1" lang="en-US" altLang="ja-JP" sz="1400" b="1" u="sng" dirty="0" err="1">
+                  <a:solidFill>
+                    <a:schemeClr val="bg1"/>
+                  </a:solidFill>
+                  <a:effectLst>
+                    <a:outerShdw blurRad="38100" dist="38100" dir="2700000" algn="tl">
+                      <a:srgbClr val="000000">
+                        <a:alpha val="43137"/>
+                      </a:srgbClr>
+                    </a:outerShdw>
+                  </a:effectLst>
+                  <a:latin typeface="Meiryo UI" panose="020B0604030504040204" pitchFamily="34" charset="-128"/>
+                  <a:ea typeface="Meiryo UI" panose="020B0604030504040204" pitchFamily="34" charset="-128"/>
+                  <a:cs typeface="Meiryo UI" panose="020B0604030504040204" pitchFamily="34" charset="-128"/>
+                </a:rPr>
+                <a:t>Zhong</a:t>
+              </a:r>
+              <a:r>
+                <a:rPr kumimoji="1" lang="en-US" altLang="ja-JP" sz="1400" b="1" u="sng" dirty="0">
+                  <a:solidFill>
+                    <a:schemeClr val="bg1"/>
+                  </a:solidFill>
+                  <a:effectLst>
+                    <a:outerShdw blurRad="38100" dist="38100" dir="2700000" algn="tl">
+                      <a:srgbClr val="000000">
+                        <a:alpha val="43137"/>
+                      </a:srgbClr>
+                    </a:outerShdw>
+                  </a:effectLst>
+                  <a:latin typeface="Meiryo UI" panose="020B0604030504040204" pitchFamily="34" charset="-128"/>
+                  <a:ea typeface="Meiryo UI" panose="020B0604030504040204" pitchFamily="34" charset="-128"/>
+                  <a:cs typeface="Meiryo UI" panose="020B0604030504040204" pitchFamily="34" charset="-128"/>
+                </a:rPr>
+                <a:t> </a:t>
+              </a:r>
+              <a:r>
+                <a:rPr kumimoji="1" lang="en-US" altLang="ja-JP" sz="1400" b="1" u="sng" dirty="0" smtClean="0">
+                  <a:solidFill>
+                    <a:schemeClr val="bg1"/>
+                  </a:solidFill>
+                  <a:effectLst>
+                    <a:outerShdw blurRad="38100" dist="38100" dir="2700000" algn="tl">
+                      <a:srgbClr val="000000">
+                        <a:alpha val="43137"/>
+                      </a:srgbClr>
+                    </a:outerShdw>
+                  </a:effectLst>
+                  <a:latin typeface="Meiryo UI" panose="020B0604030504040204" pitchFamily="34" charset="-128"/>
+                  <a:ea typeface="Meiryo UI" panose="020B0604030504040204" pitchFamily="34" charset="-128"/>
+                  <a:cs typeface="Meiryo UI" panose="020B0604030504040204" pitchFamily="34" charset="-128"/>
+                </a:rPr>
+                <a:t>An</a:t>
+              </a:r>
+              <a:r>
+                <a:rPr kumimoji="1" lang="ja-JP" altLang="en-US" sz="1400" b="1" u="sng" dirty="0" smtClean="0">
+                  <a:solidFill>
+                    <a:schemeClr val="bg1"/>
+                  </a:solidFill>
+                  <a:effectLst>
+                    <a:outerShdw blurRad="38100" dist="38100" dir="2700000" algn="tl">
+                      <a:srgbClr val="000000">
+                        <a:alpha val="43137"/>
+                      </a:srgbClr>
+                    </a:outerShdw>
+                  </a:effectLst>
+                  <a:latin typeface="Meiryo UI" panose="020B0604030504040204" pitchFamily="34" charset="-128"/>
+                  <a:ea typeface="Meiryo UI" panose="020B0604030504040204" pitchFamily="34" charset="-128"/>
+                  <a:cs typeface="Meiryo UI" panose="020B0604030504040204" pitchFamily="34" charset="-128"/>
+                </a:rPr>
+                <a:t>は自動車以外の分野を上手く攻略</a:t>
+              </a:r>
+              <a:endParaRPr kumimoji="1" lang="en-US" altLang="ja-JP" sz="1400" b="1" u="sng" dirty="0">
+                <a:solidFill>
+                  <a:schemeClr val="bg1"/>
+                </a:solidFill>
+                <a:effectLst>
+                  <a:outerShdw blurRad="38100" dist="38100" dir="2700000" algn="tl">
+                    <a:srgbClr val="000000">
+                      <a:alpha val="43137"/>
+                    </a:srgbClr>
+                  </a:outerShdw>
+                </a:effectLst>
                 <a:latin typeface="Meiryo UI" panose="020B0604030504040204" pitchFamily="34" charset="-128"/>
                 <a:ea typeface="Meiryo UI" panose="020B0604030504040204" pitchFamily="34" charset="-128"/>
                 <a:cs typeface="Meiryo UI" panose="020B0604030504040204" pitchFamily="34" charset="-128"/>
@@ -7789,7 +8541,7 @@
             <p:cNvPr id="4" name="三角形 3">
               <a:extLst>
                 <a:ext uri="{FF2B5EF4-FFF2-40B4-BE49-F238E27FC236}">
-                  <a16:creationId xmlns:a16="http://schemas.microsoft.com/office/drawing/2014/main" xmlns="" id="{97B4AB4B-F28E-9D49-84C2-7DE81DFB45B2}"/>
+                  <a16:creationId xmlns="" xmlns:a16="http://schemas.microsoft.com/office/drawing/2014/main" id="{97B4AB4B-F28E-9D49-84C2-7DE81DFB45B2}"/>
                 </a:ext>
               </a:extLst>
             </p:cNvPr>
@@ -7840,225 +8592,344 @@
           </p:txBody>
         </p:sp>
       </p:grpSp>
-      <p:sp>
-        <p:nvSpPr>
-          <p:cNvPr id="9" name="角丸四角形 8">
-            <a:extLst>
-              <a:ext uri="{FF2B5EF4-FFF2-40B4-BE49-F238E27FC236}">
-                <a16:creationId xmlns:a16="http://schemas.microsoft.com/office/drawing/2014/main" xmlns="" id="{A693FCAD-BA62-DC48-B362-83316B937190}"/>
-              </a:ext>
-            </a:extLst>
-          </p:cNvPr>
-          <p:cNvSpPr/>
+      <p:grpSp>
+        <p:nvGrpSpPr>
+          <p:cNvPr id="6" name="グループ化 5"/>
+          <p:cNvGrpSpPr/>
           <p:nvPr/>
-        </p:nvSpPr>
-        <p:spPr>
+        </p:nvGrpSpPr>
+        <p:grpSpPr>
           <a:xfrm>
-            <a:off x="250825" y="3356992"/>
-            <a:ext cx="3868043" cy="504056"/>
+            <a:off x="4897361" y="2789602"/>
+            <a:ext cx="4024420" cy="1008398"/>
+            <a:chOff x="4897361" y="2789602"/>
+            <a:chExt cx="4024420" cy="1008398"/>
           </a:xfrm>
-          <a:prstGeom prst="roundRect">
-            <a:avLst>
-              <a:gd name="adj" fmla="val 7049"/>
-            </a:avLst>
-          </a:prstGeom>
-          <a:solidFill>
-            <a:srgbClr val="005B4D">
-              <a:alpha val="60000"/>
-            </a:srgbClr>
-          </a:solidFill>
-          <a:ln>
-            <a:noFill/>
-            <a:prstDash val="sysDash"/>
-          </a:ln>
-        </p:spPr>
-        <p:style>
-          <a:lnRef idx="2">
-            <a:schemeClr val="accent1">
-              <a:shade val="50000"/>
-            </a:schemeClr>
-          </a:lnRef>
-          <a:fillRef idx="1">
-            <a:schemeClr val="accent1"/>
-          </a:fillRef>
-          <a:effectRef idx="0">
-            <a:schemeClr val="accent1"/>
-          </a:effectRef>
-          <a:fontRef idx="minor">
-            <a:schemeClr val="lt1"/>
-          </a:fontRef>
-        </p:style>
-        <p:txBody>
-          <a:bodyPr rtlCol="0" anchor="ctr"/>
-          <a:lstStyle/>
-          <a:p>
-            <a:pPr marL="285750" indent="-285750">
-              <a:buFont typeface="Arial" panose="020B0604020202020204" pitchFamily="34" charset="0"/>
-              <a:buChar char="•"/>
-            </a:pPr>
-            <a:r>
-              <a:rPr kumimoji="1" lang="ja-JP" altLang="en-US" sz="1400" dirty="0">
+        </p:grpSpPr>
+        <p:sp>
+          <p:nvSpPr>
+            <p:cNvPr id="9" name="角丸四角形 8">
+              <a:extLst>
+                <a:ext uri="{FF2B5EF4-FFF2-40B4-BE49-F238E27FC236}">
+                  <a16:creationId xmlns="" xmlns:a16="http://schemas.microsoft.com/office/drawing/2014/main" id="{A693FCAD-BA62-DC48-B362-83316B937190}"/>
+                </a:ext>
+              </a:extLst>
+            </p:cNvPr>
+            <p:cNvSpPr/>
+            <p:nvPr/>
+          </p:nvSpPr>
+          <p:spPr>
+            <a:xfrm>
+              <a:off x="4897361" y="2789602"/>
+              <a:ext cx="4024420" cy="720000"/>
+            </a:xfrm>
+            <a:prstGeom prst="roundRect">
+              <a:avLst>
+                <a:gd name="adj" fmla="val 7049"/>
+              </a:avLst>
+            </a:prstGeom>
+            <a:solidFill>
+              <a:srgbClr val="005B4D">
+                <a:alpha val="60000"/>
+              </a:srgbClr>
+            </a:solidFill>
+            <a:ln>
+              <a:noFill/>
+              <a:prstDash val="sysDash"/>
+            </a:ln>
+          </p:spPr>
+          <p:style>
+            <a:lnRef idx="2">
+              <a:schemeClr val="accent1">
+                <a:shade val="50000"/>
+              </a:schemeClr>
+            </a:lnRef>
+            <a:fillRef idx="1">
+              <a:schemeClr val="accent1"/>
+            </a:fillRef>
+            <a:effectRef idx="0">
+              <a:schemeClr val="accent1"/>
+            </a:effectRef>
+            <a:fontRef idx="minor">
+              <a:schemeClr val="lt1"/>
+            </a:fontRef>
+          </p:style>
+          <p:txBody>
+            <a:bodyPr rtlCol="0" anchor="ctr"/>
+            <a:lstStyle/>
+            <a:p>
+              <a:pPr marL="285750" indent="-285750">
+                <a:buFont typeface="Arial" panose="020B0604020202020204" pitchFamily="34" charset="0"/>
+                <a:buChar char="•"/>
+              </a:pPr>
+              <a:r>
+                <a:rPr kumimoji="1" lang="ja-JP" altLang="en-US" sz="1400" dirty="0">
+                  <a:solidFill>
+                    <a:schemeClr val="bg1"/>
+                  </a:solidFill>
+                  <a:latin typeface="Meiryo UI" panose="020B0604030504040204" pitchFamily="34" charset="-128"/>
+                  <a:ea typeface="Meiryo UI" panose="020B0604030504040204" pitchFamily="34" charset="-128"/>
+                  <a:cs typeface="Meiryo UI" panose="020B0604030504040204" pitchFamily="34" charset="-128"/>
+                </a:rPr>
+                <a:t>オンラインでの保険販売は、年々増加している</a:t>
+              </a:r>
+              <a:endParaRPr kumimoji="1" lang="en-US" altLang="ja-JP" sz="1400" dirty="0">
                 <a:solidFill>
                   <a:schemeClr val="bg1"/>
                 </a:solidFill>
                 <a:latin typeface="Meiryo UI" panose="020B0604030504040204" pitchFamily="34" charset="-128"/>
                 <a:ea typeface="Meiryo UI" panose="020B0604030504040204" pitchFamily="34" charset="-128"/>
                 <a:cs typeface="Meiryo UI" panose="020B0604030504040204" pitchFamily="34" charset="-128"/>
-              </a:rPr>
-              <a:t>オンラインでの保険販売は、年々増加している</a:t>
-            </a:r>
-            <a:endParaRPr kumimoji="1" lang="en-US" altLang="ja-JP" sz="1400" dirty="0">
-              <a:solidFill>
-                <a:schemeClr val="bg1"/>
-              </a:solidFill>
-              <a:latin typeface="Meiryo UI" panose="020B0604030504040204" pitchFamily="34" charset="-128"/>
-              <a:ea typeface="Meiryo UI" panose="020B0604030504040204" pitchFamily="34" charset="-128"/>
-              <a:cs typeface="Meiryo UI" panose="020B0604030504040204" pitchFamily="34" charset="-128"/>
-            </a:endParaRPr>
-          </a:p>
-          <a:p>
-            <a:pPr marL="285750" indent="-285750">
-              <a:buFont typeface="Arial" panose="020B0604020202020204" pitchFamily="34" charset="0"/>
-              <a:buChar char="•"/>
-            </a:pPr>
-            <a:r>
-              <a:rPr kumimoji="1" lang="en-US" altLang="ja-JP" sz="1400" dirty="0">
+              </a:endParaRPr>
+            </a:p>
+            <a:p>
+              <a:pPr marL="285750" indent="-285750">
+                <a:buFont typeface="Arial" panose="020B0604020202020204" pitchFamily="34" charset="0"/>
+                <a:buChar char="•"/>
+              </a:pPr>
+              <a:r>
+                <a:rPr kumimoji="1" lang="en-US" altLang="ja-JP" sz="1400" dirty="0">
+                  <a:solidFill>
+                    <a:schemeClr val="bg1"/>
+                  </a:solidFill>
+                  <a:latin typeface="Meiryo UI" panose="020B0604030504040204" pitchFamily="34" charset="-128"/>
+                  <a:ea typeface="Meiryo UI" panose="020B0604030504040204" pitchFamily="34" charset="-128"/>
+                  <a:cs typeface="Meiryo UI" panose="020B0604030504040204" pitchFamily="34" charset="-128"/>
+                </a:rPr>
+                <a:t>2016</a:t>
+              </a:r>
+              <a:r>
+                <a:rPr kumimoji="1" lang="ja-JP" altLang="en-US" sz="1400" dirty="0">
+                  <a:solidFill>
+                    <a:schemeClr val="bg1"/>
+                  </a:solidFill>
+                  <a:latin typeface="Meiryo UI" panose="020B0604030504040204" pitchFamily="34" charset="-128"/>
+                  <a:ea typeface="Meiryo UI" panose="020B0604030504040204" pitchFamily="34" charset="-128"/>
+                  <a:cs typeface="Meiryo UI" panose="020B0604030504040204" pitchFamily="34" charset="-128"/>
+                </a:rPr>
+                <a:t>年で</a:t>
+              </a:r>
+              <a:r>
+                <a:rPr kumimoji="1" lang="en-US" altLang="ja-JP" sz="1400" dirty="0">
+                  <a:solidFill>
+                    <a:schemeClr val="bg1"/>
+                  </a:solidFill>
+                  <a:latin typeface="Meiryo UI" panose="020B0604030504040204" pitchFamily="34" charset="-128"/>
+                  <a:ea typeface="Meiryo UI" panose="020B0604030504040204" pitchFamily="34" charset="-128"/>
+                  <a:cs typeface="Meiryo UI" panose="020B0604030504040204" pitchFamily="34" charset="-128"/>
+                </a:rPr>
+                <a:t>US$40B</a:t>
+              </a:r>
+              <a:r>
+                <a:rPr kumimoji="1" lang="ja-JP" altLang="en-US" sz="1400" dirty="0">
+                  <a:solidFill>
+                    <a:schemeClr val="bg1"/>
+                  </a:solidFill>
+                  <a:latin typeface="Meiryo UI" panose="020B0604030504040204" pitchFamily="34" charset="-128"/>
+                  <a:ea typeface="Meiryo UI" panose="020B0604030504040204" pitchFamily="34" charset="-128"/>
+                  <a:cs typeface="Meiryo UI" panose="020B0604030504040204" pitchFamily="34" charset="-128"/>
+                </a:rPr>
+                <a:t>（</a:t>
+              </a:r>
+              <a:r>
+                <a:rPr kumimoji="1" lang="en-US" altLang="ja-JP" sz="1400" dirty="0">
+                  <a:solidFill>
+                    <a:schemeClr val="bg1"/>
+                  </a:solidFill>
+                  <a:latin typeface="Meiryo UI" panose="020B0604030504040204" pitchFamily="34" charset="-128"/>
+                  <a:ea typeface="Meiryo UI" panose="020B0604030504040204" pitchFamily="34" charset="-128"/>
+                  <a:cs typeface="Meiryo UI" panose="020B0604030504040204" pitchFamily="34" charset="-128"/>
+                </a:rPr>
+                <a:t>4</a:t>
+              </a:r>
+              <a:r>
+                <a:rPr kumimoji="1" lang="ja-JP" altLang="en-US" sz="1400" dirty="0">
+                  <a:solidFill>
+                    <a:schemeClr val="bg1"/>
+                  </a:solidFill>
+                  <a:latin typeface="Meiryo UI" panose="020B0604030504040204" pitchFamily="34" charset="-128"/>
+                  <a:ea typeface="Meiryo UI" panose="020B0604030504040204" pitchFamily="34" charset="-128"/>
+                  <a:cs typeface="Meiryo UI" panose="020B0604030504040204" pitchFamily="34" charset="-128"/>
+                </a:rPr>
+                <a:t>兆円）規模の</a:t>
+              </a:r>
+              <a:r>
+                <a:rPr kumimoji="1" lang="ja-JP" altLang="en-US" sz="1400" dirty="0" smtClean="0">
+                  <a:solidFill>
+                    <a:schemeClr val="bg1"/>
+                  </a:solidFill>
+                  <a:latin typeface="Meiryo UI" panose="020B0604030504040204" pitchFamily="34" charset="-128"/>
+                  <a:ea typeface="Meiryo UI" panose="020B0604030504040204" pitchFamily="34" charset="-128"/>
+                  <a:cs typeface="Meiryo UI" panose="020B0604030504040204" pitchFamily="34" charset="-128"/>
+                </a:rPr>
+                <a:t>市場</a:t>
+              </a:r>
+              <a:endParaRPr kumimoji="1" lang="en-US" altLang="ja-JP" sz="1400" dirty="0" smtClean="0">
                 <a:solidFill>
                   <a:schemeClr val="bg1"/>
                 </a:solidFill>
                 <a:latin typeface="Meiryo UI" panose="020B0604030504040204" pitchFamily="34" charset="-128"/>
                 <a:ea typeface="Meiryo UI" panose="020B0604030504040204" pitchFamily="34" charset="-128"/>
                 <a:cs typeface="Meiryo UI" panose="020B0604030504040204" pitchFamily="34" charset="-128"/>
-              </a:rPr>
-              <a:t>2016</a:t>
-            </a:r>
-            <a:r>
-              <a:rPr kumimoji="1" lang="ja-JP" altLang="en-US" sz="1400" dirty="0">
+              </a:endParaRPr>
+            </a:p>
+            <a:p>
+              <a:pPr marL="285750" indent="-285750">
+                <a:buFont typeface="Arial" panose="020B0604020202020204" pitchFamily="34" charset="0"/>
+                <a:buChar char="•"/>
+              </a:pPr>
+              <a:r>
+                <a:rPr lang="ja-JP" altLang="en-US" sz="1400" b="1" u="sng" dirty="0" smtClean="0">
+                  <a:solidFill>
+                    <a:schemeClr val="bg1"/>
+                  </a:solidFill>
+                  <a:effectLst>
+                    <a:outerShdw blurRad="38100" dist="38100" dir="2700000" algn="tl">
+                      <a:srgbClr val="000000">
+                        <a:alpha val="43137"/>
+                      </a:srgbClr>
+                    </a:outerShdw>
+                  </a:effectLst>
+                  <a:latin typeface="Meiryo UI" panose="020B0604030504040204" pitchFamily="34" charset="-128"/>
+                  <a:ea typeface="Meiryo UI" panose="020B0604030504040204" pitchFamily="34" charset="-128"/>
+                  <a:cs typeface="Meiryo UI" panose="020B0604030504040204" pitchFamily="34" charset="-128"/>
+                </a:rPr>
+                <a:t>オンライン型の</a:t>
+              </a:r>
+              <a:r>
+                <a:rPr lang="en-US" altLang="ja-JP" sz="1400" b="1" u="sng" dirty="0" err="1" smtClean="0">
+                  <a:solidFill>
+                    <a:schemeClr val="bg1"/>
+                  </a:solidFill>
+                  <a:effectLst>
+                    <a:outerShdw blurRad="38100" dist="38100" dir="2700000" algn="tl">
+                      <a:srgbClr val="000000">
+                        <a:alpha val="43137"/>
+                      </a:srgbClr>
+                    </a:outerShdw>
+                  </a:effectLst>
+                  <a:latin typeface="Meiryo UI" panose="020B0604030504040204" pitchFamily="34" charset="-128"/>
+                  <a:ea typeface="Meiryo UI" panose="020B0604030504040204" pitchFamily="34" charset="-128"/>
+                  <a:cs typeface="Meiryo UI" panose="020B0604030504040204" pitchFamily="34" charset="-128"/>
+                </a:rPr>
+                <a:t>Zhong</a:t>
+              </a:r>
+              <a:r>
+                <a:rPr lang="en-US" altLang="ja-JP" sz="1400" b="1" u="sng" dirty="0" smtClean="0">
+                  <a:solidFill>
+                    <a:schemeClr val="bg1"/>
+                  </a:solidFill>
+                  <a:effectLst>
+                    <a:outerShdw blurRad="38100" dist="38100" dir="2700000" algn="tl">
+                      <a:srgbClr val="000000">
+                        <a:alpha val="43137"/>
+                      </a:srgbClr>
+                    </a:outerShdw>
+                  </a:effectLst>
+                  <a:latin typeface="Meiryo UI" panose="020B0604030504040204" pitchFamily="34" charset="-128"/>
+                  <a:ea typeface="Meiryo UI" panose="020B0604030504040204" pitchFamily="34" charset="-128"/>
+                  <a:cs typeface="Meiryo UI" panose="020B0604030504040204" pitchFamily="34" charset="-128"/>
+                </a:rPr>
+                <a:t> An</a:t>
+              </a:r>
+              <a:r>
+                <a:rPr lang="ja-JP" altLang="en-US" sz="1400" b="1" u="sng" dirty="0" smtClean="0">
+                  <a:solidFill>
+                    <a:schemeClr val="bg1"/>
+                  </a:solidFill>
+                  <a:effectLst>
+                    <a:outerShdw blurRad="38100" dist="38100" dir="2700000" algn="tl">
+                      <a:srgbClr val="000000">
+                        <a:alpha val="43137"/>
+                      </a:srgbClr>
+                    </a:outerShdw>
+                  </a:effectLst>
+                  <a:latin typeface="Meiryo UI" panose="020B0604030504040204" pitchFamily="34" charset="-128"/>
+                  <a:ea typeface="Meiryo UI" panose="020B0604030504040204" pitchFamily="34" charset="-128"/>
+                  <a:cs typeface="Meiryo UI" panose="020B0604030504040204" pitchFamily="34" charset="-128"/>
+                </a:rPr>
+                <a:t>に追い風となる環境</a:t>
+              </a:r>
+              <a:endParaRPr kumimoji="1" lang="en-US" altLang="ja-JP" sz="1400" b="1" u="sng" dirty="0">
                 <a:solidFill>
                   <a:schemeClr val="bg1"/>
                 </a:solidFill>
+                <a:effectLst>
+                  <a:outerShdw blurRad="38100" dist="38100" dir="2700000" algn="tl">
+                    <a:srgbClr val="000000">
+                      <a:alpha val="43137"/>
+                    </a:srgbClr>
+                  </a:outerShdw>
+                </a:effectLst>
                 <a:latin typeface="Meiryo UI" panose="020B0604030504040204" pitchFamily="34" charset="-128"/>
                 <a:ea typeface="Meiryo UI" panose="020B0604030504040204" pitchFamily="34" charset="-128"/>
                 <a:cs typeface="Meiryo UI" panose="020B0604030504040204" pitchFamily="34" charset="-128"/>
-              </a:rPr>
-              <a:t>年で</a:t>
-            </a:r>
-            <a:r>
-              <a:rPr kumimoji="1" lang="en-US" altLang="ja-JP" sz="1400" dirty="0">
-                <a:solidFill>
-                  <a:schemeClr val="bg1"/>
-                </a:solidFill>
-                <a:latin typeface="Meiryo UI" panose="020B0604030504040204" pitchFamily="34" charset="-128"/>
-                <a:ea typeface="Meiryo UI" panose="020B0604030504040204" pitchFamily="34" charset="-128"/>
-                <a:cs typeface="Meiryo UI" panose="020B0604030504040204" pitchFamily="34" charset="-128"/>
-              </a:rPr>
-              <a:t>US$40B</a:t>
-            </a:r>
-            <a:r>
-              <a:rPr kumimoji="1" lang="ja-JP" altLang="en-US" sz="1400" dirty="0">
-                <a:solidFill>
-                  <a:schemeClr val="bg1"/>
-                </a:solidFill>
-                <a:latin typeface="Meiryo UI" panose="020B0604030504040204" pitchFamily="34" charset="-128"/>
-                <a:ea typeface="Meiryo UI" panose="020B0604030504040204" pitchFamily="34" charset="-128"/>
-                <a:cs typeface="Meiryo UI" panose="020B0604030504040204" pitchFamily="34" charset="-128"/>
-              </a:rPr>
-              <a:t>（</a:t>
-            </a:r>
-            <a:r>
-              <a:rPr kumimoji="1" lang="en-US" altLang="ja-JP" sz="1400" dirty="0">
-                <a:solidFill>
-                  <a:schemeClr val="bg1"/>
-                </a:solidFill>
-                <a:latin typeface="Meiryo UI" panose="020B0604030504040204" pitchFamily="34" charset="-128"/>
-                <a:ea typeface="Meiryo UI" panose="020B0604030504040204" pitchFamily="34" charset="-128"/>
-                <a:cs typeface="Meiryo UI" panose="020B0604030504040204" pitchFamily="34" charset="-128"/>
-              </a:rPr>
-              <a:t>4</a:t>
-            </a:r>
-            <a:r>
-              <a:rPr kumimoji="1" lang="ja-JP" altLang="en-US" sz="1400" dirty="0">
-                <a:solidFill>
-                  <a:schemeClr val="bg1"/>
-                </a:solidFill>
-                <a:latin typeface="Meiryo UI" panose="020B0604030504040204" pitchFamily="34" charset="-128"/>
-                <a:ea typeface="Meiryo UI" panose="020B0604030504040204" pitchFamily="34" charset="-128"/>
-                <a:cs typeface="Meiryo UI" panose="020B0604030504040204" pitchFamily="34" charset="-128"/>
-              </a:rPr>
-              <a:t>兆円）規模の市場</a:t>
-            </a:r>
-            <a:endParaRPr kumimoji="1" lang="en-US" altLang="ja-JP" sz="1400" dirty="0">
-              <a:solidFill>
-                <a:schemeClr val="bg1"/>
-              </a:solidFill>
-              <a:latin typeface="Meiryo UI" panose="020B0604030504040204" pitchFamily="34" charset="-128"/>
-              <a:ea typeface="Meiryo UI" panose="020B0604030504040204" pitchFamily="34" charset="-128"/>
-              <a:cs typeface="Meiryo UI" panose="020B0604030504040204" pitchFamily="34" charset="-128"/>
-            </a:endParaRPr>
-          </a:p>
-        </p:txBody>
-      </p:sp>
-      <p:sp>
-        <p:nvSpPr>
-          <p:cNvPr id="10" name="三角形 9">
-            <a:extLst>
-              <a:ext uri="{FF2B5EF4-FFF2-40B4-BE49-F238E27FC236}">
-                <a16:creationId xmlns:a16="http://schemas.microsoft.com/office/drawing/2014/main" xmlns="" id="{2BBE26D0-8C1F-FE45-B66C-8F355514CDFB}"/>
-              </a:ext>
-            </a:extLst>
-          </p:cNvPr>
-          <p:cNvSpPr/>
-          <p:nvPr/>
-        </p:nvSpPr>
-        <p:spPr>
-          <a:xfrm rot="5400000">
-            <a:off x="4500937" y="3191861"/>
-            <a:ext cx="215114" cy="979250"/>
-          </a:xfrm>
-          <a:prstGeom prst="triangle">
-            <a:avLst/>
-          </a:prstGeom>
-          <a:solidFill>
-            <a:srgbClr val="005B4D">
-              <a:alpha val="60000"/>
-            </a:srgbClr>
-          </a:solidFill>
-          <a:ln>
-            <a:noFill/>
-            <a:prstDash val="sysDash"/>
-          </a:ln>
-        </p:spPr>
-        <p:style>
-          <a:lnRef idx="2">
-            <a:schemeClr val="accent1">
-              <a:shade val="50000"/>
-            </a:schemeClr>
-          </a:lnRef>
-          <a:fillRef idx="1">
-            <a:schemeClr val="accent1"/>
-          </a:fillRef>
-          <a:effectRef idx="0">
-            <a:schemeClr val="accent1"/>
-          </a:effectRef>
-          <a:fontRef idx="minor">
-            <a:schemeClr val="lt1"/>
-          </a:fontRef>
-        </p:style>
-        <p:txBody>
-          <a:bodyPr rtlCol="0" anchor="ctr"/>
-          <a:lstStyle/>
-          <a:p>
-            <a:pPr algn="ctr"/>
-            <a:endParaRPr kumimoji="1" lang="ja-JP" altLang="en-US"/>
-          </a:p>
-        </p:txBody>
-      </p:sp>
+              </a:endParaRPr>
+            </a:p>
+          </p:txBody>
+        </p:sp>
+        <p:sp>
+          <p:nvSpPr>
+            <p:cNvPr id="10" name="三角形 9">
+              <a:extLst>
+                <a:ext uri="{FF2B5EF4-FFF2-40B4-BE49-F238E27FC236}">
+                  <a16:creationId xmlns="" xmlns:a16="http://schemas.microsoft.com/office/drawing/2014/main" id="{2BBE26D0-8C1F-FE45-B66C-8F355514CDFB}"/>
+                </a:ext>
+              </a:extLst>
+            </p:cNvPr>
+            <p:cNvSpPr/>
+            <p:nvPr/>
+          </p:nvSpPr>
+          <p:spPr>
+            <a:xfrm rot="10800000">
+              <a:off x="5033349" y="3510000"/>
+              <a:ext cx="215114" cy="288000"/>
+            </a:xfrm>
+            <a:prstGeom prst="triangle">
+              <a:avLst/>
+            </a:prstGeom>
+            <a:solidFill>
+              <a:srgbClr val="005B4D">
+                <a:alpha val="60000"/>
+              </a:srgbClr>
+            </a:solidFill>
+            <a:ln>
+              <a:noFill/>
+              <a:prstDash val="sysDash"/>
+            </a:ln>
+          </p:spPr>
+          <p:style>
+            <a:lnRef idx="2">
+              <a:schemeClr val="accent1">
+                <a:shade val="50000"/>
+              </a:schemeClr>
+            </a:lnRef>
+            <a:fillRef idx="1">
+              <a:schemeClr val="accent1"/>
+            </a:fillRef>
+            <a:effectRef idx="0">
+              <a:schemeClr val="accent1"/>
+            </a:effectRef>
+            <a:fontRef idx="minor">
+              <a:schemeClr val="lt1"/>
+            </a:fontRef>
+          </p:style>
+          <p:txBody>
+            <a:bodyPr rtlCol="0" anchor="ctr"/>
+            <a:lstStyle/>
+            <a:p>
+              <a:pPr algn="ctr"/>
+              <a:endParaRPr kumimoji="1" lang="ja-JP" altLang="en-US"/>
+            </a:p>
+          </p:txBody>
+        </p:sp>
+      </p:grpSp>
       <p:pic>
         <p:nvPicPr>
           <p:cNvPr id="13" name="Picture 2" descr="7de5044b84ef9ddd2ef339d8e06cdc2e">
             <a:extLst>
               <a:ext uri="{FF2B5EF4-FFF2-40B4-BE49-F238E27FC236}">
-                <a16:creationId xmlns:a16="http://schemas.microsoft.com/office/drawing/2014/main" xmlns="" id="{35BEA022-459F-1C41-9A1A-5C85BC023781}"/>
+                <a16:creationId xmlns="" xmlns:a16="http://schemas.microsoft.com/office/drawing/2014/main" id="{35BEA022-459F-1C41-9A1A-5C85BC023781}"/>
               </a:ext>
             </a:extLst>
           </p:cNvPr>
@@ -8092,7 +8963,7 @@
         </p:blipFill>
         <p:spPr bwMode="auto">
           <a:xfrm>
-            <a:off x="35496" y="4677881"/>
+            <a:off x="35496" y="4359562"/>
             <a:ext cx="4206220" cy="1949758"/>
           </a:xfrm>
           <a:prstGeom prst="rect">
@@ -8128,7 +8999,7 @@
           <p:cNvPr id="14" name="角丸四角形 13">
             <a:extLst>
               <a:ext uri="{FF2B5EF4-FFF2-40B4-BE49-F238E27FC236}">
-                <a16:creationId xmlns:a16="http://schemas.microsoft.com/office/drawing/2014/main" xmlns="" id="{4F3727F6-F7A0-F543-A2E1-B09F947225B3}"/>
+                <a16:creationId xmlns="" xmlns:a16="http://schemas.microsoft.com/office/drawing/2014/main" id="{4F3727F6-F7A0-F543-A2E1-B09F947225B3}"/>
               </a:ext>
             </a:extLst>
           </p:cNvPr>
@@ -8137,7 +9008,7 @@
         </p:nvSpPr>
         <p:spPr>
           <a:xfrm>
-            <a:off x="250825" y="3933056"/>
+            <a:off x="250825" y="3614737"/>
             <a:ext cx="3868043" cy="648072"/>
           </a:xfrm>
           <a:prstGeom prst="roundRect">
@@ -8287,56 +9158,109 @@
                 <a:ea typeface="Meiryo UI" panose="020B0604030504040204" pitchFamily="34" charset="-128"/>
                 <a:cs typeface="Meiryo UI" panose="020B0604030504040204" pitchFamily="34" charset="-128"/>
               </a:rPr>
-              <a:t>となっており、その多くが</a:t>
-            </a:r>
-            <a:r>
-              <a:rPr lang="en-US" altLang="ja-JP" sz="1400" dirty="0" err="1">
+              <a:t>となっており、</a:t>
+            </a:r>
+            <a:r>
+              <a:rPr lang="ja-JP" altLang="en-US" sz="1400" b="1" u="sng" dirty="0">
                 <a:solidFill>
                   <a:schemeClr val="bg1"/>
                 </a:solidFill>
+                <a:effectLst>
+                  <a:outerShdw blurRad="38100" dist="38100" dir="2700000" algn="tl">
+                    <a:srgbClr val="000000">
+                      <a:alpha val="43137"/>
+                    </a:srgbClr>
+                  </a:outerShdw>
+                </a:effectLst>
                 <a:latin typeface="Meiryo UI" panose="020B0604030504040204" pitchFamily="34" charset="-128"/>
                 <a:ea typeface="Meiryo UI" panose="020B0604030504040204" pitchFamily="34" charset="-128"/>
                 <a:cs typeface="Meiryo UI" panose="020B0604030504040204" pitchFamily="34" charset="-128"/>
               </a:rPr>
-              <a:t>Zhong</a:t>
-            </a:r>
-            <a:r>
-              <a:rPr lang="ja-JP" altLang="en-US" sz="1400" dirty="0">
+              <a:t>その多くが</a:t>
+            </a:r>
+            <a:r>
+              <a:rPr lang="en-US" altLang="ja-JP" sz="1400" b="1" u="sng" dirty="0" err="1">
                 <a:solidFill>
                   <a:schemeClr val="bg1"/>
                 </a:solidFill>
+                <a:effectLst>
+                  <a:outerShdw blurRad="38100" dist="38100" dir="2700000" algn="tl">
+                    <a:srgbClr val="000000">
+                      <a:alpha val="43137"/>
+                    </a:srgbClr>
+                  </a:outerShdw>
+                </a:effectLst>
                 <a:latin typeface="Meiryo UI" panose="020B0604030504040204" pitchFamily="34" charset="-128"/>
                 <a:ea typeface="Meiryo UI" panose="020B0604030504040204" pitchFamily="34" charset="-128"/>
                 <a:cs typeface="Meiryo UI" panose="020B0604030504040204" pitchFamily="34" charset="-128"/>
               </a:rPr>
-              <a:t>　</a:t>
-            </a:r>
-            <a:r>
-              <a:rPr lang="en-US" altLang="ja-JP" sz="1400" dirty="0">
+              <a:t>Zhong</a:t>
+            </a:r>
+            <a:r>
+              <a:rPr lang="ja-JP" altLang="en-US" sz="1400" b="1" u="sng" dirty="0">
                 <a:solidFill>
                   <a:schemeClr val="bg1"/>
                 </a:solidFill>
+                <a:effectLst>
+                  <a:outerShdw blurRad="38100" dist="38100" dir="2700000" algn="tl">
+                    <a:srgbClr val="000000">
+                      <a:alpha val="43137"/>
+                    </a:srgbClr>
+                  </a:outerShdw>
+                </a:effectLst>
                 <a:latin typeface="Meiryo UI" panose="020B0604030504040204" pitchFamily="34" charset="-128"/>
                 <a:ea typeface="Meiryo UI" panose="020B0604030504040204" pitchFamily="34" charset="-128"/>
                 <a:cs typeface="Meiryo UI" panose="020B0604030504040204" pitchFamily="34" charset="-128"/>
               </a:rPr>
-              <a:t>An</a:t>
-            </a:r>
-            <a:r>
-              <a:rPr lang="ja-JP" altLang="en-US" sz="1400" dirty="0">
+              <a:t>　</a:t>
+            </a:r>
+            <a:r>
+              <a:rPr lang="en-US" altLang="ja-JP" sz="1400" b="1" u="sng" dirty="0">
                 <a:solidFill>
                   <a:schemeClr val="bg1"/>
                 </a:solidFill>
+                <a:effectLst>
+                  <a:outerShdw blurRad="38100" dist="38100" dir="2700000" algn="tl">
+                    <a:srgbClr val="000000">
+                      <a:alpha val="43137"/>
+                    </a:srgbClr>
+                  </a:outerShdw>
+                </a:effectLst>
                 <a:latin typeface="Meiryo UI" panose="020B0604030504040204" pitchFamily="34" charset="-128"/>
                 <a:ea typeface="Meiryo UI" panose="020B0604030504040204" pitchFamily="34" charset="-128"/>
                 <a:cs typeface="Meiryo UI" panose="020B0604030504040204" pitchFamily="34" charset="-128"/>
               </a:rPr>
+              <a:t>An</a:t>
+            </a:r>
+            <a:r>
+              <a:rPr lang="ja-JP" altLang="en-US" sz="1400" b="1" u="sng" dirty="0">
+                <a:solidFill>
+                  <a:schemeClr val="bg1"/>
+                </a:solidFill>
+                <a:effectLst>
+                  <a:outerShdw blurRad="38100" dist="38100" dir="2700000" algn="tl">
+                    <a:srgbClr val="000000">
+                      <a:alpha val="43137"/>
+                    </a:srgbClr>
+                  </a:outerShdw>
+                </a:effectLst>
+                <a:latin typeface="Meiryo UI" panose="020B0604030504040204" pitchFamily="34" charset="-128"/>
+                <a:ea typeface="Meiryo UI" panose="020B0604030504040204" pitchFamily="34" charset="-128"/>
+                <a:cs typeface="Meiryo UI" panose="020B0604030504040204" pitchFamily="34" charset="-128"/>
+              </a:rPr>
               <a:t>を訪問している</a:t>
             </a:r>
-            <a:endParaRPr kumimoji="1" lang="en-US" altLang="ja-JP" sz="1400" dirty="0">
+            <a:endParaRPr kumimoji="1" lang="en-US" altLang="ja-JP" sz="1400" b="1" u="sng" dirty="0">
               <a:solidFill>
                 <a:schemeClr val="bg1"/>
               </a:solidFill>
+              <a:effectLst>
+                <a:outerShdw blurRad="38100" dist="38100" dir="2700000" algn="tl">
+                  <a:srgbClr val="000000">
+                    <a:alpha val="43137"/>
+                  </a:srgbClr>
+                </a:outerShdw>
+              </a:effectLst>
               <a:latin typeface="Meiryo UI" panose="020B0604030504040204" pitchFamily="34" charset="-128"/>
               <a:ea typeface="Meiryo UI" panose="020B0604030504040204" pitchFamily="34" charset="-128"/>
               <a:cs typeface="Meiryo UI" panose="020B0604030504040204" pitchFamily="34" charset="-128"/>
@@ -8349,7 +9273,7 @@
           <p:cNvPr id="15" name="三角形 14">
             <a:extLst>
               <a:ext uri="{FF2B5EF4-FFF2-40B4-BE49-F238E27FC236}">
-                <a16:creationId xmlns:a16="http://schemas.microsoft.com/office/drawing/2014/main" xmlns="" id="{6954B501-8A77-B647-B0AE-FD257E2627B5}"/>
+                <a16:creationId xmlns="" xmlns:a16="http://schemas.microsoft.com/office/drawing/2014/main" id="{6954B501-8A77-B647-B0AE-FD257E2627B5}"/>
               </a:ext>
             </a:extLst>
           </p:cNvPr>
@@ -8358,7 +9282,7 @@
         </p:nvSpPr>
         <p:spPr>
           <a:xfrm rot="10800000">
-            <a:off x="323528" y="4581128"/>
+            <a:off x="323528" y="4262809"/>
             <a:ext cx="144016" cy="144016"/>
           </a:xfrm>
           <a:prstGeom prst="triangle">
@@ -8399,6 +9323,258 @@
           </a:p>
         </p:txBody>
       </p:sp>
+      <p:sp>
+        <p:nvSpPr>
+          <p:cNvPr id="16" name="スライド番号プレースホルダー 2"/>
+          <p:cNvSpPr txBox="1">
+            <a:spLocks/>
+          </p:cNvSpPr>
+          <p:nvPr/>
+        </p:nvSpPr>
+        <p:spPr bwMode="auto">
+          <a:xfrm>
+            <a:off x="6823075" y="6424885"/>
+            <a:ext cx="1905000" cy="244475"/>
+          </a:xfrm>
+          <a:prstGeom prst="rect">
+            <a:avLst/>
+          </a:prstGeom>
+          <a:noFill/>
+          <a:ln>
+            <a:noFill/>
+          </a:ln>
+          <a:effectLst/>
+          <a:extLst>
+            <a:ext uri="{909E8E84-426E-40DD-AFC4-6F175D3DCCD1}">
+              <a14:hiddenFill xmlns:a14="http://schemas.microsoft.com/office/drawing/2010/main">
+                <a:solidFill>
+                  <a:schemeClr val="accent1"/>
+                </a:solidFill>
+              </a14:hiddenFill>
+            </a:ext>
+            <a:ext uri="{91240B29-F687-4F45-9708-019B960494DF}">
+              <a14:hiddenLine xmlns:a14="http://schemas.microsoft.com/office/drawing/2010/main" w="9525">
+                <a:solidFill>
+                  <a:schemeClr val="tx1"/>
+                </a:solidFill>
+                <a:miter lim="800000"/>
+                <a:headEnd/>
+                <a:tailEnd/>
+              </a14:hiddenLine>
+            </a:ext>
+            <a:ext uri="{AF507438-7753-43E0-B8FC-AC1667EBCBE1}">
+              <a14:hiddenEffects xmlns:a14="http://schemas.microsoft.com/office/drawing/2010/main">
+                <a:effectLst>
+                  <a:outerShdw dist="35921" dir="2700000" algn="ctr" rotWithShape="0">
+                    <a:schemeClr val="bg2"/>
+                  </a:outerShdw>
+                </a:effectLst>
+              </a14:hiddenEffects>
+            </a:ext>
+          </a:extLst>
+        </p:spPr>
+        <p:txBody>
+          <a:bodyPr vert="horz" wrap="square" lIns="91440" tIns="45720" rIns="91440" bIns="45720" numCol="1" anchor="t" anchorCtr="0" compatLnSpc="1">
+            <a:prstTxWarp prst="textNoShape">
+              <a:avLst/>
+            </a:prstTxWarp>
+          </a:bodyPr>
+          <a:lstStyle>
+            <a:defPPr>
+              <a:defRPr lang="ja-JP"/>
+            </a:defPPr>
+            <a:lvl1pPr algn="r" rtl="0" fontAlgn="auto">
+              <a:spcBef>
+                <a:spcPts val="0"/>
+              </a:spcBef>
+              <a:spcAft>
+                <a:spcPts val="0"/>
+              </a:spcAft>
+              <a:defRPr kumimoji="1" sz="1400" kern="1200">
+                <a:solidFill>
+                  <a:srgbClr val="000000"/>
+                </a:solidFill>
+                <a:latin typeface="+mn-lt"/>
+                <a:ea typeface="ＭＳ Ｐゴシック" charset="-128"/>
+                <a:cs typeface="+mn-cs"/>
+              </a:defRPr>
+            </a:lvl1pPr>
+            <a:lvl2pPr marL="457200" algn="l" rtl="0" fontAlgn="base">
+              <a:spcBef>
+                <a:spcPct val="0"/>
+              </a:spcBef>
+              <a:spcAft>
+                <a:spcPct val="0"/>
+              </a:spcAft>
+              <a:defRPr kumimoji="1" kern="1200">
+                <a:solidFill>
+                  <a:schemeClr val="tx1"/>
+                </a:solidFill>
+                <a:latin typeface="Calibri" pitchFamily="34" charset="0"/>
+                <a:ea typeface="ＭＳ Ｐゴシック" pitchFamily="50" charset="-128"/>
+                <a:cs typeface="+mn-cs"/>
+              </a:defRPr>
+            </a:lvl2pPr>
+            <a:lvl3pPr marL="914400" algn="l" rtl="0" fontAlgn="base">
+              <a:spcBef>
+                <a:spcPct val="0"/>
+              </a:spcBef>
+              <a:spcAft>
+                <a:spcPct val="0"/>
+              </a:spcAft>
+              <a:defRPr kumimoji="1" kern="1200">
+                <a:solidFill>
+                  <a:schemeClr val="tx1"/>
+                </a:solidFill>
+                <a:latin typeface="Calibri" pitchFamily="34" charset="0"/>
+                <a:ea typeface="ＭＳ Ｐゴシック" pitchFamily="50" charset="-128"/>
+                <a:cs typeface="+mn-cs"/>
+              </a:defRPr>
+            </a:lvl3pPr>
+            <a:lvl4pPr marL="1371600" algn="l" rtl="0" fontAlgn="base">
+              <a:spcBef>
+                <a:spcPct val="0"/>
+              </a:spcBef>
+              <a:spcAft>
+                <a:spcPct val="0"/>
+              </a:spcAft>
+              <a:defRPr kumimoji="1" kern="1200">
+                <a:solidFill>
+                  <a:schemeClr val="tx1"/>
+                </a:solidFill>
+                <a:latin typeface="Calibri" pitchFamily="34" charset="0"/>
+                <a:ea typeface="ＭＳ Ｐゴシック" pitchFamily="50" charset="-128"/>
+                <a:cs typeface="+mn-cs"/>
+              </a:defRPr>
+            </a:lvl4pPr>
+            <a:lvl5pPr marL="1828800" algn="l" rtl="0" fontAlgn="base">
+              <a:spcBef>
+                <a:spcPct val="0"/>
+              </a:spcBef>
+              <a:spcAft>
+                <a:spcPct val="0"/>
+              </a:spcAft>
+              <a:defRPr kumimoji="1" kern="1200">
+                <a:solidFill>
+                  <a:schemeClr val="tx1"/>
+                </a:solidFill>
+                <a:latin typeface="Calibri" pitchFamily="34" charset="0"/>
+                <a:ea typeface="ＭＳ Ｐゴシック" pitchFamily="50" charset="-128"/>
+                <a:cs typeface="+mn-cs"/>
+              </a:defRPr>
+            </a:lvl5pPr>
+            <a:lvl6pPr marL="2286000" algn="l" defTabSz="914400" rtl="0" eaLnBrk="1" latinLnBrk="0" hangingPunct="1">
+              <a:defRPr kumimoji="1" kern="1200">
+                <a:solidFill>
+                  <a:schemeClr val="tx1"/>
+                </a:solidFill>
+                <a:latin typeface="Calibri" pitchFamily="34" charset="0"/>
+                <a:ea typeface="ＭＳ Ｐゴシック" pitchFamily="50" charset="-128"/>
+                <a:cs typeface="+mn-cs"/>
+              </a:defRPr>
+            </a:lvl6pPr>
+            <a:lvl7pPr marL="2743200" algn="l" defTabSz="914400" rtl="0" eaLnBrk="1" latinLnBrk="0" hangingPunct="1">
+              <a:defRPr kumimoji="1" kern="1200">
+                <a:solidFill>
+                  <a:schemeClr val="tx1"/>
+                </a:solidFill>
+                <a:latin typeface="Calibri" pitchFamily="34" charset="0"/>
+                <a:ea typeface="ＭＳ Ｐゴシック" pitchFamily="50" charset="-128"/>
+                <a:cs typeface="+mn-cs"/>
+              </a:defRPr>
+            </a:lvl7pPr>
+            <a:lvl8pPr marL="3200400" algn="l" defTabSz="914400" rtl="0" eaLnBrk="1" latinLnBrk="0" hangingPunct="1">
+              <a:defRPr kumimoji="1" kern="1200">
+                <a:solidFill>
+                  <a:schemeClr val="tx1"/>
+                </a:solidFill>
+                <a:latin typeface="Calibri" pitchFamily="34" charset="0"/>
+                <a:ea typeface="ＭＳ Ｐゴシック" pitchFamily="50" charset="-128"/>
+                <a:cs typeface="+mn-cs"/>
+              </a:defRPr>
+            </a:lvl8pPr>
+            <a:lvl9pPr marL="3657600" algn="l" defTabSz="914400" rtl="0" eaLnBrk="1" latinLnBrk="0" hangingPunct="1">
+              <a:defRPr kumimoji="1" kern="1200">
+                <a:solidFill>
+                  <a:schemeClr val="tx1"/>
+                </a:solidFill>
+                <a:latin typeface="Calibri" pitchFamily="34" charset="0"/>
+                <a:ea typeface="ＭＳ Ｐゴシック" pitchFamily="50" charset="-128"/>
+                <a:cs typeface="+mn-cs"/>
+              </a:defRPr>
+            </a:lvl9pPr>
+          </a:lstStyle>
+          <a:p>
+            <a:fld id="{022D5343-21B6-A446-BE65-52315130EEC4}" type="slidenum">
+              <a:rPr lang="en-US" altLang="ja-JP" smtClean="0"/>
+              <a:pPr/>
+              <a:t>4</a:t>
+            </a:fld>
+            <a:endParaRPr lang="en-US" altLang="ja-JP" dirty="0"/>
+          </a:p>
+        </p:txBody>
+      </p:sp>
+      <p:sp>
+        <p:nvSpPr>
+          <p:cNvPr id="17" name="正方形/長方形 16"/>
+          <p:cNvSpPr/>
+          <p:nvPr/>
+        </p:nvSpPr>
+        <p:spPr>
+          <a:xfrm>
+            <a:off x="2123728" y="6525344"/>
+            <a:ext cx="5203442" cy="215444"/>
+          </a:xfrm>
+          <a:prstGeom prst="rect">
+            <a:avLst/>
+          </a:prstGeom>
+        </p:spPr>
+        <p:txBody>
+          <a:bodyPr wrap="square">
+            <a:spAutoFit/>
+          </a:bodyPr>
+          <a:lstStyle/>
+          <a:p>
+            <a:r>
+              <a:rPr lang="ja-JP" altLang="en-US" sz="800" dirty="0" smtClean="0">
+                <a:latin typeface="Meiryo UI" panose="020B0604030504040204" pitchFamily="50" charset="-128"/>
+                <a:ea typeface="Meiryo UI" panose="020B0604030504040204" pitchFamily="50" charset="-128"/>
+                <a:cs typeface="Meiryo UI" panose="020B0604030504040204" pitchFamily="50" charset="-128"/>
+              </a:rPr>
+              <a:t>出典：</a:t>
+            </a:r>
+            <a:r>
+              <a:rPr lang="en-US" altLang="ja-JP" sz="800" dirty="0" smtClean="0">
+                <a:latin typeface="Meiryo UI" panose="020B0604030504040204" pitchFamily="50" charset="-128"/>
+                <a:ea typeface="Meiryo UI" panose="020B0604030504040204" pitchFamily="50" charset="-128"/>
+                <a:cs typeface="Meiryo UI" panose="020B0604030504040204" pitchFamily="50" charset="-128"/>
+              </a:rPr>
+              <a:t>Mathew Wong (</a:t>
+            </a:r>
+            <a:r>
+              <a:rPr lang="en-US" altLang="ja-JP" sz="800" dirty="0" err="1" smtClean="0">
+                <a:latin typeface="Meiryo UI" panose="020B0604030504040204" pitchFamily="50" charset="-128"/>
+                <a:ea typeface="Meiryo UI" panose="020B0604030504040204" pitchFamily="50" charset="-128"/>
+                <a:cs typeface="Meiryo UI" panose="020B0604030504040204" pitchFamily="50" charset="-128"/>
+              </a:rPr>
+              <a:t>CBInsights</a:t>
+            </a:r>
+            <a:r>
+              <a:rPr lang="en-US" altLang="ja-JP" sz="800" dirty="0" smtClean="0">
+                <a:latin typeface="Meiryo UI" panose="020B0604030504040204" pitchFamily="50" charset="-128"/>
+                <a:ea typeface="Meiryo UI" panose="020B0604030504040204" pitchFamily="50" charset="-128"/>
+                <a:cs typeface="Meiryo UI" panose="020B0604030504040204" pitchFamily="50" charset="-128"/>
+              </a:rPr>
+              <a:t> Lead Analyst) Blog</a:t>
+            </a:r>
+            <a:endParaRPr lang="ja-JP" altLang="en-US" sz="800" dirty="0">
+              <a:latin typeface="Meiryo UI" panose="020B0604030504040204" pitchFamily="50" charset="-128"/>
+              <a:ea typeface="Meiryo UI" panose="020B0604030504040204" pitchFamily="50" charset="-128"/>
+              <a:cs typeface="Meiryo UI" panose="020B0604030504040204" pitchFamily="50" charset="-128"/>
+            </a:endParaRPr>
+          </a:p>
+        </p:txBody>
+      </p:sp>
     </p:spTree>
     <p:extLst>
       <p:ext uri="{BB962C8B-B14F-4D97-AF65-F5344CB8AC3E}">
@@ -8409,10 +9585,1179 @@
   <p:clrMapOvr>
     <a:masterClrMapping/>
   </p:clrMapOvr>
+  <p:timing>
+    <p:tnLst>
+      <p:par>
+        <p:cTn id="1" dur="indefinite" restart="never" nodeType="tmRoot"/>
+      </p:par>
+    </p:tnLst>
+  </p:timing>
 </p:sld>
 </file>
 
 <file path=ppt/slides/slide5.xml><?xml version="1.0" encoding="utf-8"?>
+<p:sld xmlns:a="http://schemas.openxmlformats.org/drawingml/2006/main" xmlns:r="http://schemas.openxmlformats.org/officeDocument/2006/relationships" xmlns:p="http://schemas.openxmlformats.org/presentationml/2006/main">
+  <p:cSld>
+    <p:spTree>
+      <p:nvGrpSpPr>
+        <p:cNvPr id="1" name=""/>
+        <p:cNvGrpSpPr/>
+        <p:nvPr/>
+      </p:nvGrpSpPr>
+      <p:grpSpPr>
+        <a:xfrm>
+          <a:off x="0" y="0"/>
+          <a:ext cx="0" cy="0"/>
+          <a:chOff x="0" y="0"/>
+          <a:chExt cx="0" cy="0"/>
+        </a:xfrm>
+      </p:grpSpPr>
+      <p:sp>
+        <p:nvSpPr>
+          <p:cNvPr id="2" name="タイトル 1"/>
+          <p:cNvSpPr>
+            <a:spLocks noGrp="1"/>
+          </p:cNvSpPr>
+          <p:nvPr>
+            <p:ph type="title"/>
+          </p:nvPr>
+        </p:nvSpPr>
+        <p:spPr/>
+        <p:txBody>
+          <a:bodyPr/>
+          <a:lstStyle/>
+          <a:p>
+            <a:r>
+              <a:rPr kumimoji="1" lang="en-US" altLang="ja-JP" b="1" dirty="0" err="1" smtClean="0"/>
+              <a:t>Zhong</a:t>
+            </a:r>
+            <a:r>
+              <a:rPr kumimoji="1" lang="en-US" altLang="ja-JP" b="1" dirty="0" smtClean="0"/>
+              <a:t> An</a:t>
+            </a:r>
+            <a:r>
+              <a:rPr kumimoji="1" lang="ja-JP" altLang="en-US" b="1" dirty="0" smtClean="0"/>
+              <a:t>の保険料推移</a:t>
+            </a:r>
+            <a:endParaRPr kumimoji="1" lang="ja-JP" altLang="en-US" b="1" dirty="0"/>
+          </a:p>
+        </p:txBody>
+      </p:sp>
+      <p:sp>
+        <p:nvSpPr>
+          <p:cNvPr id="4" name="スライド番号プレースホルダー 3"/>
+          <p:cNvSpPr>
+            <a:spLocks noGrp="1"/>
+          </p:cNvSpPr>
+          <p:nvPr>
+            <p:ph type="sldNum" sz="quarter" idx="11"/>
+          </p:nvPr>
+        </p:nvSpPr>
+        <p:spPr/>
+        <p:txBody>
+          <a:bodyPr/>
+          <a:lstStyle/>
+          <a:p>
+            <a:pPr>
+              <a:defRPr/>
+            </a:pPr>
+            <a:fld id="{757834FA-B69F-40D9-9E48-E5D36EE240F4}" type="slidenum">
+              <a:rPr lang="en-US" altLang="ja-JP" smtClean="0"/>
+              <a:pPr>
+                <a:defRPr/>
+              </a:pPr>
+              <a:t>5</a:t>
+            </a:fld>
+            <a:endParaRPr lang="en-US" altLang="ja-JP"/>
+          </a:p>
+        </p:txBody>
+      </p:sp>
+      <p:pic>
+        <p:nvPicPr>
+          <p:cNvPr id="1026" name="Picture 2" descr="http://www.nli-research.co.jp/files/topics/56887_ext_15_4.jpg?site=nli"/>
+          <p:cNvPicPr>
+            <a:picLocks noChangeAspect="1" noChangeArrowheads="1"/>
+          </p:cNvPicPr>
+          <p:nvPr/>
+        </p:nvPicPr>
+        <p:blipFill>
+          <a:blip r:embed="rId2">
+            <a:extLst>
+              <a:ext uri="{28A0092B-C50C-407E-A947-70E740481C1C}">
+                <a14:useLocalDpi xmlns:a14="http://schemas.microsoft.com/office/drawing/2010/main" val="0"/>
+              </a:ext>
+            </a:extLst>
+          </a:blip>
+          <a:srcRect/>
+          <a:stretch>
+            <a:fillRect/>
+          </a:stretch>
+        </p:blipFill>
+        <p:spPr bwMode="auto">
+          <a:xfrm>
+            <a:off x="-16167" y="1340768"/>
+            <a:ext cx="9176334" cy="4320480"/>
+          </a:xfrm>
+          <a:prstGeom prst="rect">
+            <a:avLst/>
+          </a:prstGeom>
+          <a:noFill/>
+          <a:extLst>
+            <a:ext uri="{909E8E84-426E-40DD-AFC4-6F175D3DCCD1}">
+              <a14:hiddenFill xmlns:a14="http://schemas.microsoft.com/office/drawing/2010/main">
+                <a:solidFill>
+                  <a:srgbClr val="FFFFFF"/>
+                </a:solidFill>
+              </a14:hiddenFill>
+            </a:ext>
+          </a:extLst>
+        </p:spPr>
+      </p:pic>
+      <p:sp>
+        <p:nvSpPr>
+          <p:cNvPr id="5" name="正方形/長方形 4"/>
+          <p:cNvSpPr/>
+          <p:nvPr/>
+        </p:nvSpPr>
+        <p:spPr>
+          <a:xfrm>
+            <a:off x="2123728" y="6525344"/>
+            <a:ext cx="5203442" cy="215444"/>
+          </a:xfrm>
+          <a:prstGeom prst="rect">
+            <a:avLst/>
+          </a:prstGeom>
+        </p:spPr>
+        <p:txBody>
+          <a:bodyPr wrap="square">
+            <a:spAutoFit/>
+          </a:bodyPr>
+          <a:lstStyle/>
+          <a:p>
+            <a:r>
+              <a:rPr lang="ja-JP" altLang="en-US" sz="800" dirty="0" smtClean="0">
+                <a:latin typeface="Meiryo UI" panose="020B0604030504040204" pitchFamily="50" charset="-128"/>
+                <a:ea typeface="Meiryo UI" panose="020B0604030504040204" pitchFamily="50" charset="-128"/>
+                <a:cs typeface="Meiryo UI" panose="020B0604030504040204" pitchFamily="50" charset="-128"/>
+              </a:rPr>
+              <a:t>出典：ニッセイ基礎研究所「中国</a:t>
+            </a:r>
+            <a:r>
+              <a:rPr lang="ja-JP" altLang="en-US" sz="800" dirty="0">
+                <a:latin typeface="Meiryo UI" panose="020B0604030504040204" pitchFamily="50" charset="-128"/>
+                <a:ea typeface="Meiryo UI" panose="020B0604030504040204" pitchFamily="50" charset="-128"/>
+                <a:cs typeface="Meiryo UI" panose="020B0604030504040204" pitchFamily="50" charset="-128"/>
+              </a:rPr>
+              <a:t>保険市場の最新動向（</a:t>
+            </a:r>
+            <a:r>
+              <a:rPr lang="en-US" altLang="ja-JP" sz="800" dirty="0">
+                <a:latin typeface="Meiryo UI" panose="020B0604030504040204" pitchFamily="50" charset="-128"/>
+                <a:ea typeface="Meiryo UI" panose="020B0604030504040204" pitchFamily="50" charset="-128"/>
+                <a:cs typeface="Meiryo UI" panose="020B0604030504040204" pitchFamily="50" charset="-128"/>
+              </a:rPr>
+              <a:t>28</a:t>
+            </a:r>
+            <a:r>
+              <a:rPr lang="ja-JP" altLang="en-US" sz="800" dirty="0" smtClean="0">
+                <a:latin typeface="Meiryo UI" panose="020B0604030504040204" pitchFamily="50" charset="-128"/>
+                <a:ea typeface="Meiryo UI" panose="020B0604030504040204" pitchFamily="50" charset="-128"/>
+                <a:cs typeface="Meiryo UI" panose="020B0604030504040204" pitchFamily="50" charset="-128"/>
+              </a:rPr>
+              <a:t>）」</a:t>
+            </a:r>
+            <a:endParaRPr lang="ja-JP" altLang="en-US" sz="800" dirty="0">
+              <a:latin typeface="Meiryo UI" panose="020B0604030504040204" pitchFamily="50" charset="-128"/>
+              <a:ea typeface="Meiryo UI" panose="020B0604030504040204" pitchFamily="50" charset="-128"/>
+              <a:cs typeface="Meiryo UI" panose="020B0604030504040204" pitchFamily="50" charset="-128"/>
+            </a:endParaRPr>
+          </a:p>
+        </p:txBody>
+      </p:sp>
+    </p:spTree>
+    <p:extLst>
+      <p:ext uri="{BB962C8B-B14F-4D97-AF65-F5344CB8AC3E}">
+        <p14:creationId xmlns:p14="http://schemas.microsoft.com/office/powerpoint/2010/main" val="3973037961"/>
+      </p:ext>
+    </p:extLst>
+  </p:cSld>
+  <p:clrMapOvr>
+    <a:masterClrMapping/>
+  </p:clrMapOvr>
+</p:sld>
+</file>
+
+<file path=ppt/slides/slide6.xml><?xml version="1.0" encoding="utf-8"?>
+<p:sld xmlns:a="http://schemas.openxmlformats.org/drawingml/2006/main" xmlns:r="http://schemas.openxmlformats.org/officeDocument/2006/relationships" xmlns:p="http://schemas.openxmlformats.org/presentationml/2006/main">
+  <p:cSld>
+    <p:spTree>
+      <p:nvGrpSpPr>
+        <p:cNvPr id="1" name=""/>
+        <p:cNvGrpSpPr/>
+        <p:nvPr/>
+      </p:nvGrpSpPr>
+      <p:grpSpPr>
+        <a:xfrm>
+          <a:off x="0" y="0"/>
+          <a:ext cx="0" cy="0"/>
+          <a:chOff x="0" y="0"/>
+          <a:chExt cx="0" cy="0"/>
+        </a:xfrm>
+      </p:grpSpPr>
+      <p:sp>
+        <p:nvSpPr>
+          <p:cNvPr id="2" name="タイトル 1"/>
+          <p:cNvSpPr>
+            <a:spLocks noGrp="1"/>
+          </p:cNvSpPr>
+          <p:nvPr>
+            <p:ph type="title"/>
+          </p:nvPr>
+        </p:nvSpPr>
+        <p:spPr/>
+        <p:txBody>
+          <a:bodyPr/>
+          <a:lstStyle/>
+          <a:p>
+            <a:r>
+              <a:rPr kumimoji="1" lang="en-US" altLang="ja-JP" b="1" dirty="0" err="1" smtClean="0"/>
+              <a:t>Zhong</a:t>
+            </a:r>
+            <a:r>
+              <a:rPr kumimoji="1" lang="en-US" altLang="ja-JP" b="1" dirty="0" smtClean="0"/>
+              <a:t> An</a:t>
+            </a:r>
+            <a:r>
+              <a:rPr kumimoji="1" lang="ja-JP" altLang="en-US" b="1" dirty="0" smtClean="0"/>
+              <a:t>の収支状況（</a:t>
+            </a:r>
+            <a:r>
+              <a:rPr kumimoji="1" lang="en-US" altLang="ja-JP" b="1" dirty="0" smtClean="0"/>
+              <a:t>2015</a:t>
+            </a:r>
+            <a:r>
+              <a:rPr kumimoji="1" lang="ja-JP" altLang="en-US" b="1" dirty="0" smtClean="0"/>
+              <a:t>～</a:t>
+            </a:r>
+            <a:r>
+              <a:rPr kumimoji="1" lang="en-US" altLang="ja-JP" b="1" dirty="0" smtClean="0"/>
+              <a:t>2016</a:t>
+            </a:r>
+            <a:r>
+              <a:rPr kumimoji="1" lang="ja-JP" altLang="en-US" b="1" dirty="0" smtClean="0"/>
+              <a:t>年）</a:t>
+            </a:r>
+            <a:endParaRPr kumimoji="1" lang="ja-JP" altLang="en-US" b="1" dirty="0"/>
+          </a:p>
+        </p:txBody>
+      </p:sp>
+      <p:sp>
+        <p:nvSpPr>
+          <p:cNvPr id="4" name="スライド番号プレースホルダー 3"/>
+          <p:cNvSpPr>
+            <a:spLocks noGrp="1"/>
+          </p:cNvSpPr>
+          <p:nvPr>
+            <p:ph type="sldNum" sz="quarter" idx="11"/>
+          </p:nvPr>
+        </p:nvSpPr>
+        <p:spPr/>
+        <p:txBody>
+          <a:bodyPr/>
+          <a:lstStyle/>
+          <a:p>
+            <a:pPr>
+              <a:defRPr/>
+            </a:pPr>
+            <a:fld id="{757834FA-B69F-40D9-9E48-E5D36EE240F4}" type="slidenum">
+              <a:rPr lang="en-US" altLang="ja-JP" smtClean="0"/>
+              <a:pPr>
+                <a:defRPr/>
+              </a:pPr>
+              <a:t>6</a:t>
+            </a:fld>
+            <a:endParaRPr lang="en-US" altLang="ja-JP"/>
+          </a:p>
+        </p:txBody>
+      </p:sp>
+      <p:pic>
+        <p:nvPicPr>
+          <p:cNvPr id="1028" name="Picture 4" descr="図表３　収支状況（2015年、2016年）"/>
+          <p:cNvPicPr>
+            <a:picLocks noChangeAspect="1" noChangeArrowheads="1"/>
+          </p:cNvPicPr>
+          <p:nvPr/>
+        </p:nvPicPr>
+        <p:blipFill>
+          <a:blip r:embed="rId2">
+            <a:clrChange>
+              <a:clrFrom>
+                <a:srgbClr val="FFFFFF"/>
+              </a:clrFrom>
+              <a:clrTo>
+                <a:srgbClr val="FFFFFF">
+                  <a:alpha val="0"/>
+                </a:srgbClr>
+              </a:clrTo>
+            </a:clrChange>
+            <a:extLst>
+              <a:ext uri="{28A0092B-C50C-407E-A947-70E740481C1C}">
+                <a14:useLocalDpi xmlns:a14="http://schemas.microsoft.com/office/drawing/2010/main" val="0"/>
+              </a:ext>
+            </a:extLst>
+          </a:blip>
+          <a:srcRect/>
+          <a:stretch>
+            <a:fillRect/>
+          </a:stretch>
+        </p:blipFill>
+        <p:spPr bwMode="auto">
+          <a:xfrm>
+            <a:off x="251520" y="794470"/>
+            <a:ext cx="6768752" cy="5269059"/>
+          </a:xfrm>
+          <a:prstGeom prst="rect">
+            <a:avLst/>
+          </a:prstGeom>
+          <a:noFill/>
+          <a:extLst>
+            <a:ext uri="{909E8E84-426E-40DD-AFC4-6F175D3DCCD1}">
+              <a14:hiddenFill xmlns:a14="http://schemas.microsoft.com/office/drawing/2010/main">
+                <a:solidFill>
+                  <a:srgbClr val="FFFFFF"/>
+                </a:solidFill>
+              </a14:hiddenFill>
+            </a:ext>
+          </a:extLst>
+        </p:spPr>
+      </p:pic>
+      <p:sp>
+        <p:nvSpPr>
+          <p:cNvPr id="7" name="角丸四角形 6">
+            <a:extLst>
+              <a:ext uri="{FF2B5EF4-FFF2-40B4-BE49-F238E27FC236}">
+                <a16:creationId xmlns="" xmlns:a16="http://schemas.microsoft.com/office/drawing/2014/main" id="{F0CEF2BD-F72B-7C47-876B-704DB0AD10EB}"/>
+              </a:ext>
+            </a:extLst>
+          </p:cNvPr>
+          <p:cNvSpPr/>
+          <p:nvPr/>
+        </p:nvSpPr>
+        <p:spPr>
+          <a:xfrm>
+            <a:off x="6372200" y="2751607"/>
+            <a:ext cx="2448273" cy="821409"/>
+          </a:xfrm>
+          <a:prstGeom prst="roundRect">
+            <a:avLst>
+              <a:gd name="adj" fmla="val 7049"/>
+            </a:avLst>
+          </a:prstGeom>
+          <a:solidFill>
+            <a:srgbClr val="005B4D">
+              <a:alpha val="60000"/>
+            </a:srgbClr>
+          </a:solidFill>
+          <a:ln>
+            <a:noFill/>
+            <a:prstDash val="sysDash"/>
+          </a:ln>
+        </p:spPr>
+        <p:style>
+          <a:lnRef idx="2">
+            <a:schemeClr val="accent1">
+              <a:shade val="50000"/>
+            </a:schemeClr>
+          </a:lnRef>
+          <a:fillRef idx="1">
+            <a:schemeClr val="accent1"/>
+          </a:fillRef>
+          <a:effectRef idx="0">
+            <a:schemeClr val="accent1"/>
+          </a:effectRef>
+          <a:fontRef idx="minor">
+            <a:schemeClr val="lt1"/>
+          </a:fontRef>
+        </p:style>
+        <p:txBody>
+          <a:bodyPr rtlCol="0" anchor="t"/>
+          <a:lstStyle/>
+          <a:p>
+            <a:r>
+              <a:rPr lang="ja-JP" altLang="en-US" sz="1400" dirty="0" smtClean="0">
+                <a:solidFill>
+                  <a:schemeClr val="bg1"/>
+                </a:solidFill>
+                <a:latin typeface="Meiryo UI" panose="020B0604030504040204" pitchFamily="34" charset="-128"/>
+                <a:ea typeface="Meiryo UI" panose="020B0604030504040204" pitchFamily="34" charset="-128"/>
+                <a:cs typeface="Meiryo UI" panose="020B0604030504040204" pitchFamily="34" charset="-128"/>
+              </a:rPr>
+              <a:t>＜</a:t>
+            </a:r>
+            <a:r>
+              <a:rPr lang="en-US" altLang="ja-JP" sz="1400" dirty="0" smtClean="0">
+                <a:solidFill>
+                  <a:schemeClr val="bg1"/>
+                </a:solidFill>
+                <a:latin typeface="Meiryo UI" panose="020B0604030504040204" pitchFamily="34" charset="-128"/>
+                <a:ea typeface="Meiryo UI" panose="020B0604030504040204" pitchFamily="34" charset="-128"/>
+                <a:cs typeface="Meiryo UI" panose="020B0604030504040204" pitchFamily="34" charset="-128"/>
+              </a:rPr>
+              <a:t>L/R</a:t>
+            </a:r>
+            <a:r>
+              <a:rPr lang="ja-JP" altLang="en-US" sz="1400" dirty="0" smtClean="0">
+                <a:solidFill>
+                  <a:schemeClr val="bg1"/>
+                </a:solidFill>
+                <a:latin typeface="Meiryo UI" panose="020B0604030504040204" pitchFamily="34" charset="-128"/>
+                <a:ea typeface="Meiryo UI" panose="020B0604030504040204" pitchFamily="34" charset="-128"/>
+                <a:cs typeface="Meiryo UI" panose="020B0604030504040204" pitchFamily="34" charset="-128"/>
+              </a:rPr>
+              <a:t>＞</a:t>
+            </a:r>
+            <a:endParaRPr lang="en-US" altLang="ja-JP" sz="1400" dirty="0" smtClean="0">
+              <a:solidFill>
+                <a:schemeClr val="bg1"/>
+              </a:solidFill>
+              <a:latin typeface="Meiryo UI" panose="020B0604030504040204" pitchFamily="34" charset="-128"/>
+              <a:ea typeface="Meiryo UI" panose="020B0604030504040204" pitchFamily="34" charset="-128"/>
+              <a:cs typeface="Meiryo UI" panose="020B0604030504040204" pitchFamily="34" charset="-128"/>
+            </a:endParaRPr>
+          </a:p>
+          <a:p>
+            <a:r>
+              <a:rPr lang="en-US" altLang="ja-JP" sz="1400" dirty="0">
+                <a:solidFill>
+                  <a:schemeClr val="bg1"/>
+                </a:solidFill>
+                <a:latin typeface="Meiryo UI" panose="020B0604030504040204" pitchFamily="34" charset="-128"/>
+                <a:ea typeface="Meiryo UI" panose="020B0604030504040204" pitchFamily="34" charset="-128"/>
+                <a:cs typeface="Meiryo UI" panose="020B0604030504040204" pitchFamily="34" charset="-128"/>
+              </a:rPr>
+              <a:t>2015</a:t>
+            </a:r>
+            <a:r>
+              <a:rPr lang="ja-JP" altLang="en-US" sz="1400" dirty="0" smtClean="0">
+                <a:solidFill>
+                  <a:schemeClr val="bg1"/>
+                </a:solidFill>
+                <a:latin typeface="Meiryo UI" panose="020B0604030504040204" pitchFamily="34" charset="-128"/>
+                <a:ea typeface="Meiryo UI" panose="020B0604030504040204" pitchFamily="34" charset="-128"/>
+                <a:cs typeface="Meiryo UI" panose="020B0604030504040204" pitchFamily="34" charset="-128"/>
+              </a:rPr>
+              <a:t>年</a:t>
+            </a:r>
+            <a:r>
+              <a:rPr lang="ja-JP" altLang="en-US" sz="1400" dirty="0" smtClean="0">
+                <a:solidFill>
+                  <a:schemeClr val="bg1"/>
+                </a:solidFill>
+                <a:latin typeface="Meiryo UI" panose="020B0604030504040204" pitchFamily="34" charset="-128"/>
+                <a:ea typeface="Meiryo UI" panose="020B0604030504040204" pitchFamily="34" charset="-128"/>
+                <a:cs typeface="Meiryo UI" panose="020B0604030504040204" pitchFamily="34" charset="-128"/>
+              </a:rPr>
+              <a:t>：</a:t>
+            </a:r>
+            <a:r>
+              <a:rPr lang="en-US" altLang="ja-JP" sz="1400" dirty="0">
+                <a:solidFill>
+                  <a:schemeClr val="bg1"/>
+                </a:solidFill>
+                <a:latin typeface="Meiryo UI" panose="020B0604030504040204" pitchFamily="34" charset="-128"/>
+                <a:ea typeface="Meiryo UI" panose="020B0604030504040204" pitchFamily="34" charset="-128"/>
+                <a:cs typeface="Meiryo UI" panose="020B0604030504040204" pitchFamily="34" charset="-128"/>
+              </a:rPr>
+              <a:t>68.5</a:t>
+            </a:r>
+            <a:r>
+              <a:rPr lang="en-US" altLang="ja-JP" sz="1400" dirty="0" smtClean="0">
+                <a:solidFill>
+                  <a:schemeClr val="bg1"/>
+                </a:solidFill>
+                <a:latin typeface="Meiryo UI" panose="020B0604030504040204" pitchFamily="34" charset="-128"/>
+                <a:ea typeface="Meiryo UI" panose="020B0604030504040204" pitchFamily="34" charset="-128"/>
+                <a:cs typeface="Meiryo UI" panose="020B0604030504040204" pitchFamily="34" charset="-128"/>
+              </a:rPr>
+              <a:t>%</a:t>
+            </a:r>
+            <a:endParaRPr lang="en-US" altLang="ja-JP" sz="1400" dirty="0" smtClean="0">
+              <a:solidFill>
+                <a:schemeClr val="bg1"/>
+              </a:solidFill>
+              <a:latin typeface="Meiryo UI" panose="020B0604030504040204" pitchFamily="34" charset="-128"/>
+              <a:ea typeface="Meiryo UI" panose="020B0604030504040204" pitchFamily="34" charset="-128"/>
+              <a:cs typeface="Meiryo UI" panose="020B0604030504040204" pitchFamily="34" charset="-128"/>
+            </a:endParaRPr>
+          </a:p>
+          <a:p>
+            <a:r>
+              <a:rPr lang="en-US" altLang="ja-JP" sz="1400" dirty="0">
+                <a:solidFill>
+                  <a:schemeClr val="bg1"/>
+                </a:solidFill>
+                <a:latin typeface="Meiryo UI" panose="020B0604030504040204" pitchFamily="34" charset="-128"/>
+                <a:ea typeface="Meiryo UI" panose="020B0604030504040204" pitchFamily="34" charset="-128"/>
+                <a:cs typeface="Meiryo UI" panose="020B0604030504040204" pitchFamily="34" charset="-128"/>
+              </a:rPr>
+              <a:t>2016</a:t>
+            </a:r>
+            <a:r>
+              <a:rPr lang="ja-JP" altLang="en-US" sz="1400" dirty="0" smtClean="0">
+                <a:solidFill>
+                  <a:schemeClr val="bg1"/>
+                </a:solidFill>
+                <a:latin typeface="Meiryo UI" panose="020B0604030504040204" pitchFamily="34" charset="-128"/>
+                <a:ea typeface="Meiryo UI" panose="020B0604030504040204" pitchFamily="34" charset="-128"/>
+                <a:cs typeface="Meiryo UI" panose="020B0604030504040204" pitchFamily="34" charset="-128"/>
+              </a:rPr>
+              <a:t>年</a:t>
+            </a:r>
+            <a:r>
+              <a:rPr lang="ja-JP" altLang="en-US" sz="1400" dirty="0" smtClean="0">
+                <a:solidFill>
+                  <a:schemeClr val="bg1"/>
+                </a:solidFill>
+                <a:latin typeface="Meiryo UI" panose="020B0604030504040204" pitchFamily="34" charset="-128"/>
+                <a:ea typeface="Meiryo UI" panose="020B0604030504040204" pitchFamily="34" charset="-128"/>
+                <a:cs typeface="Meiryo UI" panose="020B0604030504040204" pitchFamily="34" charset="-128"/>
+              </a:rPr>
+              <a:t>：</a:t>
+            </a:r>
+            <a:r>
+              <a:rPr lang="en-US" altLang="ja-JP" sz="1400" dirty="0" smtClean="0">
+                <a:solidFill>
+                  <a:schemeClr val="bg1"/>
+                </a:solidFill>
+                <a:latin typeface="Meiryo UI" panose="020B0604030504040204" pitchFamily="34" charset="-128"/>
+                <a:ea typeface="Meiryo UI" panose="020B0604030504040204" pitchFamily="34" charset="-128"/>
+                <a:cs typeface="Meiryo UI" panose="020B0604030504040204" pitchFamily="34" charset="-128"/>
+              </a:rPr>
+              <a:t>42.0%</a:t>
+            </a:r>
+            <a:endParaRPr lang="en-US" altLang="ja-JP" sz="1400" dirty="0" smtClean="0">
+              <a:solidFill>
+                <a:schemeClr val="bg1"/>
+              </a:solidFill>
+              <a:latin typeface="Meiryo UI" panose="020B0604030504040204" pitchFamily="34" charset="-128"/>
+              <a:ea typeface="Meiryo UI" panose="020B0604030504040204" pitchFamily="34" charset="-128"/>
+              <a:cs typeface="Meiryo UI" panose="020B0604030504040204" pitchFamily="34" charset="-128"/>
+            </a:endParaRPr>
+          </a:p>
+        </p:txBody>
+      </p:sp>
+      <p:sp>
+        <p:nvSpPr>
+          <p:cNvPr id="10" name="角丸四角形 9">
+            <a:extLst>
+              <a:ext uri="{FF2B5EF4-FFF2-40B4-BE49-F238E27FC236}">
+                <a16:creationId xmlns="" xmlns:a16="http://schemas.microsoft.com/office/drawing/2014/main" id="{F0CEF2BD-F72B-7C47-876B-704DB0AD10EB}"/>
+              </a:ext>
+            </a:extLst>
+          </p:cNvPr>
+          <p:cNvSpPr/>
+          <p:nvPr/>
+        </p:nvSpPr>
+        <p:spPr>
+          <a:xfrm>
+            <a:off x="6372200" y="3698812"/>
+            <a:ext cx="2448273" cy="821409"/>
+          </a:xfrm>
+          <a:prstGeom prst="roundRect">
+            <a:avLst>
+              <a:gd name="adj" fmla="val 7049"/>
+            </a:avLst>
+          </a:prstGeom>
+          <a:solidFill>
+            <a:srgbClr val="005B4D">
+              <a:alpha val="60000"/>
+            </a:srgbClr>
+          </a:solidFill>
+          <a:ln>
+            <a:noFill/>
+            <a:prstDash val="sysDash"/>
+          </a:ln>
+        </p:spPr>
+        <p:style>
+          <a:lnRef idx="2">
+            <a:schemeClr val="accent1">
+              <a:shade val="50000"/>
+            </a:schemeClr>
+          </a:lnRef>
+          <a:fillRef idx="1">
+            <a:schemeClr val="accent1"/>
+          </a:fillRef>
+          <a:effectRef idx="0">
+            <a:schemeClr val="accent1"/>
+          </a:effectRef>
+          <a:fontRef idx="minor">
+            <a:schemeClr val="lt1"/>
+          </a:fontRef>
+        </p:style>
+        <p:txBody>
+          <a:bodyPr rtlCol="0" anchor="t"/>
+          <a:lstStyle/>
+          <a:p>
+            <a:r>
+              <a:rPr lang="ja-JP" altLang="en-US" sz="1400" dirty="0" smtClean="0">
+                <a:solidFill>
+                  <a:schemeClr val="bg1"/>
+                </a:solidFill>
+                <a:latin typeface="Meiryo UI" panose="020B0604030504040204" pitchFamily="34" charset="-128"/>
+                <a:ea typeface="Meiryo UI" panose="020B0604030504040204" pitchFamily="34" charset="-128"/>
+                <a:cs typeface="Meiryo UI" panose="020B0604030504040204" pitchFamily="34" charset="-128"/>
+              </a:rPr>
+              <a:t>＜事業</a:t>
+            </a:r>
+            <a:r>
+              <a:rPr lang="ja-JP" altLang="en-US" sz="1400" dirty="0" smtClean="0">
+                <a:solidFill>
+                  <a:schemeClr val="bg1"/>
+                </a:solidFill>
+                <a:latin typeface="Meiryo UI" panose="020B0604030504040204" pitchFamily="34" charset="-128"/>
+                <a:ea typeface="Meiryo UI" panose="020B0604030504040204" pitchFamily="34" charset="-128"/>
+                <a:cs typeface="Meiryo UI" panose="020B0604030504040204" pitchFamily="34" charset="-128"/>
+              </a:rPr>
+              <a:t>比率＞</a:t>
+            </a:r>
+            <a:endParaRPr lang="en-US" altLang="ja-JP" sz="1400" dirty="0" smtClean="0">
+              <a:solidFill>
+                <a:schemeClr val="bg1"/>
+              </a:solidFill>
+              <a:latin typeface="Meiryo UI" panose="020B0604030504040204" pitchFamily="34" charset="-128"/>
+              <a:ea typeface="Meiryo UI" panose="020B0604030504040204" pitchFamily="34" charset="-128"/>
+              <a:cs typeface="Meiryo UI" panose="020B0604030504040204" pitchFamily="34" charset="-128"/>
+            </a:endParaRPr>
+          </a:p>
+          <a:p>
+            <a:r>
+              <a:rPr lang="en-US" altLang="ja-JP" sz="1400" dirty="0">
+                <a:solidFill>
+                  <a:schemeClr val="bg1"/>
+                </a:solidFill>
+                <a:latin typeface="Meiryo UI" panose="020B0604030504040204" pitchFamily="34" charset="-128"/>
+                <a:ea typeface="Meiryo UI" panose="020B0604030504040204" pitchFamily="34" charset="-128"/>
+                <a:cs typeface="Meiryo UI" panose="020B0604030504040204" pitchFamily="34" charset="-128"/>
+              </a:rPr>
+              <a:t>2015</a:t>
+            </a:r>
+            <a:r>
+              <a:rPr lang="ja-JP" altLang="en-US" sz="1400" dirty="0" smtClean="0">
+                <a:solidFill>
+                  <a:schemeClr val="bg1"/>
+                </a:solidFill>
+                <a:latin typeface="Meiryo UI" panose="020B0604030504040204" pitchFamily="34" charset="-128"/>
+                <a:ea typeface="Meiryo UI" panose="020B0604030504040204" pitchFamily="34" charset="-128"/>
+                <a:cs typeface="Meiryo UI" panose="020B0604030504040204" pitchFamily="34" charset="-128"/>
+              </a:rPr>
+              <a:t>年</a:t>
+            </a:r>
+            <a:r>
+              <a:rPr lang="ja-JP" altLang="en-US" sz="1400" dirty="0" smtClean="0">
+                <a:solidFill>
+                  <a:schemeClr val="bg1"/>
+                </a:solidFill>
+                <a:latin typeface="Meiryo UI" panose="020B0604030504040204" pitchFamily="34" charset="-128"/>
+                <a:ea typeface="Meiryo UI" panose="020B0604030504040204" pitchFamily="34" charset="-128"/>
+                <a:cs typeface="Meiryo UI" panose="020B0604030504040204" pitchFamily="34" charset="-128"/>
+              </a:rPr>
+              <a:t>：</a:t>
+            </a:r>
+            <a:r>
+              <a:rPr lang="en-US" altLang="ja-JP" sz="1400" dirty="0">
+                <a:solidFill>
+                  <a:schemeClr val="bg1"/>
+                </a:solidFill>
+                <a:latin typeface="Meiryo UI" panose="020B0604030504040204" pitchFamily="34" charset="-128"/>
+                <a:ea typeface="Meiryo UI" panose="020B0604030504040204" pitchFamily="34" charset="-128"/>
+                <a:cs typeface="Meiryo UI" panose="020B0604030504040204" pitchFamily="34" charset="-128"/>
+              </a:rPr>
+              <a:t>58.1</a:t>
+            </a:r>
+            <a:r>
+              <a:rPr lang="en-US" altLang="ja-JP" sz="1400" dirty="0" smtClean="0">
+                <a:solidFill>
+                  <a:schemeClr val="bg1"/>
+                </a:solidFill>
+                <a:latin typeface="Meiryo UI" panose="020B0604030504040204" pitchFamily="34" charset="-128"/>
+                <a:ea typeface="Meiryo UI" panose="020B0604030504040204" pitchFamily="34" charset="-128"/>
+                <a:cs typeface="Meiryo UI" panose="020B0604030504040204" pitchFamily="34" charset="-128"/>
+              </a:rPr>
+              <a:t>%</a:t>
+            </a:r>
+            <a:endParaRPr lang="en-US" altLang="ja-JP" sz="1400" dirty="0" smtClean="0">
+              <a:solidFill>
+                <a:schemeClr val="bg1"/>
+              </a:solidFill>
+              <a:latin typeface="Meiryo UI" panose="020B0604030504040204" pitchFamily="34" charset="-128"/>
+              <a:ea typeface="Meiryo UI" panose="020B0604030504040204" pitchFamily="34" charset="-128"/>
+              <a:cs typeface="Meiryo UI" panose="020B0604030504040204" pitchFamily="34" charset="-128"/>
+            </a:endParaRPr>
+          </a:p>
+          <a:p>
+            <a:r>
+              <a:rPr lang="en-US" altLang="ja-JP" sz="1400" dirty="0">
+                <a:solidFill>
+                  <a:schemeClr val="bg1"/>
+                </a:solidFill>
+                <a:latin typeface="Meiryo UI" panose="020B0604030504040204" pitchFamily="34" charset="-128"/>
+                <a:ea typeface="Meiryo UI" panose="020B0604030504040204" pitchFamily="34" charset="-128"/>
+                <a:cs typeface="Meiryo UI" panose="020B0604030504040204" pitchFamily="34" charset="-128"/>
+              </a:rPr>
+              <a:t>2016</a:t>
+            </a:r>
+            <a:r>
+              <a:rPr lang="ja-JP" altLang="en-US" sz="1400" dirty="0" smtClean="0">
+                <a:solidFill>
+                  <a:schemeClr val="bg1"/>
+                </a:solidFill>
+                <a:latin typeface="Meiryo UI" panose="020B0604030504040204" pitchFamily="34" charset="-128"/>
+                <a:ea typeface="Meiryo UI" panose="020B0604030504040204" pitchFamily="34" charset="-128"/>
+                <a:cs typeface="Meiryo UI" panose="020B0604030504040204" pitchFamily="34" charset="-128"/>
+              </a:rPr>
+              <a:t>年</a:t>
+            </a:r>
+            <a:r>
+              <a:rPr lang="ja-JP" altLang="en-US" sz="1400" dirty="0" smtClean="0">
+                <a:solidFill>
+                  <a:schemeClr val="bg1"/>
+                </a:solidFill>
+                <a:latin typeface="Meiryo UI" panose="020B0604030504040204" pitchFamily="34" charset="-128"/>
+                <a:ea typeface="Meiryo UI" panose="020B0604030504040204" pitchFamily="34" charset="-128"/>
+                <a:cs typeface="Meiryo UI" panose="020B0604030504040204" pitchFamily="34" charset="-128"/>
+              </a:rPr>
+              <a:t>：</a:t>
+            </a:r>
+            <a:r>
+              <a:rPr lang="en-US" altLang="ja-JP" sz="1400" dirty="0">
+                <a:solidFill>
+                  <a:schemeClr val="bg1"/>
+                </a:solidFill>
+                <a:latin typeface="Meiryo UI" panose="020B0604030504040204" pitchFamily="34" charset="-128"/>
+                <a:ea typeface="Meiryo UI" panose="020B0604030504040204" pitchFamily="34" charset="-128"/>
+                <a:cs typeface="Meiryo UI" panose="020B0604030504040204" pitchFamily="34" charset="-128"/>
+              </a:rPr>
+              <a:t>62.7</a:t>
+            </a:r>
+            <a:r>
+              <a:rPr lang="en-US" altLang="ja-JP" sz="1400" dirty="0" smtClean="0">
+                <a:solidFill>
+                  <a:schemeClr val="bg1"/>
+                </a:solidFill>
+                <a:latin typeface="Meiryo UI" panose="020B0604030504040204" pitchFamily="34" charset="-128"/>
+                <a:ea typeface="Meiryo UI" panose="020B0604030504040204" pitchFamily="34" charset="-128"/>
+                <a:cs typeface="Meiryo UI" panose="020B0604030504040204" pitchFamily="34" charset="-128"/>
+              </a:rPr>
+              <a:t>%</a:t>
+            </a:r>
+            <a:endParaRPr lang="en-US" altLang="ja-JP" sz="1400" dirty="0" smtClean="0">
+              <a:solidFill>
+                <a:schemeClr val="bg1"/>
+              </a:solidFill>
+              <a:latin typeface="Meiryo UI" panose="020B0604030504040204" pitchFamily="34" charset="-128"/>
+              <a:ea typeface="Meiryo UI" panose="020B0604030504040204" pitchFamily="34" charset="-128"/>
+              <a:cs typeface="Meiryo UI" panose="020B0604030504040204" pitchFamily="34" charset="-128"/>
+            </a:endParaRPr>
+          </a:p>
+        </p:txBody>
+      </p:sp>
+      <p:sp>
+        <p:nvSpPr>
+          <p:cNvPr id="13" name="正方形/長方形 12"/>
+          <p:cNvSpPr/>
+          <p:nvPr/>
+        </p:nvSpPr>
+        <p:spPr>
+          <a:xfrm>
+            <a:off x="2123728" y="6525924"/>
+            <a:ext cx="5203442" cy="215444"/>
+          </a:xfrm>
+          <a:prstGeom prst="rect">
+            <a:avLst/>
+          </a:prstGeom>
+        </p:spPr>
+        <p:txBody>
+          <a:bodyPr wrap="square">
+            <a:spAutoFit/>
+          </a:bodyPr>
+          <a:lstStyle/>
+          <a:p>
+            <a:r>
+              <a:rPr lang="ja-JP" altLang="en-US" sz="800" dirty="0" smtClean="0">
+                <a:latin typeface="Meiryo UI" panose="020B0604030504040204" pitchFamily="50" charset="-128"/>
+                <a:ea typeface="Meiryo UI" panose="020B0604030504040204" pitchFamily="50" charset="-128"/>
+                <a:cs typeface="Meiryo UI" panose="020B0604030504040204" pitchFamily="50" charset="-128"/>
+              </a:rPr>
+              <a:t>出典：ニッセイ基礎研究所「中国</a:t>
+            </a:r>
+            <a:r>
+              <a:rPr lang="ja-JP" altLang="en-US" sz="800" dirty="0">
+                <a:latin typeface="Meiryo UI" panose="020B0604030504040204" pitchFamily="50" charset="-128"/>
+                <a:ea typeface="Meiryo UI" panose="020B0604030504040204" pitchFamily="50" charset="-128"/>
+                <a:cs typeface="Meiryo UI" panose="020B0604030504040204" pitchFamily="50" charset="-128"/>
+              </a:rPr>
+              <a:t>保険市場の最新動向（</a:t>
+            </a:r>
+            <a:r>
+              <a:rPr lang="en-US" altLang="ja-JP" sz="800" dirty="0">
+                <a:latin typeface="Meiryo UI" panose="020B0604030504040204" pitchFamily="50" charset="-128"/>
+                <a:ea typeface="Meiryo UI" panose="020B0604030504040204" pitchFamily="50" charset="-128"/>
+                <a:cs typeface="Meiryo UI" panose="020B0604030504040204" pitchFamily="50" charset="-128"/>
+              </a:rPr>
+              <a:t>28</a:t>
+            </a:r>
+            <a:r>
+              <a:rPr lang="ja-JP" altLang="en-US" sz="800" dirty="0" smtClean="0">
+                <a:latin typeface="Meiryo UI" panose="020B0604030504040204" pitchFamily="50" charset="-128"/>
+                <a:ea typeface="Meiryo UI" panose="020B0604030504040204" pitchFamily="50" charset="-128"/>
+                <a:cs typeface="Meiryo UI" panose="020B0604030504040204" pitchFamily="50" charset="-128"/>
+              </a:rPr>
+              <a:t>）」</a:t>
+            </a:r>
+            <a:endParaRPr lang="ja-JP" altLang="en-US" sz="800" dirty="0">
+              <a:latin typeface="Meiryo UI" panose="020B0604030504040204" pitchFamily="50" charset="-128"/>
+              <a:ea typeface="Meiryo UI" panose="020B0604030504040204" pitchFamily="50" charset="-128"/>
+              <a:cs typeface="Meiryo UI" panose="020B0604030504040204" pitchFamily="50" charset="-128"/>
+            </a:endParaRPr>
+          </a:p>
+        </p:txBody>
+      </p:sp>
+      <p:sp>
+        <p:nvSpPr>
+          <p:cNvPr id="14" name="角丸四角形 13">
+            <a:extLst>
+              <a:ext uri="{FF2B5EF4-FFF2-40B4-BE49-F238E27FC236}">
+                <a16:creationId xmlns="" xmlns:a16="http://schemas.microsoft.com/office/drawing/2014/main" id="{F0CEF2BD-F72B-7C47-876B-704DB0AD10EB}"/>
+              </a:ext>
+            </a:extLst>
+          </p:cNvPr>
+          <p:cNvSpPr/>
+          <p:nvPr/>
+        </p:nvSpPr>
+        <p:spPr>
+          <a:xfrm>
+            <a:off x="6356212" y="4646017"/>
+            <a:ext cx="2448273" cy="821409"/>
+          </a:xfrm>
+          <a:prstGeom prst="roundRect">
+            <a:avLst>
+              <a:gd name="adj" fmla="val 7049"/>
+            </a:avLst>
+          </a:prstGeom>
+          <a:solidFill>
+            <a:srgbClr val="005B4D">
+              <a:alpha val="60000"/>
+            </a:srgbClr>
+          </a:solidFill>
+          <a:ln>
+            <a:noFill/>
+            <a:prstDash val="sysDash"/>
+          </a:ln>
+        </p:spPr>
+        <p:style>
+          <a:lnRef idx="2">
+            <a:schemeClr val="accent1">
+              <a:shade val="50000"/>
+            </a:schemeClr>
+          </a:lnRef>
+          <a:fillRef idx="1">
+            <a:schemeClr val="accent1"/>
+          </a:fillRef>
+          <a:effectRef idx="0">
+            <a:schemeClr val="accent1"/>
+          </a:effectRef>
+          <a:fontRef idx="minor">
+            <a:schemeClr val="lt1"/>
+          </a:fontRef>
+        </p:style>
+        <p:txBody>
+          <a:bodyPr rtlCol="0" anchor="t"/>
+          <a:lstStyle/>
+          <a:p>
+            <a:r>
+              <a:rPr lang="ja-JP" altLang="en-US" sz="1400" dirty="0" smtClean="0">
+                <a:solidFill>
+                  <a:schemeClr val="bg1"/>
+                </a:solidFill>
+                <a:latin typeface="Meiryo UI" panose="020B0604030504040204" pitchFamily="34" charset="-128"/>
+                <a:ea typeface="Meiryo UI" panose="020B0604030504040204" pitchFamily="34" charset="-128"/>
+                <a:cs typeface="Meiryo UI" panose="020B0604030504040204" pitchFamily="34" charset="-128"/>
+              </a:rPr>
+              <a:t>＜コンバインドレシオ</a:t>
+            </a:r>
+            <a:r>
+              <a:rPr lang="ja-JP" altLang="en-US" sz="1400" dirty="0" smtClean="0">
+                <a:solidFill>
+                  <a:schemeClr val="bg1"/>
+                </a:solidFill>
+                <a:latin typeface="Meiryo UI" panose="020B0604030504040204" pitchFamily="34" charset="-128"/>
+                <a:ea typeface="Meiryo UI" panose="020B0604030504040204" pitchFamily="34" charset="-128"/>
+                <a:cs typeface="Meiryo UI" panose="020B0604030504040204" pitchFamily="34" charset="-128"/>
+              </a:rPr>
+              <a:t>＞</a:t>
+            </a:r>
+            <a:endParaRPr lang="en-US" altLang="ja-JP" sz="1400" dirty="0" smtClean="0">
+              <a:solidFill>
+                <a:schemeClr val="bg1"/>
+              </a:solidFill>
+              <a:latin typeface="Meiryo UI" panose="020B0604030504040204" pitchFamily="34" charset="-128"/>
+              <a:ea typeface="Meiryo UI" panose="020B0604030504040204" pitchFamily="34" charset="-128"/>
+              <a:cs typeface="Meiryo UI" panose="020B0604030504040204" pitchFamily="34" charset="-128"/>
+            </a:endParaRPr>
+          </a:p>
+          <a:p>
+            <a:r>
+              <a:rPr lang="en-US" altLang="ja-JP" sz="1400" dirty="0">
+                <a:solidFill>
+                  <a:schemeClr val="bg1"/>
+                </a:solidFill>
+                <a:latin typeface="Meiryo UI" panose="020B0604030504040204" pitchFamily="34" charset="-128"/>
+                <a:ea typeface="Meiryo UI" panose="020B0604030504040204" pitchFamily="34" charset="-128"/>
+                <a:cs typeface="Meiryo UI" panose="020B0604030504040204" pitchFamily="34" charset="-128"/>
+              </a:rPr>
+              <a:t>2015</a:t>
+            </a:r>
+            <a:r>
+              <a:rPr lang="ja-JP" altLang="en-US" sz="1400" dirty="0" smtClean="0">
+                <a:solidFill>
+                  <a:schemeClr val="bg1"/>
+                </a:solidFill>
+                <a:latin typeface="Meiryo UI" panose="020B0604030504040204" pitchFamily="34" charset="-128"/>
+                <a:ea typeface="Meiryo UI" panose="020B0604030504040204" pitchFamily="34" charset="-128"/>
+                <a:cs typeface="Meiryo UI" panose="020B0604030504040204" pitchFamily="34" charset="-128"/>
+              </a:rPr>
+              <a:t>年</a:t>
+            </a:r>
+            <a:r>
+              <a:rPr lang="ja-JP" altLang="en-US" sz="1400" dirty="0" smtClean="0">
+                <a:solidFill>
+                  <a:schemeClr val="bg1"/>
+                </a:solidFill>
+                <a:latin typeface="Meiryo UI" panose="020B0604030504040204" pitchFamily="34" charset="-128"/>
+                <a:ea typeface="Meiryo UI" panose="020B0604030504040204" pitchFamily="34" charset="-128"/>
+                <a:cs typeface="Meiryo UI" panose="020B0604030504040204" pitchFamily="34" charset="-128"/>
+              </a:rPr>
+              <a:t>：</a:t>
+            </a:r>
+            <a:r>
+              <a:rPr lang="en-US" altLang="ja-JP" sz="1400" dirty="0">
+                <a:solidFill>
+                  <a:schemeClr val="bg1"/>
+                </a:solidFill>
+                <a:latin typeface="Meiryo UI" panose="020B0604030504040204" pitchFamily="34" charset="-128"/>
+                <a:ea typeface="Meiryo UI" panose="020B0604030504040204" pitchFamily="34" charset="-128"/>
+                <a:cs typeface="Meiryo UI" panose="020B0604030504040204" pitchFamily="34" charset="-128"/>
+              </a:rPr>
+              <a:t>126.6</a:t>
+            </a:r>
+            <a:r>
+              <a:rPr lang="en-US" altLang="ja-JP" sz="1400" dirty="0" smtClean="0">
+                <a:solidFill>
+                  <a:schemeClr val="bg1"/>
+                </a:solidFill>
+                <a:latin typeface="Meiryo UI" panose="020B0604030504040204" pitchFamily="34" charset="-128"/>
+                <a:ea typeface="Meiryo UI" panose="020B0604030504040204" pitchFamily="34" charset="-128"/>
+                <a:cs typeface="Meiryo UI" panose="020B0604030504040204" pitchFamily="34" charset="-128"/>
+              </a:rPr>
+              <a:t>%</a:t>
+            </a:r>
+            <a:endParaRPr lang="en-US" altLang="ja-JP" sz="1400" dirty="0" smtClean="0">
+              <a:solidFill>
+                <a:schemeClr val="bg1"/>
+              </a:solidFill>
+              <a:latin typeface="Meiryo UI" panose="020B0604030504040204" pitchFamily="34" charset="-128"/>
+              <a:ea typeface="Meiryo UI" panose="020B0604030504040204" pitchFamily="34" charset="-128"/>
+              <a:cs typeface="Meiryo UI" panose="020B0604030504040204" pitchFamily="34" charset="-128"/>
+            </a:endParaRPr>
+          </a:p>
+          <a:p>
+            <a:r>
+              <a:rPr lang="en-US" altLang="ja-JP" sz="1400" dirty="0">
+                <a:solidFill>
+                  <a:schemeClr val="bg1"/>
+                </a:solidFill>
+                <a:latin typeface="Meiryo UI" panose="020B0604030504040204" pitchFamily="34" charset="-128"/>
+                <a:ea typeface="Meiryo UI" panose="020B0604030504040204" pitchFamily="34" charset="-128"/>
+                <a:cs typeface="Meiryo UI" panose="020B0604030504040204" pitchFamily="34" charset="-128"/>
+              </a:rPr>
+              <a:t>2016</a:t>
+            </a:r>
+            <a:r>
+              <a:rPr lang="ja-JP" altLang="en-US" sz="1400" dirty="0" smtClean="0">
+                <a:solidFill>
+                  <a:schemeClr val="bg1"/>
+                </a:solidFill>
+                <a:latin typeface="Meiryo UI" panose="020B0604030504040204" pitchFamily="34" charset="-128"/>
+                <a:ea typeface="Meiryo UI" panose="020B0604030504040204" pitchFamily="34" charset="-128"/>
+                <a:cs typeface="Meiryo UI" panose="020B0604030504040204" pitchFamily="34" charset="-128"/>
+              </a:rPr>
+              <a:t>年</a:t>
+            </a:r>
+            <a:r>
+              <a:rPr lang="ja-JP" altLang="en-US" sz="1400" dirty="0" smtClean="0">
+                <a:solidFill>
+                  <a:schemeClr val="bg1"/>
+                </a:solidFill>
+                <a:latin typeface="Meiryo UI" panose="020B0604030504040204" pitchFamily="34" charset="-128"/>
+                <a:ea typeface="Meiryo UI" panose="020B0604030504040204" pitchFamily="34" charset="-128"/>
+                <a:cs typeface="Meiryo UI" panose="020B0604030504040204" pitchFamily="34" charset="-128"/>
+              </a:rPr>
+              <a:t>：</a:t>
+            </a:r>
+            <a:r>
+              <a:rPr lang="en-US" altLang="ja-JP" sz="1400" dirty="0" smtClean="0">
+                <a:solidFill>
+                  <a:schemeClr val="bg1"/>
+                </a:solidFill>
+                <a:latin typeface="Meiryo UI" panose="020B0604030504040204" pitchFamily="34" charset="-128"/>
+                <a:ea typeface="Meiryo UI" panose="020B0604030504040204" pitchFamily="34" charset="-128"/>
+                <a:cs typeface="Meiryo UI" panose="020B0604030504040204" pitchFamily="34" charset="-128"/>
+              </a:rPr>
+              <a:t>104.7</a:t>
+            </a:r>
+            <a:r>
+              <a:rPr lang="en-US" altLang="ja-JP" sz="1400" dirty="0" smtClean="0">
+                <a:solidFill>
+                  <a:schemeClr val="bg1"/>
+                </a:solidFill>
+                <a:latin typeface="Meiryo UI" panose="020B0604030504040204" pitchFamily="34" charset="-128"/>
+                <a:ea typeface="Meiryo UI" panose="020B0604030504040204" pitchFamily="34" charset="-128"/>
+                <a:cs typeface="Meiryo UI" panose="020B0604030504040204" pitchFamily="34" charset="-128"/>
+              </a:rPr>
+              <a:t>%</a:t>
+            </a:r>
+            <a:endParaRPr lang="en-US" altLang="ja-JP" sz="1400" dirty="0" smtClean="0">
+              <a:solidFill>
+                <a:schemeClr val="bg1"/>
+              </a:solidFill>
+              <a:latin typeface="Meiryo UI" panose="020B0604030504040204" pitchFamily="34" charset="-128"/>
+              <a:ea typeface="Meiryo UI" panose="020B0604030504040204" pitchFamily="34" charset="-128"/>
+              <a:cs typeface="Meiryo UI" panose="020B0604030504040204" pitchFamily="34" charset="-128"/>
+            </a:endParaRPr>
+          </a:p>
+        </p:txBody>
+      </p:sp>
+      <p:sp>
+        <p:nvSpPr>
+          <p:cNvPr id="15" name="角丸四角形 14">
+            <a:extLst>
+              <a:ext uri="{FF2B5EF4-FFF2-40B4-BE49-F238E27FC236}">
+                <a16:creationId xmlns="" xmlns:a16="http://schemas.microsoft.com/office/drawing/2014/main" id="{F0CEF2BD-F72B-7C47-876B-704DB0AD10EB}"/>
+              </a:ext>
+            </a:extLst>
+          </p:cNvPr>
+          <p:cNvSpPr/>
+          <p:nvPr/>
+        </p:nvSpPr>
+        <p:spPr>
+          <a:xfrm>
+            <a:off x="6349770" y="5467426"/>
+            <a:ext cx="2454715" cy="423950"/>
+          </a:xfrm>
+          <a:prstGeom prst="roundRect">
+            <a:avLst>
+              <a:gd name="adj" fmla="val 7049"/>
+            </a:avLst>
+          </a:prstGeom>
+          <a:solidFill>
+            <a:schemeClr val="bg1">
+              <a:alpha val="60000"/>
+            </a:schemeClr>
+          </a:solidFill>
+          <a:ln>
+            <a:noFill/>
+            <a:prstDash val="sysDash"/>
+          </a:ln>
+        </p:spPr>
+        <p:style>
+          <a:lnRef idx="2">
+            <a:schemeClr val="accent1">
+              <a:shade val="50000"/>
+            </a:schemeClr>
+          </a:lnRef>
+          <a:fillRef idx="1">
+            <a:schemeClr val="accent1"/>
+          </a:fillRef>
+          <a:effectRef idx="0">
+            <a:schemeClr val="accent1"/>
+          </a:effectRef>
+          <a:fontRef idx="minor">
+            <a:schemeClr val="lt1"/>
+          </a:fontRef>
+        </p:style>
+        <p:txBody>
+          <a:bodyPr rtlCol="0" anchor="t"/>
+          <a:lstStyle/>
+          <a:p>
+            <a:r>
+              <a:rPr lang="en-US" altLang="ja-JP" sz="1000" dirty="0" smtClean="0">
+                <a:solidFill>
+                  <a:srgbClr val="005B4D"/>
+                </a:solidFill>
+                <a:latin typeface="Meiryo UI" panose="020B0604030504040204" pitchFamily="34" charset="-128"/>
+                <a:ea typeface="Meiryo UI" panose="020B0604030504040204" pitchFamily="34" charset="-128"/>
+                <a:cs typeface="Meiryo UI" panose="020B0604030504040204" pitchFamily="34" charset="-128"/>
+              </a:rPr>
+              <a:t>※</a:t>
+            </a:r>
+            <a:r>
+              <a:rPr lang="ja-JP" altLang="en-US" sz="1000" dirty="0" smtClean="0">
+                <a:solidFill>
+                  <a:srgbClr val="005B4D"/>
+                </a:solidFill>
+                <a:latin typeface="Meiryo UI" panose="020B0604030504040204" pitchFamily="34" charset="-128"/>
+                <a:ea typeface="Meiryo UI" panose="020B0604030504040204" pitchFamily="34" charset="-128"/>
+                <a:cs typeface="Meiryo UI" panose="020B0604030504040204" pitchFamily="34" charset="-128"/>
+              </a:rPr>
+              <a:t>すべてニッセイ</a:t>
+            </a:r>
+            <a:r>
+              <a:rPr lang="ja-JP" altLang="en-US" sz="1000" dirty="0">
+                <a:solidFill>
+                  <a:srgbClr val="005B4D"/>
+                </a:solidFill>
+                <a:latin typeface="Meiryo UI" panose="020B0604030504040204" pitchFamily="34" charset="-128"/>
+                <a:ea typeface="Meiryo UI" panose="020B0604030504040204" pitchFamily="34" charset="-128"/>
+                <a:cs typeface="Meiryo UI" panose="020B0604030504040204" pitchFamily="34" charset="-128"/>
+              </a:rPr>
+              <a:t>基礎研</a:t>
+            </a:r>
+            <a:r>
+              <a:rPr lang="ja-JP" altLang="en-US" sz="1000" dirty="0" smtClean="0">
+                <a:solidFill>
+                  <a:srgbClr val="005B4D"/>
+                </a:solidFill>
+                <a:latin typeface="Meiryo UI" panose="020B0604030504040204" pitchFamily="34" charset="-128"/>
+                <a:ea typeface="Meiryo UI" panose="020B0604030504040204" pitchFamily="34" charset="-128"/>
+                <a:cs typeface="Meiryo UI" panose="020B0604030504040204" pitchFamily="34" charset="-128"/>
+              </a:rPr>
+              <a:t>調べ</a:t>
+            </a:r>
+            <a:endParaRPr lang="en-US" altLang="ja-JP" sz="1000" dirty="0" smtClean="0">
+              <a:solidFill>
+                <a:srgbClr val="005B4D"/>
+              </a:solidFill>
+              <a:latin typeface="Meiryo UI" panose="020B0604030504040204" pitchFamily="34" charset="-128"/>
+              <a:ea typeface="Meiryo UI" panose="020B0604030504040204" pitchFamily="34" charset="-128"/>
+              <a:cs typeface="Meiryo UI" panose="020B0604030504040204" pitchFamily="34" charset="-128"/>
+            </a:endParaRPr>
+          </a:p>
+        </p:txBody>
+      </p:sp>
+    </p:spTree>
+    <p:extLst>
+      <p:ext uri="{BB962C8B-B14F-4D97-AF65-F5344CB8AC3E}">
+        <p14:creationId xmlns:p14="http://schemas.microsoft.com/office/powerpoint/2010/main" val="3657433438"/>
+      </p:ext>
+    </p:extLst>
+  </p:cSld>
+  <p:clrMapOvr>
+    <a:masterClrMapping/>
+  </p:clrMapOvr>
+</p:sld>
+</file>
+
+<file path=ppt/slides/slide7.xml><?xml version="1.0" encoding="utf-8"?>
 <p:sld xmlns:a="http://schemas.openxmlformats.org/drawingml/2006/main" xmlns:r="http://schemas.openxmlformats.org/officeDocument/2006/relationships" xmlns:p="http://schemas.openxmlformats.org/presentationml/2006/main">
   <p:cSld>
     <p:spTree>
@@ -8488,7 +10833,12 @@
             <p:ph type="sldNum" sz="quarter" idx="11"/>
           </p:nvPr>
         </p:nvSpPr>
-        <p:spPr/>
+        <p:spPr>
+          <a:xfrm>
+            <a:off x="6823075" y="6424885"/>
+            <a:ext cx="1905000" cy="244475"/>
+          </a:xfrm>
+        </p:spPr>
         <p:txBody>
           <a:bodyPr/>
           <a:lstStyle/>
@@ -8496,7 +10846,7 @@
             <a:fld id="{022D5343-21B6-A446-BE65-52315130EEC4}" type="slidenum">
               <a:rPr lang="en-US" altLang="ja-JP" smtClean="0"/>
               <a:pPr/>
-              <a:t>5</a:t>
+              <a:t>7</a:t>
             </a:fld>
             <a:endParaRPr lang="en-US" altLang="ja-JP" dirty="0"/>
           </a:p>
@@ -8561,7 +10911,7 @@
           <p:cNvPr id="8" name="角丸四角形 7">
             <a:extLst>
               <a:ext uri="{FF2B5EF4-FFF2-40B4-BE49-F238E27FC236}">
-                <a16:creationId xmlns:a16="http://schemas.microsoft.com/office/drawing/2014/main" xmlns="" id="{129A2DF7-9864-D54B-8A50-603902C4AD9B}"/>
+                <a16:creationId xmlns="" xmlns:a16="http://schemas.microsoft.com/office/drawing/2014/main" id="{129A2DF7-9864-D54B-8A50-603902C4AD9B}"/>
               </a:ext>
             </a:extLst>
           </p:cNvPr>
@@ -8673,7 +11023,7 @@
           <p:cNvPr id="9" name="三角形 8">
             <a:extLst>
               <a:ext uri="{FF2B5EF4-FFF2-40B4-BE49-F238E27FC236}">
-                <a16:creationId xmlns:a16="http://schemas.microsoft.com/office/drawing/2014/main" xmlns="" id="{E9E8B694-BA49-EF48-9C29-8328D905F9E0}"/>
+                <a16:creationId xmlns="" xmlns:a16="http://schemas.microsoft.com/office/drawing/2014/main" id="{E9E8B694-BA49-EF48-9C29-8328D905F9E0}"/>
               </a:ext>
             </a:extLst>
           </p:cNvPr>
@@ -8726,7 +11076,7 @@
           <p:cNvPr id="10" name="角丸四角形 9">
             <a:extLst>
               <a:ext uri="{FF2B5EF4-FFF2-40B4-BE49-F238E27FC236}">
-                <a16:creationId xmlns:a16="http://schemas.microsoft.com/office/drawing/2014/main" xmlns="" id="{3E9C6790-999D-DB41-B71F-FA64F4F06C17}"/>
+                <a16:creationId xmlns="" xmlns:a16="http://schemas.microsoft.com/office/drawing/2014/main" id="{3E9C6790-999D-DB41-B71F-FA64F4F06C17}"/>
               </a:ext>
             </a:extLst>
           </p:cNvPr>
@@ -8824,7 +11174,7 @@
           <p:cNvPr id="11" name="三角形 10">
             <a:extLst>
               <a:ext uri="{FF2B5EF4-FFF2-40B4-BE49-F238E27FC236}">
-                <a16:creationId xmlns:a16="http://schemas.microsoft.com/office/drawing/2014/main" xmlns="" id="{EF9EB158-CBD8-5841-A2C3-556FBE6E6374}"/>
+                <a16:creationId xmlns="" xmlns:a16="http://schemas.microsoft.com/office/drawing/2014/main" id="{EF9EB158-CBD8-5841-A2C3-556FBE6E6374}"/>
               </a:ext>
             </a:extLst>
           </p:cNvPr>
@@ -8877,7 +11227,7 @@
           <p:cNvPr id="13" name="角丸四角形 12">
             <a:extLst>
               <a:ext uri="{FF2B5EF4-FFF2-40B4-BE49-F238E27FC236}">
-                <a16:creationId xmlns:a16="http://schemas.microsoft.com/office/drawing/2014/main" xmlns="" id="{1B1AF8A7-6210-2844-A566-44B5CA0323F8}"/>
+                <a16:creationId xmlns="" xmlns:a16="http://schemas.microsoft.com/office/drawing/2014/main" id="{1B1AF8A7-6210-2844-A566-44B5CA0323F8}"/>
               </a:ext>
             </a:extLst>
           </p:cNvPr>
@@ -8953,7 +11303,7 @@
           <p:cNvPr id="14" name="三角形 13">
             <a:extLst>
               <a:ext uri="{FF2B5EF4-FFF2-40B4-BE49-F238E27FC236}">
-                <a16:creationId xmlns:a16="http://schemas.microsoft.com/office/drawing/2014/main" xmlns="" id="{3A737C97-5566-854E-8A26-487001A728FF}"/>
+                <a16:creationId xmlns="" xmlns:a16="http://schemas.microsoft.com/office/drawing/2014/main" id="{3A737C97-5566-854E-8A26-487001A728FF}"/>
               </a:ext>
             </a:extLst>
           </p:cNvPr>
@@ -9011,10 +11361,17 @@
   <p:clrMapOvr>
     <a:masterClrMapping/>
   </p:clrMapOvr>
+  <p:timing>
+    <p:tnLst>
+      <p:par>
+        <p:cTn id="1" dur="indefinite" restart="never" nodeType="tmRoot"/>
+      </p:par>
+    </p:tnLst>
+  </p:timing>
 </p:sld>
 </file>
 
-<file path=ppt/slides/slide6.xml><?xml version="1.0" encoding="utf-8"?>
+<file path=ppt/slides/slide8.xml><?xml version="1.0" encoding="utf-8"?>
 <p:sld xmlns:a="http://schemas.openxmlformats.org/drawingml/2006/main" xmlns:r="http://schemas.openxmlformats.org/officeDocument/2006/relationships" xmlns:p="http://schemas.openxmlformats.org/presentationml/2006/main">
   <p:cSld>
     <p:spTree>
@@ -9098,7 +11455,7 @@
             <a:fld id="{022D5343-21B6-A446-BE65-52315130EEC4}" type="slidenum">
               <a:rPr lang="en-US" altLang="ja-JP" smtClean="0"/>
               <a:pPr/>
-              <a:t>6</a:t>
+              <a:t>8</a:t>
             </a:fld>
             <a:endParaRPr lang="en-US" altLang="ja-JP" dirty="0"/>
           </a:p>
@@ -9163,7 +11520,7 @@
           <p:cNvPr id="7" name="角丸四角形 6">
             <a:extLst>
               <a:ext uri="{FF2B5EF4-FFF2-40B4-BE49-F238E27FC236}">
-                <a16:creationId xmlns:a16="http://schemas.microsoft.com/office/drawing/2014/main" xmlns="" id="{263E1FD6-C0B1-9B48-9311-FE499032DB60}"/>
+                <a16:creationId xmlns="" xmlns:a16="http://schemas.microsoft.com/office/drawing/2014/main" id="{263E1FD6-C0B1-9B48-9311-FE499032DB60}"/>
               </a:ext>
             </a:extLst>
           </p:cNvPr>
@@ -9318,7 +11675,7 @@
           <p:cNvPr id="8" name="三角形 7">
             <a:extLst>
               <a:ext uri="{FF2B5EF4-FFF2-40B4-BE49-F238E27FC236}">
-                <a16:creationId xmlns:a16="http://schemas.microsoft.com/office/drawing/2014/main" xmlns="" id="{92C326A6-4C6C-344C-99FB-DFACCC63AE53}"/>
+                <a16:creationId xmlns="" xmlns:a16="http://schemas.microsoft.com/office/drawing/2014/main" id="{92C326A6-4C6C-344C-99FB-DFACCC63AE53}"/>
               </a:ext>
             </a:extLst>
           </p:cNvPr>
@@ -9371,7 +11728,7 @@
           <p:cNvPr id="9" name="角丸四角形 8">
             <a:extLst>
               <a:ext uri="{FF2B5EF4-FFF2-40B4-BE49-F238E27FC236}">
-                <a16:creationId xmlns:a16="http://schemas.microsoft.com/office/drawing/2014/main" xmlns="" id="{CFCBB2C0-F2BB-7745-B4E0-60EF23A949E6}"/>
+                <a16:creationId xmlns="" xmlns:a16="http://schemas.microsoft.com/office/drawing/2014/main" id="{CFCBB2C0-F2BB-7745-B4E0-60EF23A949E6}"/>
               </a:ext>
             </a:extLst>
           </p:cNvPr>
@@ -9563,7 +11920,7 @@
           <p:cNvPr id="10" name="三角形 9">
             <a:extLst>
               <a:ext uri="{FF2B5EF4-FFF2-40B4-BE49-F238E27FC236}">
-                <a16:creationId xmlns:a16="http://schemas.microsoft.com/office/drawing/2014/main" xmlns="" id="{EC097D47-4B1A-814C-B405-E1D417EE11B5}"/>
+                <a16:creationId xmlns="" xmlns:a16="http://schemas.microsoft.com/office/drawing/2014/main" id="{EC097D47-4B1A-814C-B405-E1D417EE11B5}"/>
               </a:ext>
             </a:extLst>
           </p:cNvPr>
@@ -9616,7 +11973,7 @@
           <p:cNvPr id="11" name="角丸四角形 10">
             <a:extLst>
               <a:ext uri="{FF2B5EF4-FFF2-40B4-BE49-F238E27FC236}">
-                <a16:creationId xmlns:a16="http://schemas.microsoft.com/office/drawing/2014/main" xmlns="" id="{4ED0A8FF-54DB-454D-9087-6FD886E9FA68}"/>
+                <a16:creationId xmlns="" xmlns:a16="http://schemas.microsoft.com/office/drawing/2014/main" id="{4ED0A8FF-54DB-454D-9087-6FD886E9FA68}"/>
               </a:ext>
             </a:extLst>
           </p:cNvPr>
@@ -9896,7 +12253,7 @@
           <p:cNvPr id="13" name="三角形 12">
             <a:extLst>
               <a:ext uri="{FF2B5EF4-FFF2-40B4-BE49-F238E27FC236}">
-                <a16:creationId xmlns:a16="http://schemas.microsoft.com/office/drawing/2014/main" xmlns="" id="{0A8D7306-7D13-1F45-89BC-F2E2CD75C169}"/>
+                <a16:creationId xmlns="" xmlns:a16="http://schemas.microsoft.com/office/drawing/2014/main" id="{0A8D7306-7D13-1F45-89BC-F2E2CD75C169}"/>
               </a:ext>
             </a:extLst>
           </p:cNvPr>
@@ -9954,10 +12311,17 @@
   <p:clrMapOvr>
     <a:masterClrMapping/>
   </p:clrMapOvr>
+  <p:timing>
+    <p:tnLst>
+      <p:par>
+        <p:cTn id="1" dur="indefinite" restart="never" nodeType="tmRoot"/>
+      </p:par>
+    </p:tnLst>
+  </p:timing>
 </p:sld>
 </file>
 
-<file path=ppt/slides/slide7.xml><?xml version="1.0" encoding="utf-8"?>
+<file path=ppt/slides/slide9.xml><?xml version="1.0" encoding="utf-8"?>
 <p:sld xmlns:a="http://schemas.openxmlformats.org/drawingml/2006/main" xmlns:r="http://schemas.openxmlformats.org/officeDocument/2006/relationships" xmlns:p="http://schemas.openxmlformats.org/presentationml/2006/main">
   <p:cSld>
     <p:spTree>
@@ -10095,7 +12459,7 @@
             <a:fld id="{022D5343-21B6-A446-BE65-52315130EEC4}" type="slidenum">
               <a:rPr lang="en-US" altLang="ja-JP" smtClean="0"/>
               <a:pPr/>
-              <a:t>7</a:t>
+              <a:t>9</a:t>
             </a:fld>
             <a:endParaRPr lang="en-US" altLang="ja-JP" dirty="0"/>
           </a:p>
@@ -10106,7 +12470,7 @@
           <p:cNvPr id="6" name="角丸四角形 5">
             <a:extLst>
               <a:ext uri="{FF2B5EF4-FFF2-40B4-BE49-F238E27FC236}">
-                <a16:creationId xmlns:a16="http://schemas.microsoft.com/office/drawing/2014/main" xmlns="" id="{4A077B4D-284C-8C48-A824-DF733E7CC4B5}"/>
+                <a16:creationId xmlns="" xmlns:a16="http://schemas.microsoft.com/office/drawing/2014/main" id="{4A077B4D-284C-8C48-A824-DF733E7CC4B5}"/>
               </a:ext>
             </a:extLst>
           </p:cNvPr>
@@ -10193,7 +12557,7 @@
           <p:cNvPr id="7" name="三角形 6">
             <a:extLst>
               <a:ext uri="{FF2B5EF4-FFF2-40B4-BE49-F238E27FC236}">
-                <a16:creationId xmlns:a16="http://schemas.microsoft.com/office/drawing/2014/main" xmlns="" id="{56E865E2-236E-D346-948D-FE44148B040D}"/>
+                <a16:creationId xmlns="" xmlns:a16="http://schemas.microsoft.com/office/drawing/2014/main" id="{56E865E2-236E-D346-948D-FE44148B040D}"/>
               </a:ext>
             </a:extLst>
           </p:cNvPr>
@@ -10246,7 +12610,7 @@
           <p:cNvPr id="8" name="角丸四角形 7">
             <a:extLst>
               <a:ext uri="{FF2B5EF4-FFF2-40B4-BE49-F238E27FC236}">
-                <a16:creationId xmlns:a16="http://schemas.microsoft.com/office/drawing/2014/main" xmlns="" id="{4CBBC4D1-2E02-3240-8609-76E9C31FC473}"/>
+                <a16:creationId xmlns="" xmlns:a16="http://schemas.microsoft.com/office/drawing/2014/main" id="{4CBBC4D1-2E02-3240-8609-76E9C31FC473}"/>
               </a:ext>
             </a:extLst>
           </p:cNvPr>
@@ -10322,7 +12686,7 @@
           <p:cNvPr id="9" name="三角形 8">
             <a:extLst>
               <a:ext uri="{FF2B5EF4-FFF2-40B4-BE49-F238E27FC236}">
-                <a16:creationId xmlns:a16="http://schemas.microsoft.com/office/drawing/2014/main" xmlns="" id="{3E10E187-D31B-9445-AC01-9EB2F8A592C0}"/>
+                <a16:creationId xmlns="" xmlns:a16="http://schemas.microsoft.com/office/drawing/2014/main" id="{3E10E187-D31B-9445-AC01-9EB2F8A592C0}"/>
               </a:ext>
             </a:extLst>
           </p:cNvPr>
@@ -10375,7 +12739,7 @@
           <p:cNvPr id="10" name="角丸四角形 9">
             <a:extLst>
               <a:ext uri="{FF2B5EF4-FFF2-40B4-BE49-F238E27FC236}">
-                <a16:creationId xmlns:a16="http://schemas.microsoft.com/office/drawing/2014/main" xmlns="" id="{756B2131-00B8-304F-9F50-35C61D501943}"/>
+                <a16:creationId xmlns="" xmlns:a16="http://schemas.microsoft.com/office/drawing/2014/main" id="{756B2131-00B8-304F-9F50-35C61D501943}"/>
               </a:ext>
             </a:extLst>
           </p:cNvPr>
@@ -10462,7 +12826,7 @@
           <p:cNvPr id="11" name="三角形 10">
             <a:extLst>
               <a:ext uri="{FF2B5EF4-FFF2-40B4-BE49-F238E27FC236}">
-                <a16:creationId xmlns:a16="http://schemas.microsoft.com/office/drawing/2014/main" xmlns="" id="{CBAF62D9-48C9-4942-9470-8338E577E72C}"/>
+                <a16:creationId xmlns="" xmlns:a16="http://schemas.microsoft.com/office/drawing/2014/main" id="{CBAF62D9-48C9-4942-9470-8338E577E72C}"/>
               </a:ext>
             </a:extLst>
           </p:cNvPr>
@@ -10515,7 +12879,7 @@
           <p:cNvPr id="13" name="角丸四角形 12">
             <a:extLst>
               <a:ext uri="{FF2B5EF4-FFF2-40B4-BE49-F238E27FC236}">
-                <a16:creationId xmlns:a16="http://schemas.microsoft.com/office/drawing/2014/main" xmlns="" id="{BFD573A2-3088-994C-846B-39AE73A940AF}"/>
+                <a16:creationId xmlns="" xmlns:a16="http://schemas.microsoft.com/office/drawing/2014/main" id="{BFD573A2-3088-994C-846B-39AE73A940AF}"/>
               </a:ext>
             </a:extLst>
           </p:cNvPr>
@@ -10591,7 +12955,7 @@
           <p:cNvPr id="14" name="三角形 13">
             <a:extLst>
               <a:ext uri="{FF2B5EF4-FFF2-40B4-BE49-F238E27FC236}">
-                <a16:creationId xmlns:a16="http://schemas.microsoft.com/office/drawing/2014/main" xmlns="" id="{2058363A-F7BE-F640-9283-A28111957A6E}"/>
+                <a16:creationId xmlns="" xmlns:a16="http://schemas.microsoft.com/office/drawing/2014/main" id="{2058363A-F7BE-F640-9283-A28111957A6E}"/>
               </a:ext>
             </a:extLst>
           </p:cNvPr>
@@ -10643,442 +13007,6 @@
     <p:extLst>
       <p:ext uri="{BB962C8B-B14F-4D97-AF65-F5344CB8AC3E}">
         <p14:creationId xmlns:p14="http://schemas.microsoft.com/office/powerpoint/2010/main" val="608150960"/>
-      </p:ext>
-    </p:extLst>
-  </p:cSld>
-  <p:clrMapOvr>
-    <a:masterClrMapping/>
-  </p:clrMapOvr>
-</p:sld>
-</file>
-
-<file path=ppt/slides/slide8.xml><?xml version="1.0" encoding="utf-8"?>
-<p:sld xmlns:a="http://schemas.openxmlformats.org/drawingml/2006/main" xmlns:r="http://schemas.openxmlformats.org/officeDocument/2006/relationships" xmlns:p="http://schemas.openxmlformats.org/presentationml/2006/main">
-  <p:cSld>
-    <p:spTree>
-      <p:nvGrpSpPr>
-        <p:cNvPr id="1" name=""/>
-        <p:cNvGrpSpPr/>
-        <p:nvPr/>
-      </p:nvGrpSpPr>
-      <p:grpSpPr>
-        <a:xfrm>
-          <a:off x="0" y="0"/>
-          <a:ext cx="0" cy="0"/>
-          <a:chOff x="0" y="0"/>
-          <a:chExt cx="0" cy="0"/>
-        </a:xfrm>
-      </p:grpSpPr>
-      <p:sp>
-        <p:nvSpPr>
-          <p:cNvPr id="2" name="タイトル 1">
-            <a:extLst>
-              <a:ext uri="{FF2B5EF4-FFF2-40B4-BE49-F238E27FC236}">
-                <a16:creationId xmlns:a16="http://schemas.microsoft.com/office/drawing/2014/main" xmlns="" id="{8619EB3F-2956-034F-89DA-D48CFECCE132}"/>
-              </a:ext>
-            </a:extLst>
-          </p:cNvPr>
-          <p:cNvSpPr>
-            <a:spLocks noGrp="1"/>
-          </p:cNvSpPr>
-          <p:nvPr>
-            <p:ph type="title"/>
-          </p:nvPr>
-        </p:nvSpPr>
-        <p:spPr/>
-        <p:txBody>
-          <a:bodyPr/>
-          <a:lstStyle/>
-          <a:p>
-            <a:r>
-              <a:rPr lang="en-US" altLang="ja-JP" b="1" dirty="0" err="1">
-                <a:solidFill>
-                  <a:schemeClr val="tx2">
-                    <a:lumMod val="50000"/>
-                  </a:schemeClr>
-                </a:solidFill>
-              </a:rPr>
-              <a:t>Zhong</a:t>
-            </a:r>
-            <a:r>
-              <a:rPr lang="en-US" altLang="ja-JP" b="1" dirty="0">
-                <a:solidFill>
-                  <a:schemeClr val="tx2">
-                    <a:lumMod val="50000"/>
-                  </a:schemeClr>
-                </a:solidFill>
-              </a:rPr>
-              <a:t> An</a:t>
-            </a:r>
-            <a:r>
-              <a:rPr lang="ja-JP" altLang="en-US" b="1" dirty="0">
-                <a:solidFill>
-                  <a:schemeClr val="tx2">
-                    <a:lumMod val="50000"/>
-                  </a:schemeClr>
-                </a:solidFill>
-              </a:rPr>
-              <a:t>成長の戦略とポイント</a:t>
-            </a:r>
-            <a:endParaRPr kumimoji="1" lang="ja-JP" altLang="en-US" dirty="0"/>
-          </a:p>
-        </p:txBody>
-      </p:sp>
-      <p:sp>
-        <p:nvSpPr>
-          <p:cNvPr id="3" name="コンテンツ プレースホルダー 2">
-            <a:extLst>
-              <a:ext uri="{FF2B5EF4-FFF2-40B4-BE49-F238E27FC236}">
-                <a16:creationId xmlns:a16="http://schemas.microsoft.com/office/drawing/2014/main" xmlns="" id="{A463C4D9-295B-D546-98B3-23B0C76625C4}"/>
-              </a:ext>
-            </a:extLst>
-          </p:cNvPr>
-          <p:cNvSpPr>
-            <a:spLocks noGrp="1"/>
-          </p:cNvSpPr>
-          <p:nvPr>
-            <p:ph idx="1"/>
-          </p:nvPr>
-        </p:nvSpPr>
-        <p:spPr/>
-        <p:txBody>
-          <a:bodyPr/>
-          <a:lstStyle/>
-          <a:p>
-            <a:r>
-              <a:rPr lang="ja-JP" altLang="en-US" sz="1800" dirty="0"/>
-              <a:t>ネット専業の保険会社として、ネット決済やスマホのアプリを活用して、</a:t>
-            </a:r>
-            <a:r>
-              <a:rPr lang="ja-JP" altLang="en-US" sz="1800" b="1" u="sng" dirty="0"/>
-              <a:t>加入から給付までの手続きを全てネット上で行なうことができる</a:t>
-            </a:r>
-            <a:r>
-              <a:rPr lang="ja-JP" altLang="en-US" sz="1800" dirty="0"/>
-              <a:t>（一部、保険商品では書面のプロセスは残っている）</a:t>
-            </a:r>
-            <a:endParaRPr lang="en-US" altLang="ja-JP" sz="1800" dirty="0"/>
-          </a:p>
-          <a:p>
-            <a:r>
-              <a:rPr lang="ja-JP" altLang="en-US" sz="1800" dirty="0"/>
-              <a:t>ネット保険を活用するユーザーの年齢が相対的に若く、学生、独身者、一人っ子同士の若い世帯など</a:t>
-            </a:r>
-            <a:r>
-              <a:rPr lang="ja-JP" altLang="en-US" sz="1800" b="1" u="sng" dirty="0"/>
-              <a:t>（ミレニアルス）が中心となるので、彼らが求めるニーズを徹底的に絞り込んでいる</a:t>
-            </a:r>
-            <a:endParaRPr lang="en-US" altLang="ja-JP" sz="1800" b="1" u="sng" dirty="0"/>
-          </a:p>
-          <a:p>
-            <a:r>
-              <a:rPr lang="ja-JP" altLang="en-US" sz="1800" dirty="0"/>
-              <a:t>消費者向けの代表的な商品は、アリババ傘下の</a:t>
-            </a:r>
-            <a:r>
-              <a:rPr lang="en-US" altLang="ja-JP" sz="1800" dirty="0"/>
-              <a:t>C2C</a:t>
-            </a:r>
-            <a:r>
-              <a:rPr lang="ja-JP" altLang="en-US" sz="1800" dirty="0"/>
-              <a:t>・淘宝ネット（タオバオネット）で</a:t>
-            </a:r>
-            <a:r>
-              <a:rPr lang="ja-JP" altLang="en-US" sz="1800" b="1" u="sng" dirty="0"/>
-              <a:t>購入した商品を返送する場合、その送料をカバーする保険</a:t>
-            </a:r>
-            <a:r>
-              <a:rPr lang="ja-JP" altLang="en-US" sz="1800" dirty="0"/>
-              <a:t>商品があり、一方、事業者（ネット通販）向けには、アリババ傘下の</a:t>
-            </a:r>
-            <a:r>
-              <a:rPr lang="en-US" altLang="ja-JP" sz="1800" dirty="0"/>
-              <a:t>B2C</a:t>
-            </a:r>
-            <a:r>
-              <a:rPr lang="ja-JP" altLang="en-US" sz="1800" dirty="0"/>
-              <a:t>の天猫（</a:t>
-            </a:r>
-            <a:r>
-              <a:rPr lang="en-US" altLang="ja-JP" sz="1800" dirty="0" err="1"/>
-              <a:t>Tmall</a:t>
-            </a:r>
-            <a:r>
-              <a:rPr lang="ja-JP" altLang="en-US" sz="1800" dirty="0"/>
-              <a:t>）へ</a:t>
-            </a:r>
-            <a:r>
-              <a:rPr lang="ja-JP" altLang="en-US" sz="1800" b="1" u="sng" dirty="0"/>
-              <a:t>出店する際に必要な保証金を補償する保険を提供</a:t>
-            </a:r>
-            <a:endParaRPr lang="en-US" altLang="ja-JP" sz="1800" b="1" u="sng" dirty="0"/>
-          </a:p>
-          <a:p>
-            <a:r>
-              <a:rPr lang="ja-JP" altLang="en-US" sz="1800" dirty="0"/>
-              <a:t>さらに、オンライン決済口座の資金盗難補填を行なう保険や、小米のスマホの故障保険など、ネットやスマホユーザーを対象とした多様な商品が販売されている。</a:t>
-            </a:r>
-            <a:r>
-              <a:rPr lang="en-US" altLang="ja-JP" sz="1800" dirty="0"/>
-              <a:t/>
-            </a:r>
-            <a:br>
-              <a:rPr lang="en-US" altLang="ja-JP" sz="1800" dirty="0"/>
-            </a:br>
-            <a:r>
-              <a:rPr lang="ja-JP" altLang="en-US" sz="1800" dirty="0"/>
-              <a:t>医療分野においても、血糖値をタッチパネル式の血糖値測定端末で測定し、規定値を下回った場合、保険金額が一定額加算する商品なども販売している</a:t>
-            </a:r>
-            <a:endParaRPr lang="en-US" altLang="ja-JP" sz="1800" dirty="0"/>
-          </a:p>
-          <a:p>
-            <a:r>
-              <a:rPr lang="ja-JP" altLang="en-US" sz="1800" dirty="0"/>
-              <a:t>このように</a:t>
-            </a:r>
-            <a:r>
-              <a:rPr lang="ja-JP" altLang="en-US" sz="1800" b="1" u="sng" dirty="0"/>
-              <a:t>創業者である、</a:t>
-            </a:r>
-            <a:r>
-              <a:rPr lang="en-US" altLang="ja-JP" sz="1800" b="1" u="sng" dirty="0"/>
-              <a:t>Alibaba</a:t>
-            </a:r>
-            <a:r>
-              <a:rPr lang="ja-JP" altLang="en-US" sz="1800" b="1" u="sng" dirty="0"/>
-              <a:t>や</a:t>
-            </a:r>
-            <a:r>
-              <a:rPr lang="en-US" altLang="ja-JP" sz="1800" b="1" u="sng" dirty="0" err="1"/>
-              <a:t>Tencent</a:t>
-            </a:r>
-            <a:r>
-              <a:rPr lang="ja-JP" altLang="en-US" sz="1800" b="1" u="sng" dirty="0"/>
-              <a:t>を上手く活用したネット商品を開発</a:t>
-            </a:r>
-            <a:endParaRPr lang="en-US" altLang="ja-JP" sz="1800" b="1" u="sng" dirty="0"/>
-          </a:p>
-          <a:p>
-            <a:r>
-              <a:rPr lang="en-US" altLang="ja-JP" sz="1800" dirty="0"/>
-              <a:t>2016</a:t>
-            </a:r>
-            <a:r>
-              <a:rPr lang="ja-JP" altLang="en-US" sz="1800" dirty="0"/>
-              <a:t>年末に同社は、</a:t>
-            </a:r>
-            <a:r>
-              <a:rPr lang="en-US" altLang="ja-JP" sz="1800" b="1" u="sng" dirty="0"/>
-              <a:t>AI</a:t>
-            </a:r>
-            <a:r>
-              <a:rPr lang="ja-JP" altLang="en-US" sz="1800" b="1" u="sng" dirty="0"/>
-              <a:t>、</a:t>
-            </a:r>
-            <a:r>
-              <a:rPr lang="en-US" altLang="ja-JP" sz="1800" b="1" u="sng" dirty="0"/>
-              <a:t>Blockchain</a:t>
-            </a:r>
-            <a:r>
-              <a:rPr lang="ja-JP" altLang="en-US" sz="1800" b="1" u="sng" dirty="0"/>
-              <a:t>、</a:t>
-            </a:r>
-            <a:r>
-              <a:rPr lang="en-US" altLang="ja-JP" sz="1800" b="1" u="sng" dirty="0"/>
-              <a:t>Cloud</a:t>
-            </a:r>
-            <a:r>
-              <a:rPr lang="ja-JP" altLang="en-US" sz="1800" b="1" u="sng" dirty="0"/>
-              <a:t>、</a:t>
-            </a:r>
-            <a:r>
-              <a:rPr lang="en-US" altLang="ja-JP" sz="1800" b="1" u="sng" dirty="0"/>
-              <a:t>Data-Driven</a:t>
-            </a:r>
-            <a:r>
-              <a:rPr lang="ja-JP" altLang="en-US" sz="1800" b="1" u="sng" dirty="0"/>
-              <a:t>を主眼においた「</a:t>
-            </a:r>
-            <a:r>
-              <a:rPr lang="en-US" altLang="ja-JP" sz="1800" b="1" u="sng" dirty="0"/>
-              <a:t>ABCD</a:t>
-            </a:r>
-            <a:r>
-              <a:rPr lang="ja-JP" altLang="en-US" sz="1800" b="1" u="sng" dirty="0"/>
-              <a:t>計画」を発表</a:t>
-            </a:r>
-            <a:r>
-              <a:rPr lang="ja-JP" altLang="en-US" sz="1800" dirty="0"/>
-              <a:t>、その狙いは強固な顧客基盤に、</a:t>
-            </a:r>
-            <a:r>
-              <a:rPr lang="en-US" altLang="ja-JP" sz="1800" dirty="0"/>
-              <a:t>AI</a:t>
-            </a:r>
-            <a:r>
-              <a:rPr lang="ja-JP" altLang="en-US" sz="1800" dirty="0"/>
-              <a:t>やブロックチェーンなどの先進的なソリューションを導入することでビジネスを加速させることと考えられている</a:t>
-            </a:r>
-            <a:endParaRPr lang="en-US" altLang="ja-JP" sz="1800" dirty="0"/>
-          </a:p>
-          <a:p>
-            <a:endParaRPr kumimoji="1" lang="ja-JP" altLang="en-US" sz="1800" dirty="0"/>
-          </a:p>
-        </p:txBody>
-      </p:sp>
-      <p:sp>
-        <p:nvSpPr>
-          <p:cNvPr id="4" name="スライド番号プレースホルダー 3">
-            <a:extLst>
-              <a:ext uri="{FF2B5EF4-FFF2-40B4-BE49-F238E27FC236}">
-                <a16:creationId xmlns:a16="http://schemas.microsoft.com/office/drawing/2014/main" xmlns="" id="{99DAD3B3-7F57-9041-BFEB-1CE1906E07F5}"/>
-              </a:ext>
-            </a:extLst>
-          </p:cNvPr>
-          <p:cNvSpPr>
-            <a:spLocks noGrp="1"/>
-          </p:cNvSpPr>
-          <p:nvPr>
-            <p:ph type="sldNum" sz="quarter" idx="11"/>
-          </p:nvPr>
-        </p:nvSpPr>
-        <p:spPr/>
-        <p:txBody>
-          <a:bodyPr/>
-          <a:lstStyle/>
-          <a:p>
-            <a:pPr>
-              <a:defRPr/>
-            </a:pPr>
-            <a:fld id="{757834FA-B69F-40D9-9E48-E5D36EE240F4}" type="slidenum">
-              <a:rPr lang="en-US" altLang="ja-JP" smtClean="0"/>
-              <a:pPr>
-                <a:defRPr/>
-              </a:pPr>
-              <a:t>8</a:t>
-            </a:fld>
-            <a:endParaRPr lang="en-US" altLang="ja-JP"/>
-          </a:p>
-        </p:txBody>
-      </p:sp>
-    </p:spTree>
-    <p:extLst>
-      <p:ext uri="{BB962C8B-B14F-4D97-AF65-F5344CB8AC3E}">
-        <p14:creationId xmlns:p14="http://schemas.microsoft.com/office/powerpoint/2010/main" val="1412684514"/>
-      </p:ext>
-    </p:extLst>
-  </p:cSld>
-  <p:clrMapOvr>
-    <a:masterClrMapping/>
-  </p:clrMapOvr>
-</p:sld>
-</file>
-
-<file path=ppt/slides/slide9.xml><?xml version="1.0" encoding="utf-8"?>
-<p:sld xmlns:a="http://schemas.openxmlformats.org/drawingml/2006/main" xmlns:r="http://schemas.openxmlformats.org/officeDocument/2006/relationships" xmlns:p="http://schemas.openxmlformats.org/presentationml/2006/main">
-  <p:cSld>
-    <p:spTree>
-      <p:nvGrpSpPr>
-        <p:cNvPr id="1" name=""/>
-        <p:cNvGrpSpPr/>
-        <p:nvPr/>
-      </p:nvGrpSpPr>
-      <p:grpSpPr>
-        <a:xfrm>
-          <a:off x="0" y="0"/>
-          <a:ext cx="0" cy="0"/>
-          <a:chOff x="0" y="0"/>
-          <a:chExt cx="0" cy="0"/>
-        </a:xfrm>
-      </p:grpSpPr>
-      <p:sp>
-        <p:nvSpPr>
-          <p:cNvPr id="4" name="タイトル 3"/>
-          <p:cNvSpPr>
-            <a:spLocks noGrp="1"/>
-          </p:cNvSpPr>
-          <p:nvPr>
-            <p:ph type="title"/>
-          </p:nvPr>
-        </p:nvSpPr>
-        <p:spPr/>
-        <p:txBody>
-          <a:bodyPr/>
-          <a:lstStyle/>
-          <a:p>
-            <a:endParaRPr kumimoji="1" lang="ja-JP" altLang="en-US" dirty="0"/>
-          </a:p>
-        </p:txBody>
-      </p:sp>
-      <p:sp>
-        <p:nvSpPr>
-          <p:cNvPr id="5" name="コンテンツ プレースホルダー 4"/>
-          <p:cNvSpPr>
-            <a:spLocks noGrp="1"/>
-          </p:cNvSpPr>
-          <p:nvPr>
-            <p:ph idx="1"/>
-          </p:nvPr>
-        </p:nvSpPr>
-        <p:spPr/>
-        <p:txBody>
-          <a:bodyPr/>
-          <a:lstStyle/>
-          <a:p>
-            <a:endParaRPr kumimoji="1" lang="ja-JP" altLang="en-US"/>
-          </a:p>
-        </p:txBody>
-      </p:sp>
-      <p:sp>
-        <p:nvSpPr>
-          <p:cNvPr id="2" name="スライド番号プレースホルダー 1"/>
-          <p:cNvSpPr>
-            <a:spLocks noGrp="1"/>
-          </p:cNvSpPr>
-          <p:nvPr>
-            <p:ph type="sldNum" sz="quarter" idx="11"/>
-          </p:nvPr>
-        </p:nvSpPr>
-        <p:spPr/>
-        <p:txBody>
-          <a:bodyPr/>
-          <a:lstStyle/>
-          <a:p>
-            <a:fld id="{86CB4B4D-7CA3-9044-876B-883B54F8677D}" type="slidenum">
-              <a:rPr lang="uk-UA" smtClean="0"/>
-              <a:t>9</a:t>
-            </a:fld>
-            <a:endParaRPr lang="uk-UA"/>
-          </a:p>
-        </p:txBody>
-      </p:sp>
-      <p:pic>
-        <p:nvPicPr>
-          <p:cNvPr id="3" name="図 2"/>
-          <p:cNvPicPr>
-            <a:picLocks noChangeAspect="1"/>
-          </p:cNvPicPr>
-          <p:nvPr/>
-        </p:nvPicPr>
-        <p:blipFill rotWithShape="1">
-          <a:blip r:embed="rId2"/>
-          <a:srcRect t="7072"/>
-          <a:stretch/>
-        </p:blipFill>
-        <p:spPr>
-          <a:xfrm>
-            <a:off x="0" y="692150"/>
-            <a:ext cx="9144000" cy="5669753"/>
-          </a:xfrm>
-          <a:prstGeom prst="rect">
-            <a:avLst/>
-          </a:prstGeom>
-        </p:spPr>
-      </p:pic>
-    </p:spTree>
-    <p:extLst>
-      <p:ext uri="{BB962C8B-B14F-4D97-AF65-F5344CB8AC3E}">
-        <p14:creationId xmlns:p14="http://schemas.microsoft.com/office/powerpoint/2010/main" val="632215483"/>
       </p:ext>
     </p:extLst>
   </p:cSld>
@@ -11890,14 +13818,16 @@
   <a:extraClrSchemeLst/>
   <a:extLst>
     <a:ext uri="{05A4C25C-085E-4340-85A3-A5531E510DB2}">
-      <thm15:themeFamily xmlns:thm15="http://schemas.microsoft.com/office/thememl/2012/main" xmlns="" name="Office Theme" id="{62F939B6-93AF-4DB8-9C6B-D6C7DFDC589F}" vid="{4A3C46E8-61CC-4603-A589-7422A47A8E4A}"/>
+      <thm15:themeFamily xmlns="" xmlns:thm15="http://schemas.microsoft.com/office/thememl/2012/main" name="Office Theme" id="{62F939B6-93AF-4DB8-9C6B-D6C7DFDC589F}" vid="{4A3C46E8-61CC-4603-A589-7422A47A8E4A}"/>
     </a:ext>
   </a:extLst>
 </a:theme>
 </file>
 
 <file path=customXml/item1.xml><?xml version="1.0" encoding="utf-8"?>
-<LongProperties xmlns="http://schemas.microsoft.com/office/2006/metadata/longProperties"/>
+<p:properties xmlns:p="http://schemas.microsoft.com/office/2006/metadata/properties" xmlns:xsi="http://www.w3.org/2001/XMLSchema-instance" xmlns:pc="http://schemas.microsoft.com/office/infopath/2007/PartnerControls">
+  <documentManagement/>
+</p:properties>
 </file>
 
 <file path=customXml/item2.xml><?xml version="1.0" encoding="utf-8"?>
@@ -11910,9 +13840,7 @@
 </file>
 
 <file path=customXml/item3.xml><?xml version="1.0" encoding="utf-8"?>
-<p:properties xmlns:p="http://schemas.microsoft.com/office/2006/metadata/properties" xmlns:xsi="http://www.w3.org/2001/XMLSchema-instance" xmlns:pc="http://schemas.microsoft.com/office/infopath/2007/PartnerControls">
-  <documentManagement/>
-</p:properties>
+<LongProperties xmlns="http://schemas.microsoft.com/office/2006/metadata/longProperties"/>
 </file>
 
 <file path=customXml/item4.xml><?xml version="1.0" encoding="utf-8"?>
@@ -12054,9 +13982,17 @@
 </file>
 
 <file path=customXml/itemProps1.xml><?xml version="1.0" encoding="utf-8"?>
-<ds:datastoreItem xmlns:ds="http://schemas.openxmlformats.org/officeDocument/2006/customXml" ds:itemID="{2A77F18F-0B57-4494-B1AA-B69319836338}">
+<ds:datastoreItem xmlns:ds="http://schemas.openxmlformats.org/officeDocument/2006/customXml" ds:itemID="{4648474B-E60B-4BFA-8453-71A50FFA64FE}">
   <ds:schemaRefs>
-    <ds:schemaRef ds:uri="http://schemas.microsoft.com/office/2006/metadata/longProperties"/>
+    <ds:schemaRef ds:uri="http://schemas.microsoft.com/sharepoint/v3"/>
+    <ds:schemaRef ds:uri="http://www.w3.org/XML/1998/namespace"/>
+    <ds:schemaRef ds:uri="http://schemas.microsoft.com/office/infopath/2007/PartnerControls"/>
+    <ds:schemaRef ds:uri="http://schemas.microsoft.com/office/2006/metadata/properties"/>
+    <ds:schemaRef ds:uri="http://purl.org/dc/dcmitype/"/>
+    <ds:schemaRef ds:uri="http://purl.org/dc/elements/1.1/"/>
+    <ds:schemaRef ds:uri="http://schemas.microsoft.com/office/2006/documentManagement/types"/>
+    <ds:schemaRef ds:uri="http://schemas.openxmlformats.org/package/2006/metadata/core-properties"/>
+    <ds:schemaRef ds:uri="http://purl.org/dc/terms/"/>
   </ds:schemaRefs>
 </ds:datastoreItem>
 </file>
@@ -12070,17 +14006,9 @@
 </file>
 
 <file path=customXml/itemProps3.xml><?xml version="1.0" encoding="utf-8"?>
-<ds:datastoreItem xmlns:ds="http://schemas.openxmlformats.org/officeDocument/2006/customXml" ds:itemID="{4648474B-E60B-4BFA-8453-71A50FFA64FE}">
+<ds:datastoreItem xmlns:ds="http://schemas.openxmlformats.org/officeDocument/2006/customXml" ds:itemID="{2A77F18F-0B57-4494-B1AA-B69319836338}">
   <ds:schemaRefs>
-    <ds:schemaRef ds:uri="http://purl.org/dc/terms/"/>
-    <ds:schemaRef ds:uri="http://purl.org/dc/dcmitype/"/>
-    <ds:schemaRef ds:uri="http://schemas.microsoft.com/sharepoint/v3"/>
-    <ds:schemaRef ds:uri="http://purl.org/dc/elements/1.1/"/>
-    <ds:schemaRef ds:uri="http://www.w3.org/XML/1998/namespace"/>
-    <ds:schemaRef ds:uri="http://schemas.microsoft.com/office/2006/documentManagement/types"/>
-    <ds:schemaRef ds:uri="http://schemas.microsoft.com/office/infopath/2007/PartnerControls"/>
-    <ds:schemaRef ds:uri="http://schemas.openxmlformats.org/package/2006/metadata/core-properties"/>
-    <ds:schemaRef ds:uri="http://schemas.microsoft.com/office/2006/metadata/properties"/>
+    <ds:schemaRef ds:uri="http://schemas.microsoft.com/office/2006/metadata/longProperties"/>
   </ds:schemaRefs>
 </ds:datastoreItem>
 </file>
